--- a/인공지능 발표 ppt.pptx
+++ b/인공지능 발표 ppt.pptx
@@ -5,7 +5,7 @@
     <p:sldMasterId id="2147483648" r:id="rId1"/>
   </p:sldMasterIdLst>
   <p:notesMasterIdLst>
-    <p:notesMasterId r:id="rId17"/>
+    <p:notesMasterId r:id="rId18"/>
   </p:notesMasterIdLst>
   <p:sldIdLst>
     <p:sldId id="256" r:id="rId2"/>
@@ -15,14 +15,15 @@
     <p:sldId id="260" r:id="rId6"/>
     <p:sldId id="270" r:id="rId7"/>
     <p:sldId id="271" r:id="rId8"/>
-    <p:sldId id="261" r:id="rId9"/>
-    <p:sldId id="272" r:id="rId10"/>
-    <p:sldId id="265" r:id="rId11"/>
-    <p:sldId id="267" r:id="rId12"/>
-    <p:sldId id="264" r:id="rId13"/>
-    <p:sldId id="262" r:id="rId14"/>
-    <p:sldId id="266" r:id="rId15"/>
-    <p:sldId id="269" r:id="rId16"/>
+    <p:sldId id="273" r:id="rId9"/>
+    <p:sldId id="274" r:id="rId10"/>
+    <p:sldId id="272" r:id="rId11"/>
+    <p:sldId id="265" r:id="rId12"/>
+    <p:sldId id="267" r:id="rId13"/>
+    <p:sldId id="264" r:id="rId14"/>
+    <p:sldId id="262" r:id="rId15"/>
+    <p:sldId id="266" r:id="rId16"/>
+    <p:sldId id="269" r:id="rId17"/>
   </p:sldIdLst>
   <p:sldSz cx="12192000" cy="6858000"/>
   <p:notesSz cx="6858000" cy="9144000"/>
@@ -522,6 +523,22 @@
           <a:bodyPr/>
           <a:lstStyle/>
           <a:p>
+            <a:r>
+              <a:rPr lang="ko-KR" altLang="en-US" dirty="0"/>
+              <a:t>기존의 모델은 이렇게 </a:t>
+            </a:r>
+            <a:r>
+              <a:rPr lang="en-US" altLang="ko-KR" dirty="0"/>
+              <a:t>5 layer </a:t>
+            </a:r>
+            <a:r>
+              <a:rPr lang="ko-KR" altLang="en-US" dirty="0"/>
+              <a:t>로 구현되었다</a:t>
+            </a:r>
+            <a:r>
+              <a:rPr lang="en-US" altLang="ko-KR" dirty="0"/>
+              <a:t>.</a:t>
+            </a:r>
             <a:endParaRPr lang="ko-KR" altLang="en-US" dirty="0"/>
           </a:p>
         </p:txBody>
@@ -543,7 +560,7 @@
           <a:p>
             <a:fld id="{C7E75926-9BB1-4887-9E1E-3F46BA39A9CF}" type="slidenum">
               <a:rPr lang="ko-KR" altLang="en-US" smtClean="0"/>
-              <a:t>11</a:t>
+              <a:t>8</a:t>
             </a:fld>
             <a:endParaRPr lang="ko-KR" altLang="en-US"/>
           </a:p>
@@ -552,7 +569,7 @@
     </p:spTree>
     <p:extLst>
       <p:ext uri="{BB962C8B-B14F-4D97-AF65-F5344CB8AC3E}">
-        <p14:creationId xmlns:p14="http://schemas.microsoft.com/office/powerpoint/2010/main" val="525997071"/>
+        <p14:creationId xmlns:p14="http://schemas.microsoft.com/office/powerpoint/2010/main" val="1379455954"/>
       </p:ext>
     </p:extLst>
   </p:cSld>
@@ -606,6 +623,22 @@
           <a:bodyPr/>
           <a:lstStyle/>
           <a:p>
+            <a:r>
+              <a:rPr lang="ko-KR" altLang="en-US" dirty="0"/>
+              <a:t>기존의 모델은 이렇게 </a:t>
+            </a:r>
+            <a:r>
+              <a:rPr lang="en-US" altLang="ko-KR" dirty="0"/>
+              <a:t>5 layer </a:t>
+            </a:r>
+            <a:r>
+              <a:rPr lang="ko-KR" altLang="en-US" dirty="0"/>
+              <a:t>로 구현되었다</a:t>
+            </a:r>
+            <a:r>
+              <a:rPr lang="en-US" altLang="ko-KR" dirty="0"/>
+              <a:t>.</a:t>
+            </a:r>
             <a:endParaRPr lang="ko-KR" altLang="en-US" dirty="0"/>
           </a:p>
         </p:txBody>
@@ -627,7 +660,7 @@
           <a:p>
             <a:fld id="{C7E75926-9BB1-4887-9E1E-3F46BA39A9CF}" type="slidenum">
               <a:rPr lang="ko-KR" altLang="en-US" smtClean="0"/>
-              <a:t>12</a:t>
+              <a:t>9</a:t>
             </a:fld>
             <a:endParaRPr lang="ko-KR" altLang="en-US"/>
           </a:p>
@@ -636,7 +669,7 @@
     </p:spTree>
     <p:extLst>
       <p:ext uri="{BB962C8B-B14F-4D97-AF65-F5344CB8AC3E}">
-        <p14:creationId xmlns:p14="http://schemas.microsoft.com/office/powerpoint/2010/main" val="2463960029"/>
+        <p14:creationId xmlns:p14="http://schemas.microsoft.com/office/powerpoint/2010/main" val="2302932422"/>
       </p:ext>
     </p:extLst>
   </p:cSld>
@@ -711,7 +744,175 @@
           <a:p>
             <a:fld id="{C7E75926-9BB1-4887-9E1E-3F46BA39A9CF}" type="slidenum">
               <a:rPr lang="ko-KR" altLang="en-US" smtClean="0"/>
-              <a:t>14</a:t>
+              <a:t>12</a:t>
+            </a:fld>
+            <a:endParaRPr lang="ko-KR" altLang="en-US"/>
+          </a:p>
+        </p:txBody>
+      </p:sp>
+    </p:spTree>
+    <p:extLst>
+      <p:ext uri="{BB962C8B-B14F-4D97-AF65-F5344CB8AC3E}">
+        <p14:creationId xmlns:p14="http://schemas.microsoft.com/office/powerpoint/2010/main" val="525997071"/>
+      </p:ext>
+    </p:extLst>
+  </p:cSld>
+  <p:clrMapOvr>
+    <a:masterClrMapping/>
+  </p:clrMapOvr>
+</p:notes>
+</file>
+
+<file path=ppt/notesSlides/notesSlide4.xml><?xml version="1.0" encoding="utf-8"?>
+<p:notes xmlns:a="http://schemas.openxmlformats.org/drawingml/2006/main" xmlns:r="http://schemas.openxmlformats.org/officeDocument/2006/relationships" xmlns:p="http://schemas.openxmlformats.org/presentationml/2006/main">
+  <p:cSld>
+    <p:spTree>
+      <p:nvGrpSpPr>
+        <p:cNvPr id="1" name=""/>
+        <p:cNvGrpSpPr/>
+        <p:nvPr/>
+      </p:nvGrpSpPr>
+      <p:grpSpPr>
+        <a:xfrm>
+          <a:off x="0" y="0"/>
+          <a:ext cx="0" cy="0"/>
+          <a:chOff x="0" y="0"/>
+          <a:chExt cx="0" cy="0"/>
+        </a:xfrm>
+      </p:grpSpPr>
+      <p:sp>
+        <p:nvSpPr>
+          <p:cNvPr id="2" name="슬라이드 이미지 개체 틀 1"/>
+          <p:cNvSpPr>
+            <a:spLocks noGrp="1" noRot="1" noChangeAspect="1"/>
+          </p:cNvSpPr>
+          <p:nvPr>
+            <p:ph type="sldImg"/>
+          </p:nvPr>
+        </p:nvSpPr>
+        <p:spPr/>
+      </p:sp>
+      <p:sp>
+        <p:nvSpPr>
+          <p:cNvPr id="3" name="슬라이드 노트 개체 틀 2"/>
+          <p:cNvSpPr>
+            <a:spLocks noGrp="1"/>
+          </p:cNvSpPr>
+          <p:nvPr>
+            <p:ph type="body" idx="1"/>
+          </p:nvPr>
+        </p:nvSpPr>
+        <p:spPr/>
+        <p:txBody>
+          <a:bodyPr/>
+          <a:lstStyle/>
+          <a:p>
+            <a:endParaRPr lang="ko-KR" altLang="en-US" dirty="0"/>
+          </a:p>
+        </p:txBody>
+      </p:sp>
+      <p:sp>
+        <p:nvSpPr>
+          <p:cNvPr id="4" name="슬라이드 번호 개체 틀 3"/>
+          <p:cNvSpPr>
+            <a:spLocks noGrp="1"/>
+          </p:cNvSpPr>
+          <p:nvPr>
+            <p:ph type="sldNum" sz="quarter" idx="5"/>
+          </p:nvPr>
+        </p:nvSpPr>
+        <p:spPr/>
+        <p:txBody>
+          <a:bodyPr/>
+          <a:lstStyle/>
+          <a:p>
+            <a:fld id="{C7E75926-9BB1-4887-9E1E-3F46BA39A9CF}" type="slidenum">
+              <a:rPr lang="ko-KR" altLang="en-US" smtClean="0"/>
+              <a:t>13</a:t>
+            </a:fld>
+            <a:endParaRPr lang="ko-KR" altLang="en-US"/>
+          </a:p>
+        </p:txBody>
+      </p:sp>
+    </p:spTree>
+    <p:extLst>
+      <p:ext uri="{BB962C8B-B14F-4D97-AF65-F5344CB8AC3E}">
+        <p14:creationId xmlns:p14="http://schemas.microsoft.com/office/powerpoint/2010/main" val="2463960029"/>
+      </p:ext>
+    </p:extLst>
+  </p:cSld>
+  <p:clrMapOvr>
+    <a:masterClrMapping/>
+  </p:clrMapOvr>
+</p:notes>
+</file>
+
+<file path=ppt/notesSlides/notesSlide5.xml><?xml version="1.0" encoding="utf-8"?>
+<p:notes xmlns:a="http://schemas.openxmlformats.org/drawingml/2006/main" xmlns:r="http://schemas.openxmlformats.org/officeDocument/2006/relationships" xmlns:p="http://schemas.openxmlformats.org/presentationml/2006/main">
+  <p:cSld>
+    <p:spTree>
+      <p:nvGrpSpPr>
+        <p:cNvPr id="1" name=""/>
+        <p:cNvGrpSpPr/>
+        <p:nvPr/>
+      </p:nvGrpSpPr>
+      <p:grpSpPr>
+        <a:xfrm>
+          <a:off x="0" y="0"/>
+          <a:ext cx="0" cy="0"/>
+          <a:chOff x="0" y="0"/>
+          <a:chExt cx="0" cy="0"/>
+        </a:xfrm>
+      </p:grpSpPr>
+      <p:sp>
+        <p:nvSpPr>
+          <p:cNvPr id="2" name="슬라이드 이미지 개체 틀 1"/>
+          <p:cNvSpPr>
+            <a:spLocks noGrp="1" noRot="1" noChangeAspect="1"/>
+          </p:cNvSpPr>
+          <p:nvPr>
+            <p:ph type="sldImg"/>
+          </p:nvPr>
+        </p:nvSpPr>
+        <p:spPr/>
+      </p:sp>
+      <p:sp>
+        <p:nvSpPr>
+          <p:cNvPr id="3" name="슬라이드 노트 개체 틀 2"/>
+          <p:cNvSpPr>
+            <a:spLocks noGrp="1"/>
+          </p:cNvSpPr>
+          <p:nvPr>
+            <p:ph type="body" idx="1"/>
+          </p:nvPr>
+        </p:nvSpPr>
+        <p:spPr/>
+        <p:txBody>
+          <a:bodyPr/>
+          <a:lstStyle/>
+          <a:p>
+            <a:endParaRPr lang="ko-KR" altLang="en-US" dirty="0"/>
+          </a:p>
+        </p:txBody>
+      </p:sp>
+      <p:sp>
+        <p:nvSpPr>
+          <p:cNvPr id="4" name="슬라이드 번호 개체 틀 3"/>
+          <p:cNvSpPr>
+            <a:spLocks noGrp="1"/>
+          </p:cNvSpPr>
+          <p:nvPr>
+            <p:ph type="sldNum" sz="quarter" idx="5"/>
+          </p:nvPr>
+        </p:nvSpPr>
+        <p:spPr/>
+        <p:txBody>
+          <a:bodyPr/>
+          <a:lstStyle/>
+          <a:p>
+            <a:fld id="{C7E75926-9BB1-4887-9E1E-3F46BA39A9CF}" type="slidenum">
+              <a:rPr lang="ko-KR" altLang="en-US" smtClean="0"/>
+              <a:t>15</a:t>
             </a:fld>
             <a:endParaRPr lang="ko-KR" altLang="en-US"/>
           </a:p>
@@ -5691,6 +5892,319 @@
       </p:grpSpPr>
       <p:sp>
         <p:nvSpPr>
+          <p:cNvPr id="2" name="TextBox 1">
+            <a:extLst>
+              <a:ext uri="{FF2B5EF4-FFF2-40B4-BE49-F238E27FC236}">
+                <a16:creationId xmlns:a16="http://schemas.microsoft.com/office/drawing/2014/main" id="{111B57BE-8E56-C07F-A157-8A3053AE72DF}"/>
+              </a:ext>
+            </a:extLst>
+          </p:cNvPr>
+          <p:cNvSpPr txBox="1"/>
+          <p:nvPr/>
+        </p:nvSpPr>
+        <p:spPr>
+          <a:xfrm>
+            <a:off x="2195331" y="165720"/>
+            <a:ext cx="7801337" cy="3154710"/>
+          </a:xfrm>
+          <a:prstGeom prst="rect">
+            <a:avLst/>
+          </a:prstGeom>
+          <a:noFill/>
+        </p:spPr>
+        <p:txBody>
+          <a:bodyPr wrap="square" rtlCol="0">
+            <a:spAutoFit/>
+          </a:bodyPr>
+          <a:lstStyle/>
+          <a:p>
+            <a:r>
+              <a:rPr lang="ko-KR" altLang="en-US" sz="19900" b="1" dirty="0"/>
+              <a:t>분계선</a:t>
+            </a:r>
+          </a:p>
+        </p:txBody>
+      </p:sp>
+      <p:sp>
+        <p:nvSpPr>
+          <p:cNvPr id="3" name="TextBox 2">
+            <a:extLst>
+              <a:ext uri="{FF2B5EF4-FFF2-40B4-BE49-F238E27FC236}">
+                <a16:creationId xmlns:a16="http://schemas.microsoft.com/office/drawing/2014/main" id="{EB905922-1D71-8230-AC95-446109A6E9D6}"/>
+              </a:ext>
+            </a:extLst>
+          </p:cNvPr>
+          <p:cNvSpPr txBox="1"/>
+          <p:nvPr/>
+        </p:nvSpPr>
+        <p:spPr>
+          <a:xfrm>
+            <a:off x="99898" y="2922018"/>
+            <a:ext cx="11996851" cy="1231106"/>
+          </a:xfrm>
+          <a:prstGeom prst="rect">
+            <a:avLst/>
+          </a:prstGeom>
+          <a:noFill/>
+        </p:spPr>
+        <p:txBody>
+          <a:bodyPr wrap="square" rtlCol="0">
+            <a:spAutoFit/>
+          </a:bodyPr>
+          <a:lstStyle/>
+          <a:p>
+            <a:pPr>
+              <a:lnSpc>
+                <a:spcPct val="200000"/>
+              </a:lnSpc>
+            </a:pPr>
+            <a:r>
+              <a:rPr lang="ko-KR" altLang="en-US" sz="2000" b="1" dirty="0">
+                <a:latin typeface="제주명조" panose="02000300000000000000" pitchFamily="2" charset="-127"/>
+                <a:ea typeface="제주명조" panose="02000300000000000000" pitchFamily="2" charset="-127"/>
+              </a:rPr>
+              <a:t>정리해야 할 것</a:t>
+            </a:r>
+            <a:endParaRPr lang="en-US" altLang="ko-KR" sz="2000" b="1" dirty="0">
+              <a:latin typeface="제주명조" panose="02000300000000000000" pitchFamily="2" charset="-127"/>
+              <a:ea typeface="제주명조" panose="02000300000000000000" pitchFamily="2" charset="-127"/>
+            </a:endParaRPr>
+          </a:p>
+          <a:p>
+            <a:pPr marL="457200" indent="-457200">
+              <a:lnSpc>
+                <a:spcPct val="200000"/>
+              </a:lnSpc>
+              <a:buAutoNum type="arabicPeriod"/>
+            </a:pPr>
+            <a:r>
+              <a:rPr lang="ko-KR" altLang="en-US" sz="2000" dirty="0">
+                <a:latin typeface="제주명조" panose="02000300000000000000" pitchFamily="2" charset="-127"/>
+                <a:ea typeface="제주명조" panose="02000300000000000000" pitchFamily="2" charset="-127"/>
+              </a:rPr>
+              <a:t>처음 </a:t>
+            </a:r>
+            <a:r>
+              <a:rPr lang="en-US" altLang="ko-KR" sz="2000" dirty="0">
+                <a:latin typeface="제주명조" panose="02000300000000000000" pitchFamily="2" charset="-127"/>
+                <a:ea typeface="제주명조" panose="02000300000000000000" pitchFamily="2" charset="-127"/>
+              </a:rPr>
+              <a:t>sketched </a:t>
+            </a:r>
+            <a:r>
+              <a:rPr lang="ko-KR" altLang="en-US" sz="2000" dirty="0">
+                <a:latin typeface="제주명조" panose="02000300000000000000" pitchFamily="2" charset="-127"/>
+                <a:ea typeface="제주명조" panose="02000300000000000000" pitchFamily="2" charset="-127"/>
+              </a:rPr>
+              <a:t>된 </a:t>
+            </a:r>
+            <a:r>
+              <a:rPr lang="en-US" altLang="ko-KR" sz="2000" dirty="0">
+                <a:latin typeface="제주명조" panose="02000300000000000000" pitchFamily="2" charset="-127"/>
+                <a:ea typeface="제주명조" panose="02000300000000000000" pitchFamily="2" charset="-127"/>
+              </a:rPr>
+              <a:t>image </a:t>
+            </a:r>
+            <a:r>
+              <a:rPr lang="ko-KR" altLang="en-US" sz="2000" dirty="0">
+                <a:latin typeface="제주명조" panose="02000300000000000000" pitchFamily="2" charset="-127"/>
+                <a:ea typeface="제주명조" panose="02000300000000000000" pitchFamily="2" charset="-127"/>
+              </a:rPr>
+              <a:t>의 </a:t>
+            </a:r>
+            <a:r>
+              <a:rPr lang="en-US" altLang="ko-KR" sz="2000" dirty="0">
+                <a:latin typeface="제주명조" panose="02000300000000000000" pitchFamily="2" charset="-127"/>
+                <a:ea typeface="제주명조" panose="02000300000000000000" pitchFamily="2" charset="-127"/>
+              </a:rPr>
+              <a:t>width, height</a:t>
+            </a:r>
+            <a:endParaRPr lang="ko-KR" altLang="en-US" sz="2000" dirty="0">
+              <a:latin typeface="제주명조" panose="02000300000000000000" pitchFamily="2" charset="-127"/>
+              <a:ea typeface="제주명조" panose="02000300000000000000" pitchFamily="2" charset="-127"/>
+            </a:endParaRPr>
+          </a:p>
+        </p:txBody>
+      </p:sp>
+    </p:spTree>
+    <p:extLst>
+      <p:ext uri="{BB962C8B-B14F-4D97-AF65-F5344CB8AC3E}">
+        <p14:creationId xmlns:p14="http://schemas.microsoft.com/office/powerpoint/2010/main" val="3302114681"/>
+      </p:ext>
+    </p:extLst>
+  </p:cSld>
+  <p:clrMapOvr>
+    <a:masterClrMapping/>
+  </p:clrMapOvr>
+  <mc:AlternateContent xmlns:mc="http://schemas.openxmlformats.org/markup-compatibility/2006" xmlns:p14="http://schemas.microsoft.com/office/powerpoint/2010/main">
+    <mc:Choice Requires="p14">
+      <p:transition p14:dur="250">
+        <p:fade/>
+      </p:transition>
+    </mc:Choice>
+    <mc:Fallback xmlns="">
+      <p:transition>
+        <p:fade/>
+      </p:transition>
+    </mc:Fallback>
+  </mc:AlternateContent>
+  <p:timing>
+    <p:tnLst>
+      <p:par>
+        <p:cTn id="1" dur="indefinite" restart="never" nodeType="tmRoot">
+          <p:childTnLst>
+            <p:seq concurrent="1" nextAc="seek">
+              <p:cTn id="2" dur="indefinite" nodeType="mainSeq">
+                <p:childTnLst>
+                  <p:par>
+                    <p:cTn id="3" fill="hold">
+                      <p:stCondLst>
+                        <p:cond delay="indefinite"/>
+                        <p:cond evt="onBegin" delay="0">
+                          <p:tn val="2"/>
+                        </p:cond>
+                      </p:stCondLst>
+                      <p:childTnLst>
+                        <p:par>
+                          <p:cTn id="4" fill="hold">
+                            <p:stCondLst>
+                              <p:cond delay="0"/>
+                            </p:stCondLst>
+                            <p:childTnLst>
+                              <p:par>
+                                <p:cTn id="5" presetID="42" presetClass="entr" presetSubtype="0" fill="hold" grpId="0" nodeType="withEffect">
+                                  <p:stCondLst>
+                                    <p:cond delay="0"/>
+                                  </p:stCondLst>
+                                  <p:childTnLst>
+                                    <p:set>
+                                      <p:cBhvr>
+                                        <p:cTn id="6" dur="1" fill="hold">
+                                          <p:stCondLst>
+                                            <p:cond delay="0"/>
+                                          </p:stCondLst>
+                                        </p:cTn>
+                                        <p:tgtEl>
+                                          <p:spTgt spid="3"/>
+                                        </p:tgtEl>
+                                        <p:attrNameLst>
+                                          <p:attrName>style.visibility</p:attrName>
+                                        </p:attrNameLst>
+                                      </p:cBhvr>
+                                      <p:to>
+                                        <p:strVal val="visible"/>
+                                      </p:to>
+                                    </p:set>
+                                    <p:animEffect transition="in" filter="fade">
+                                      <p:cBhvr>
+                                        <p:cTn id="7" dur="150"/>
+                                        <p:tgtEl>
+                                          <p:spTgt spid="3"/>
+                                        </p:tgtEl>
+                                      </p:cBhvr>
+                                    </p:animEffect>
+                                    <p:anim calcmode="lin" valueType="num">
+                                      <p:cBhvr>
+                                        <p:cTn id="8" dur="150" fill="hold"/>
+                                        <p:tgtEl>
+                                          <p:spTgt spid="3"/>
+                                        </p:tgtEl>
+                                        <p:attrNameLst>
+                                          <p:attrName>ppt_x</p:attrName>
+                                        </p:attrNameLst>
+                                      </p:cBhvr>
+                                      <p:tavLst>
+                                        <p:tav tm="0">
+                                          <p:val>
+                                            <p:strVal val="#ppt_x"/>
+                                          </p:val>
+                                        </p:tav>
+                                        <p:tav tm="100000">
+                                          <p:val>
+                                            <p:strVal val="#ppt_x"/>
+                                          </p:val>
+                                        </p:tav>
+                                      </p:tavLst>
+                                    </p:anim>
+                                    <p:anim calcmode="lin" valueType="num">
+                                      <p:cBhvr>
+                                        <p:cTn id="9" dur="150" fill="hold"/>
+                                        <p:tgtEl>
+                                          <p:spTgt spid="3"/>
+                                        </p:tgtEl>
+                                        <p:attrNameLst>
+                                          <p:attrName>ppt_y</p:attrName>
+                                        </p:attrNameLst>
+                                      </p:cBhvr>
+                                      <p:tavLst>
+                                        <p:tav tm="0">
+                                          <p:val>
+                                            <p:strVal val="#ppt_y+.1"/>
+                                          </p:val>
+                                        </p:tav>
+                                        <p:tav tm="100000">
+                                          <p:val>
+                                            <p:strVal val="#ppt_y"/>
+                                          </p:val>
+                                        </p:tav>
+                                      </p:tavLst>
+                                    </p:anim>
+                                  </p:childTnLst>
+                                </p:cTn>
+                              </p:par>
+                            </p:childTnLst>
+                          </p:cTn>
+                        </p:par>
+                      </p:childTnLst>
+                    </p:cTn>
+                  </p:par>
+                </p:childTnLst>
+              </p:cTn>
+              <p:prevCondLst>
+                <p:cond evt="onPrev" delay="0">
+                  <p:tgtEl>
+                    <p:sldTgt/>
+                  </p:tgtEl>
+                </p:cond>
+              </p:prevCondLst>
+              <p:nextCondLst>
+                <p:cond evt="onNext" delay="0">
+                  <p:tgtEl>
+                    <p:sldTgt/>
+                  </p:tgtEl>
+                </p:cond>
+              </p:nextCondLst>
+            </p:seq>
+          </p:childTnLst>
+        </p:cTn>
+      </p:par>
+    </p:tnLst>
+    <p:bldLst>
+      <p:bldP spid="3" grpId="0"/>
+    </p:bldLst>
+  </p:timing>
+</p:sld>
+</file>
+
+<file path=ppt/slides/slide11.xml><?xml version="1.0" encoding="utf-8"?>
+<p:sld xmlns:a="http://schemas.openxmlformats.org/drawingml/2006/main" xmlns:r="http://schemas.openxmlformats.org/officeDocument/2006/relationships" xmlns:p="http://schemas.openxmlformats.org/presentationml/2006/main">
+  <p:cSld>
+    <p:spTree>
+      <p:nvGrpSpPr>
+        <p:cNvPr id="1" name=""/>
+        <p:cNvGrpSpPr/>
+        <p:nvPr/>
+      </p:nvGrpSpPr>
+      <p:grpSpPr>
+        <a:xfrm>
+          <a:off x="0" y="0"/>
+          <a:ext cx="0" cy="0"/>
+          <a:chOff x="0" y="0"/>
+          <a:chExt cx="0" cy="0"/>
+        </a:xfrm>
+      </p:grpSpPr>
+      <p:sp>
+        <p:nvSpPr>
           <p:cNvPr id="17" name="직사각형 16">
             <a:extLst>
               <a:ext uri="{FF2B5EF4-FFF2-40B4-BE49-F238E27FC236}">
@@ -6084,7 +6598,7 @@
 </p:sld>
 </file>
 
-<file path=ppt/slides/slide11.xml><?xml version="1.0" encoding="utf-8"?>
+<file path=ppt/slides/slide12.xml><?xml version="1.0" encoding="utf-8"?>
 <p:sld xmlns:a="http://schemas.openxmlformats.org/drawingml/2006/main" xmlns:r="http://schemas.openxmlformats.org/officeDocument/2006/relationships" xmlns:p="http://schemas.openxmlformats.org/presentationml/2006/main">
   <p:cSld>
     <p:spTree>
@@ -6689,7 +7203,7 @@
 </p:sld>
 </file>
 
-<file path=ppt/slides/slide12.xml><?xml version="1.0" encoding="utf-8"?>
+<file path=ppt/slides/slide13.xml><?xml version="1.0" encoding="utf-8"?>
 <p:sld xmlns:a="http://schemas.openxmlformats.org/drawingml/2006/main" xmlns:r="http://schemas.openxmlformats.org/officeDocument/2006/relationships" xmlns:p="http://schemas.openxmlformats.org/presentationml/2006/main">
   <p:cSld>
     <p:spTree>
@@ -8105,7 +8619,7 @@
 </p:sld>
 </file>
 
-<file path=ppt/slides/slide13.xml><?xml version="1.0" encoding="utf-8"?>
+<file path=ppt/slides/slide14.xml><?xml version="1.0" encoding="utf-8"?>
 <p:sld xmlns:a="http://schemas.openxmlformats.org/drawingml/2006/main" xmlns:r="http://schemas.openxmlformats.org/officeDocument/2006/relationships" xmlns:p="http://schemas.openxmlformats.org/presentationml/2006/main">
   <p:cSld>
     <p:spTree>
@@ -8496,7 +9010,7 @@
 </p:sld>
 </file>
 
-<file path=ppt/slides/slide14.xml><?xml version="1.0" encoding="utf-8"?>
+<file path=ppt/slides/slide15.xml><?xml version="1.0" encoding="utf-8"?>
 <p:sld xmlns:a="http://schemas.openxmlformats.org/drawingml/2006/main" xmlns:r="http://schemas.openxmlformats.org/officeDocument/2006/relationships" xmlns:p="http://schemas.openxmlformats.org/presentationml/2006/main">
   <p:cSld>
     <p:spTree>
@@ -9950,7 +10464,7 @@
 </p:sld>
 </file>
 
-<file path=ppt/slides/slide15.xml><?xml version="1.0" encoding="utf-8"?>
+<file path=ppt/slides/slide16.xml><?xml version="1.0" encoding="utf-8"?>
 <p:sld xmlns:a="http://schemas.openxmlformats.org/drawingml/2006/main" xmlns:r="http://schemas.openxmlformats.org/officeDocument/2006/relationships" xmlns:p="http://schemas.openxmlformats.org/presentationml/2006/main">
   <p:cSld>
     <p:spTree>
@@ -15251,9 +15765,9 @@
         <p:grpSpPr>
           <a:xfrm>
             <a:off x="216110" y="248441"/>
-            <a:ext cx="2596467" cy="707886"/>
+            <a:ext cx="2232842" cy="707886"/>
             <a:chOff x="294640" y="3596640"/>
-            <a:chExt cx="2596467" cy="707886"/>
+            <a:chExt cx="2232842" cy="707886"/>
           </a:xfrm>
         </p:grpSpPr>
         <p:sp>
@@ -15292,7 +15806,7 @@
                   <a:latin typeface="+mj-ea"/>
                   <a:ea typeface="+mj-ea"/>
                 </a:rPr>
-                <a:t>1</a:t>
+                <a:t>2</a:t>
               </a:r>
               <a:endParaRPr lang="ko-KR" altLang="en-US" sz="4000" b="1" dirty="0">
                 <a:solidFill>
@@ -15319,7 +15833,7 @@
           <p:spPr>
             <a:xfrm>
               <a:off x="943394" y="3688973"/>
-              <a:ext cx="1947713" cy="523220"/>
+              <a:ext cx="1584088" cy="523220"/>
             </a:xfrm>
             <a:prstGeom prst="rect">
               <a:avLst/>
@@ -15338,7 +15852,7 @@
                     <a:schemeClr val="bg1"/>
                   </a:solidFill>
                 </a:rPr>
-                <a:t>Introduction</a:t>
+                <a:t>Modeling</a:t>
               </a:r>
               <a:endParaRPr lang="ko-KR" altLang="en-US" sz="2800" spc="-150" dirty="0">
                 <a:solidFill>
@@ -16399,119 +16913,6 @@
           </a:p>
         </p:txBody>
       </p:sp>
-      <p:grpSp>
-        <p:nvGrpSpPr>
-          <p:cNvPr id="12" name="그룹 11">
-            <a:extLst>
-              <a:ext uri="{FF2B5EF4-FFF2-40B4-BE49-F238E27FC236}">
-                <a16:creationId xmlns:a16="http://schemas.microsoft.com/office/drawing/2014/main" id="{137C52EB-CE7F-F096-81F7-7EA36B61199A}"/>
-              </a:ext>
-            </a:extLst>
-          </p:cNvPr>
-          <p:cNvGrpSpPr/>
-          <p:nvPr/>
-        </p:nvGrpSpPr>
-        <p:grpSpPr>
-          <a:xfrm>
-            <a:off x="216110" y="248441"/>
-            <a:ext cx="2596467" cy="707886"/>
-            <a:chOff x="294640" y="3596640"/>
-            <a:chExt cx="2596467" cy="707886"/>
-          </a:xfrm>
-        </p:grpSpPr>
-        <p:sp>
-          <p:nvSpPr>
-            <p:cNvPr id="13" name="TextBox 12">
-              <a:extLst>
-                <a:ext uri="{FF2B5EF4-FFF2-40B4-BE49-F238E27FC236}">
-                  <a16:creationId xmlns:a16="http://schemas.microsoft.com/office/drawing/2014/main" id="{3B8229B3-B180-2D6B-9D4B-A060F35A734F}"/>
-                </a:ext>
-              </a:extLst>
-            </p:cNvPr>
-            <p:cNvSpPr txBox="1"/>
-            <p:nvPr/>
-          </p:nvSpPr>
-          <p:spPr>
-            <a:xfrm>
-              <a:off x="294640" y="3596640"/>
-              <a:ext cx="481222" cy="707886"/>
-            </a:xfrm>
-            <a:prstGeom prst="rect">
-              <a:avLst/>
-            </a:prstGeom>
-            <a:noFill/>
-          </p:spPr>
-          <p:txBody>
-            <a:bodyPr wrap="none" rtlCol="0">
-              <a:spAutoFit/>
-            </a:bodyPr>
-            <a:lstStyle/>
-            <a:p>
-              <a:r>
-                <a:rPr lang="en-US" altLang="ko-KR" sz="4000" b="1" dirty="0">
-                  <a:solidFill>
-                    <a:schemeClr val="bg1"/>
-                  </a:solidFill>
-                  <a:latin typeface="+mj-ea"/>
-                  <a:ea typeface="+mj-ea"/>
-                </a:rPr>
-                <a:t>1</a:t>
-              </a:r>
-              <a:endParaRPr lang="ko-KR" altLang="en-US" sz="4000" b="1" dirty="0">
-                <a:solidFill>
-                  <a:schemeClr val="bg1"/>
-                </a:solidFill>
-                <a:latin typeface="+mj-ea"/>
-                <a:ea typeface="+mj-ea"/>
-              </a:endParaRPr>
-            </a:p>
-          </p:txBody>
-        </p:sp>
-        <p:sp>
-          <p:nvSpPr>
-            <p:cNvPr id="14" name="TextBox 13">
-              <a:extLst>
-                <a:ext uri="{FF2B5EF4-FFF2-40B4-BE49-F238E27FC236}">
-                  <a16:creationId xmlns:a16="http://schemas.microsoft.com/office/drawing/2014/main" id="{8BA0F9CD-C090-D173-3C21-585341243164}"/>
-                </a:ext>
-              </a:extLst>
-            </p:cNvPr>
-            <p:cNvSpPr txBox="1"/>
-            <p:nvPr/>
-          </p:nvSpPr>
-          <p:spPr>
-            <a:xfrm>
-              <a:off x="943394" y="3688973"/>
-              <a:ext cx="1947713" cy="523220"/>
-            </a:xfrm>
-            <a:prstGeom prst="rect">
-              <a:avLst/>
-            </a:prstGeom>
-            <a:noFill/>
-          </p:spPr>
-          <p:txBody>
-            <a:bodyPr wrap="none" rtlCol="0">
-              <a:spAutoFit/>
-            </a:bodyPr>
-            <a:lstStyle/>
-            <a:p>
-              <a:r>
-                <a:rPr lang="en-US" altLang="ko-KR" sz="2800" spc="-150" dirty="0">
-                  <a:solidFill>
-                    <a:schemeClr val="bg1"/>
-                  </a:solidFill>
-                </a:rPr>
-                <a:t>Introduction</a:t>
-              </a:r>
-              <a:endParaRPr lang="ko-KR" altLang="en-US" sz="2800" spc="-150" dirty="0">
-                <a:solidFill>
-                  <a:schemeClr val="bg1"/>
-                </a:solidFill>
-              </a:endParaRPr>
-            </a:p>
-          </p:txBody>
-        </p:sp>
-      </p:grpSp>
       <p:pic>
         <p:nvPicPr>
           <p:cNvPr id="3" name="그림 2">
@@ -16822,6 +17223,119 @@
           </a:fontRef>
         </p:style>
       </p:cxnSp>
+      <p:grpSp>
+        <p:nvGrpSpPr>
+          <p:cNvPr id="15" name="그룹 14">
+            <a:extLst>
+              <a:ext uri="{FF2B5EF4-FFF2-40B4-BE49-F238E27FC236}">
+                <a16:creationId xmlns:a16="http://schemas.microsoft.com/office/drawing/2014/main" id="{F5B4019F-3A34-7B23-4212-610AE3C1C8CD}"/>
+              </a:ext>
+            </a:extLst>
+          </p:cNvPr>
+          <p:cNvGrpSpPr/>
+          <p:nvPr/>
+        </p:nvGrpSpPr>
+        <p:grpSpPr>
+          <a:xfrm>
+            <a:off x="216110" y="248441"/>
+            <a:ext cx="2232842" cy="707886"/>
+            <a:chOff x="294640" y="3596640"/>
+            <a:chExt cx="2232842" cy="707886"/>
+          </a:xfrm>
+        </p:grpSpPr>
+        <p:sp>
+          <p:nvSpPr>
+            <p:cNvPr id="16" name="TextBox 15">
+              <a:extLst>
+                <a:ext uri="{FF2B5EF4-FFF2-40B4-BE49-F238E27FC236}">
+                  <a16:creationId xmlns:a16="http://schemas.microsoft.com/office/drawing/2014/main" id="{C40582AA-CBB7-067C-7C46-0407A25B76D1}"/>
+                </a:ext>
+              </a:extLst>
+            </p:cNvPr>
+            <p:cNvSpPr txBox="1"/>
+            <p:nvPr/>
+          </p:nvSpPr>
+          <p:spPr>
+            <a:xfrm>
+              <a:off x="294640" y="3596640"/>
+              <a:ext cx="481222" cy="707886"/>
+            </a:xfrm>
+            <a:prstGeom prst="rect">
+              <a:avLst/>
+            </a:prstGeom>
+            <a:noFill/>
+          </p:spPr>
+          <p:txBody>
+            <a:bodyPr wrap="none" rtlCol="0">
+              <a:spAutoFit/>
+            </a:bodyPr>
+            <a:lstStyle/>
+            <a:p>
+              <a:r>
+                <a:rPr lang="en-US" altLang="ko-KR" sz="4000" b="1" dirty="0">
+                  <a:solidFill>
+                    <a:schemeClr val="bg1"/>
+                  </a:solidFill>
+                  <a:latin typeface="+mj-ea"/>
+                  <a:ea typeface="+mj-ea"/>
+                </a:rPr>
+                <a:t>2</a:t>
+              </a:r>
+              <a:endParaRPr lang="ko-KR" altLang="en-US" sz="4000" b="1" dirty="0">
+                <a:solidFill>
+                  <a:schemeClr val="bg1"/>
+                </a:solidFill>
+                <a:latin typeface="+mj-ea"/>
+                <a:ea typeface="+mj-ea"/>
+              </a:endParaRPr>
+            </a:p>
+          </p:txBody>
+        </p:sp>
+        <p:sp>
+          <p:nvSpPr>
+            <p:cNvPr id="18" name="TextBox 17">
+              <a:extLst>
+                <a:ext uri="{FF2B5EF4-FFF2-40B4-BE49-F238E27FC236}">
+                  <a16:creationId xmlns:a16="http://schemas.microsoft.com/office/drawing/2014/main" id="{F5BE04DE-F3F2-5443-01BE-C83279D4C65F}"/>
+                </a:ext>
+              </a:extLst>
+            </p:cNvPr>
+            <p:cNvSpPr txBox="1"/>
+            <p:nvPr/>
+          </p:nvSpPr>
+          <p:spPr>
+            <a:xfrm>
+              <a:off x="943394" y="3688973"/>
+              <a:ext cx="1584088" cy="523220"/>
+            </a:xfrm>
+            <a:prstGeom prst="rect">
+              <a:avLst/>
+            </a:prstGeom>
+            <a:noFill/>
+          </p:spPr>
+          <p:txBody>
+            <a:bodyPr wrap="none" rtlCol="0">
+              <a:spAutoFit/>
+            </a:bodyPr>
+            <a:lstStyle/>
+            <a:p>
+              <a:r>
+                <a:rPr lang="en-US" altLang="ko-KR" sz="2800" spc="-150" dirty="0">
+                  <a:solidFill>
+                    <a:schemeClr val="bg1"/>
+                  </a:solidFill>
+                </a:rPr>
+                <a:t>Modeling</a:t>
+              </a:r>
+              <a:endParaRPr lang="ko-KR" altLang="en-US" sz="2800" spc="-150" dirty="0">
+                <a:solidFill>
+                  <a:schemeClr val="bg1"/>
+                </a:solidFill>
+              </a:endParaRPr>
+            </a:p>
+          </p:txBody>
+        </p:sp>
+      </p:grpSp>
     </p:spTree>
     <p:extLst>
       <p:ext uri="{BB962C8B-B14F-4D97-AF65-F5344CB8AC3E}">
@@ -17083,10 +17597,10 @@
       </p:grpSpPr>
       <p:sp>
         <p:nvSpPr>
-          <p:cNvPr id="4" name="직사각형 3">
-            <a:extLst>
-              <a:ext uri="{FF2B5EF4-FFF2-40B4-BE49-F238E27FC236}">
-                <a16:creationId xmlns:a16="http://schemas.microsoft.com/office/drawing/2014/main" id="{AAD10983-B5B6-4119-8CD7-DB9B0180D44E}"/>
+          <p:cNvPr id="17" name="직사각형 16">
+            <a:extLst>
+              <a:ext uri="{FF2B5EF4-FFF2-40B4-BE49-F238E27FC236}">
+                <a16:creationId xmlns:a16="http://schemas.microsoft.com/office/drawing/2014/main" id="{A53E3F2A-E896-DD1D-DB95-D32928C589FA}"/>
               </a:ext>
             </a:extLst>
           </p:cNvPr>
@@ -17095,8 +17609,8 @@
         </p:nvSpPr>
         <p:spPr>
           <a:xfrm>
-            <a:off x="0" y="0"/>
-            <a:ext cx="12192000" cy="1076960"/>
+            <a:off x="-95251" y="-84203"/>
+            <a:ext cx="12353925" cy="1151638"/>
           </a:xfrm>
           <a:prstGeom prst="rect">
             <a:avLst/>
@@ -17132,10 +17646,10 @@
       </p:sp>
       <p:sp>
         <p:nvSpPr>
-          <p:cNvPr id="5" name="TextBox 4">
-            <a:extLst>
-              <a:ext uri="{FF2B5EF4-FFF2-40B4-BE49-F238E27FC236}">
-                <a16:creationId xmlns:a16="http://schemas.microsoft.com/office/drawing/2014/main" id="{1844EBE8-0933-474A-9F91-0CFC76F21F13}"/>
+          <p:cNvPr id="30" name="TextBox 29">
+            <a:extLst>
+              <a:ext uri="{FF2B5EF4-FFF2-40B4-BE49-F238E27FC236}">
+                <a16:creationId xmlns:a16="http://schemas.microsoft.com/office/drawing/2014/main" id="{312AA7E0-7DA4-D333-80E2-4F03DB57F619}"/>
               </a:ext>
             </a:extLst>
           </p:cNvPr>
@@ -17144,8 +17658,8 @@
         </p:nvSpPr>
         <p:spPr>
           <a:xfrm>
-            <a:off x="875104" y="252411"/>
-            <a:ext cx="2435282" cy="584775"/>
+            <a:off x="99899" y="1196085"/>
+            <a:ext cx="1785726" cy="461665"/>
           </a:xfrm>
           <a:prstGeom prst="rect">
             <a:avLst/>
@@ -17153,121 +17667,105 @@
           <a:noFill/>
         </p:spPr>
         <p:txBody>
-          <a:bodyPr wrap="none" rtlCol="0">
+          <a:bodyPr wrap="square" rtlCol="0">
             <a:spAutoFit/>
           </a:bodyPr>
           <a:lstStyle/>
           <a:p>
             <a:r>
-              <a:rPr lang="en-US" altLang="ko-KR" sz="3200" spc="-150" dirty="0">
-                <a:solidFill>
-                  <a:schemeClr val="bg1"/>
-                </a:solidFill>
-              </a:rPr>
-              <a:t>PostgreSQL : </a:t>
-            </a:r>
-            <a:endParaRPr lang="ko-KR" altLang="en-US" sz="3200" spc="-300" dirty="0">
-              <a:solidFill>
-                <a:schemeClr val="bg1"/>
-              </a:solidFill>
+              <a:rPr lang="en-US" altLang="ko-KR" sz="2400" b="1" dirty="0">
+                <a:latin typeface="제주명조" panose="02000300000000000000" pitchFamily="2" charset="-127"/>
+                <a:ea typeface="제주명조" panose="02000300000000000000" pitchFamily="2" charset="-127"/>
+              </a:rPr>
+              <a:t>Used model</a:t>
+            </a:r>
+            <a:endParaRPr lang="ko-KR" altLang="en-US" sz="2400" b="1" dirty="0">
+              <a:latin typeface="제주명조" panose="02000300000000000000" pitchFamily="2" charset="-127"/>
+              <a:ea typeface="제주명조" panose="02000300000000000000" pitchFamily="2" charset="-127"/>
             </a:endParaRPr>
           </a:p>
         </p:txBody>
       </p:sp>
-      <p:sp>
-        <p:nvSpPr>
-          <p:cNvPr id="6" name="TextBox 5">
-            <a:extLst>
-              <a:ext uri="{FF2B5EF4-FFF2-40B4-BE49-F238E27FC236}">
-                <a16:creationId xmlns:a16="http://schemas.microsoft.com/office/drawing/2014/main" id="{CB8A9DF1-8FAE-4D25-A22D-CE1F69A7C115}"/>
-              </a:ext>
-            </a:extLst>
-          </p:cNvPr>
-          <p:cNvSpPr txBox="1"/>
+      <p:cxnSp>
+        <p:nvCxnSpPr>
+          <p:cNvPr id="31" name="직선 연결선 30">
+            <a:extLst>
+              <a:ext uri="{FF2B5EF4-FFF2-40B4-BE49-F238E27FC236}">
+                <a16:creationId xmlns:a16="http://schemas.microsoft.com/office/drawing/2014/main" id="{26951967-BC88-6B16-069F-D786DC4399B9}"/>
+              </a:ext>
+            </a:extLst>
+          </p:cNvPr>
+          <p:cNvCxnSpPr>
+            <a:cxnSpLocks/>
+          </p:cNvCxnSpPr>
           <p:nvPr/>
-        </p:nvSpPr>
+        </p:nvCxnSpPr>
         <p:spPr>
           <a:xfrm>
-            <a:off x="104316" y="246092"/>
-            <a:ext cx="770788" cy="307777"/>
+            <a:off x="-144145" y="1727835"/>
+            <a:ext cx="2029769" cy="0"/>
+          </a:xfrm>
+          <a:prstGeom prst="line">
+            <a:avLst/>
+          </a:prstGeom>
+          <a:ln>
+            <a:solidFill>
+              <a:schemeClr val="tx1"/>
+            </a:solidFill>
+            <a:tailEnd type="oval"/>
+          </a:ln>
+        </p:spPr>
+        <p:style>
+          <a:lnRef idx="1">
+            <a:schemeClr val="accent1"/>
+          </a:lnRef>
+          <a:fillRef idx="0">
+            <a:schemeClr val="accent1"/>
+          </a:fillRef>
+          <a:effectRef idx="0">
+            <a:schemeClr val="accent1"/>
+          </a:effectRef>
+          <a:fontRef idx="minor">
+            <a:schemeClr val="tx1"/>
+          </a:fontRef>
+        </p:style>
+      </p:cxnSp>
+      <p:pic>
+        <p:nvPicPr>
+          <p:cNvPr id="5" name="그림 4">
+            <a:extLst>
+              <a:ext uri="{FF2B5EF4-FFF2-40B4-BE49-F238E27FC236}">
+                <a16:creationId xmlns:a16="http://schemas.microsoft.com/office/drawing/2014/main" id="{E3A23363-83FD-E6EE-E2BC-5114F4729765}"/>
+              </a:ext>
+            </a:extLst>
+          </p:cNvPr>
+          <p:cNvPicPr>
+            <a:picLocks noChangeAspect="1"/>
+          </p:cNvPicPr>
+          <p:nvPr/>
+        </p:nvPicPr>
+        <p:blipFill>
+          <a:blip r:embed="rId3"/>
+          <a:stretch>
+            <a:fillRect/>
+          </a:stretch>
+        </p:blipFill>
+        <p:spPr>
+          <a:xfrm>
+            <a:off x="1193796" y="2318150"/>
+            <a:ext cx="9775830" cy="3526225"/>
           </a:xfrm>
           <a:prstGeom prst="rect">
             <a:avLst/>
           </a:prstGeom>
-          <a:noFill/>
         </p:spPr>
-        <p:txBody>
-          <a:bodyPr wrap="none" rtlCol="0">
-            <a:spAutoFit/>
-          </a:bodyPr>
-          <a:lstStyle/>
-          <a:p>
-            <a:r>
-              <a:rPr lang="en-US" altLang="ko-KR" sz="1400" dirty="0">
-                <a:solidFill>
-                  <a:schemeClr val="bg1"/>
-                </a:solidFill>
-              </a:rPr>
-              <a:t>Part 2, </a:t>
-            </a:r>
-            <a:endParaRPr lang="ko-KR" altLang="en-US" sz="1400" dirty="0">
-              <a:solidFill>
-                <a:schemeClr val="bg1"/>
-              </a:solidFill>
-            </a:endParaRPr>
-          </a:p>
-        </p:txBody>
-      </p:sp>
-      <p:sp>
-        <p:nvSpPr>
-          <p:cNvPr id="7" name="TextBox 6">
-            <a:extLst>
-              <a:ext uri="{FF2B5EF4-FFF2-40B4-BE49-F238E27FC236}">
-                <a16:creationId xmlns:a16="http://schemas.microsoft.com/office/drawing/2014/main" id="{9E8A2899-02DB-4555-8F59-9D7BE15359D2}"/>
-              </a:ext>
-            </a:extLst>
-          </p:cNvPr>
-          <p:cNvSpPr txBox="1"/>
-          <p:nvPr/>
-        </p:nvSpPr>
-        <p:spPr>
-          <a:xfrm>
-            <a:off x="3210053" y="246092"/>
-            <a:ext cx="4929555" cy="584775"/>
-          </a:xfrm>
-          <a:prstGeom prst="rect">
-            <a:avLst/>
-          </a:prstGeom>
-          <a:noFill/>
-        </p:spPr>
-        <p:txBody>
-          <a:bodyPr wrap="none" rtlCol="0">
-            <a:spAutoFit/>
-          </a:bodyPr>
-          <a:lstStyle/>
-          <a:p>
-            <a:r>
-              <a:rPr lang="en-US" altLang="ko-KR" sz="3200" spc="-150" dirty="0">
-                <a:solidFill>
-                  <a:schemeClr val="bg1"/>
-                </a:solidFill>
-              </a:rPr>
-              <a:t>Cost Based Optimizer (CBO)</a:t>
-            </a:r>
-            <a:endParaRPr lang="ko-KR" altLang="en-US" sz="3200" spc="-150" dirty="0">
-              <a:solidFill>
-                <a:schemeClr val="bg1"/>
-              </a:solidFill>
-            </a:endParaRPr>
-          </a:p>
-        </p:txBody>
-      </p:sp>
+      </p:pic>
       <p:grpSp>
         <p:nvGrpSpPr>
           <p:cNvPr id="16" name="그룹 15">
             <a:extLst>
               <a:ext uri="{FF2B5EF4-FFF2-40B4-BE49-F238E27FC236}">
-                <a16:creationId xmlns:a16="http://schemas.microsoft.com/office/drawing/2014/main" id="{52A9BCE5-E89F-4C6F-8CCD-F4A801F5BD98}"/>
+                <a16:creationId xmlns:a16="http://schemas.microsoft.com/office/drawing/2014/main" id="{94B7626F-32AA-75C3-D3F9-670275DF4522}"/>
               </a:ext>
             </a:extLst>
           </p:cNvPr>
@@ -17276,73 +17774,18 @@
         </p:nvGrpSpPr>
         <p:grpSpPr>
           <a:xfrm>
-            <a:off x="146329" y="1257960"/>
-            <a:ext cx="11901126" cy="5453925"/>
-            <a:chOff x="146329" y="1257960"/>
-            <a:chExt cx="11901126" cy="5453925"/>
+            <a:off x="216110" y="248441"/>
+            <a:ext cx="2232842" cy="707886"/>
+            <a:chOff x="294640" y="3596640"/>
+            <a:chExt cx="2232842" cy="707886"/>
           </a:xfrm>
         </p:grpSpPr>
         <p:sp>
           <p:nvSpPr>
-            <p:cNvPr id="13" name="직사각형 12">
+            <p:cNvPr id="18" name="TextBox 17">
               <a:extLst>
                 <a:ext uri="{FF2B5EF4-FFF2-40B4-BE49-F238E27FC236}">
-                  <a16:creationId xmlns:a16="http://schemas.microsoft.com/office/drawing/2014/main" id="{E34CAD5F-4BE7-4149-BC73-D978816DCF4A}"/>
-                </a:ext>
-              </a:extLst>
-            </p:cNvPr>
-            <p:cNvSpPr/>
-            <p:nvPr/>
-          </p:nvSpPr>
-          <p:spPr>
-            <a:xfrm>
-              <a:off x="146329" y="1257960"/>
-              <a:ext cx="11901126" cy="5453925"/>
-            </a:xfrm>
-            <a:prstGeom prst="rect">
-              <a:avLst/>
-            </a:prstGeom>
-            <a:solidFill>
-              <a:srgbClr val="1E3252"/>
-            </a:solidFill>
-            <a:ln>
-              <a:noFill/>
-            </a:ln>
-          </p:spPr>
-          <p:style>
-            <a:lnRef idx="2">
-              <a:schemeClr val="accent1">
-                <a:shade val="50000"/>
-              </a:schemeClr>
-            </a:lnRef>
-            <a:fillRef idx="1">
-              <a:schemeClr val="accent1"/>
-            </a:fillRef>
-            <a:effectRef idx="0">
-              <a:schemeClr val="accent1"/>
-            </a:effectRef>
-            <a:fontRef idx="minor">
-              <a:schemeClr val="lt1"/>
-            </a:fontRef>
-          </p:style>
-          <p:txBody>
-            <a:bodyPr rtlCol="0" anchor="ctr"/>
-            <a:lstStyle/>
-            <a:p>
-              <a:pPr algn="ctr"/>
-              <a:endParaRPr lang="ko-KR" altLang="en-US">
-                <a:latin typeface="Arial" panose="020B0604020202020204" pitchFamily="34" charset="0"/>
-                <a:cs typeface="Arial" panose="020B0604020202020204" pitchFamily="34" charset="0"/>
-              </a:endParaRPr>
-            </a:p>
-          </p:txBody>
-        </p:sp>
-        <p:sp>
-          <p:nvSpPr>
-            <p:cNvPr id="15" name="TextBox 14">
-              <a:extLst>
-                <a:ext uri="{FF2B5EF4-FFF2-40B4-BE49-F238E27FC236}">
-                  <a16:creationId xmlns:a16="http://schemas.microsoft.com/office/drawing/2014/main" id="{ECB52E35-B6C7-4316-868F-3B26C6BC7EC8}"/>
+                  <a16:creationId xmlns:a16="http://schemas.microsoft.com/office/drawing/2014/main" id="{B4737D57-4CE2-6CB9-2DED-68C93ABF4655}"/>
                 </a:ext>
               </a:extLst>
             </p:cNvPr>
@@ -17351,8 +17794,8 @@
           </p:nvSpPr>
           <p:spPr>
             <a:xfrm>
-              <a:off x="330238" y="1426753"/>
-              <a:ext cx="4443280" cy="400110"/>
+              <a:off x="294640" y="3596640"/>
+              <a:ext cx="481222" cy="707886"/>
             </a:xfrm>
             <a:prstGeom prst="rect">
               <a:avLst/>
@@ -17360,20 +17803,68 @@
             <a:noFill/>
           </p:spPr>
           <p:txBody>
-            <a:bodyPr wrap="square" rtlCol="0">
+            <a:bodyPr wrap="none" rtlCol="0">
               <a:spAutoFit/>
             </a:bodyPr>
             <a:lstStyle/>
             <a:p>
               <a:r>
-                <a:rPr lang="en-US" altLang="ko-KR" sz="2000" b="1" dirty="0">
+                <a:rPr lang="en-US" altLang="ko-KR" sz="4000" b="1" dirty="0">
+                  <a:solidFill>
+                    <a:schemeClr val="bg1"/>
+                  </a:solidFill>
+                  <a:latin typeface="+mj-ea"/>
+                  <a:ea typeface="+mj-ea"/>
+                </a:rPr>
+                <a:t>2</a:t>
+              </a:r>
+              <a:endParaRPr lang="ko-KR" altLang="en-US" sz="4000" b="1" dirty="0">
+                <a:solidFill>
+                  <a:schemeClr val="bg1"/>
+                </a:solidFill>
+                <a:latin typeface="+mj-ea"/>
+                <a:ea typeface="+mj-ea"/>
+              </a:endParaRPr>
+            </a:p>
+          </p:txBody>
+        </p:sp>
+        <p:sp>
+          <p:nvSpPr>
+            <p:cNvPr id="19" name="TextBox 18">
+              <a:extLst>
+                <a:ext uri="{FF2B5EF4-FFF2-40B4-BE49-F238E27FC236}">
+                  <a16:creationId xmlns:a16="http://schemas.microsoft.com/office/drawing/2014/main" id="{E05863A3-8CF1-44A8-89AD-FCF5300F6CC9}"/>
+                </a:ext>
+              </a:extLst>
+            </p:cNvPr>
+            <p:cNvSpPr txBox="1"/>
+            <p:nvPr/>
+          </p:nvSpPr>
+          <p:spPr>
+            <a:xfrm>
+              <a:off x="943394" y="3688973"/>
+              <a:ext cx="1584088" cy="523220"/>
+            </a:xfrm>
+            <a:prstGeom prst="rect">
+              <a:avLst/>
+            </a:prstGeom>
+            <a:noFill/>
+          </p:spPr>
+          <p:txBody>
+            <a:bodyPr wrap="none" rtlCol="0">
+              <a:spAutoFit/>
+            </a:bodyPr>
+            <a:lstStyle/>
+            <a:p>
+              <a:r>
+                <a:rPr lang="en-US" altLang="ko-KR" sz="2800" spc="-150" dirty="0">
                   <a:solidFill>
                     <a:schemeClr val="bg1"/>
                   </a:solidFill>
                 </a:rPr>
-                <a:t>Default CNN Source</a:t>
+                <a:t>Modeling</a:t>
               </a:r>
-              <a:endParaRPr lang="ko-KR" altLang="en-US" sz="2000" b="1" dirty="0">
+              <a:endParaRPr lang="ko-KR" altLang="en-US" sz="2800" spc="-150" dirty="0">
                 <a:solidFill>
                   <a:schemeClr val="bg1"/>
                 </a:solidFill>
@@ -17382,40 +17873,10 @@
           </p:txBody>
         </p:sp>
       </p:grpSp>
-      <p:pic>
-        <p:nvPicPr>
-          <p:cNvPr id="11" name="그림 10">
-            <a:extLst>
-              <a:ext uri="{FF2B5EF4-FFF2-40B4-BE49-F238E27FC236}">
-                <a16:creationId xmlns:a16="http://schemas.microsoft.com/office/drawing/2014/main" id="{91C07B85-4866-32D6-411A-BD4D66042DC3}"/>
-              </a:ext>
-            </a:extLst>
-          </p:cNvPr>
-          <p:cNvPicPr>
-            <a:picLocks noChangeAspect="1"/>
-          </p:cNvPicPr>
-          <p:nvPr/>
-        </p:nvPicPr>
-        <p:blipFill>
-          <a:blip r:embed="rId2"/>
-          <a:stretch>
-            <a:fillRect/>
-          </a:stretch>
-        </p:blipFill>
-        <p:spPr>
-          <a:xfrm>
-            <a:off x="330238" y="2007863"/>
-            <a:ext cx="11499089" cy="4488454"/>
-          </a:xfrm>
-          <a:prstGeom prst="rect">
-            <a:avLst/>
-          </a:prstGeom>
-        </p:spPr>
-      </p:pic>
     </p:spTree>
     <p:extLst>
       <p:ext uri="{BB962C8B-B14F-4D97-AF65-F5344CB8AC3E}">
-        <p14:creationId xmlns:p14="http://schemas.microsoft.com/office/powerpoint/2010/main" val="3878976138"/>
+        <p14:creationId xmlns:p14="http://schemas.microsoft.com/office/powerpoint/2010/main" val="2347351031"/>
       </p:ext>
     </p:extLst>
   </p:cSld>
@@ -17424,7 +17885,7 @@
   </p:clrMapOvr>
   <mc:AlternateContent xmlns:mc="http://schemas.openxmlformats.org/markup-compatibility/2006" xmlns:p159="http://schemas.microsoft.com/office/powerpoint/2015/09/main">
     <mc:Choice Requires="p159">
-      <p:transition xmlns:p14="http://schemas.microsoft.com/office/powerpoint/2010/main" p14:dur="250">
+      <p:transition xmlns:p14="http://schemas.microsoft.com/office/powerpoint/2010/main" p14:dur="150">
         <p159:morph option="byObject"/>
       </p:transition>
     </mc:Choice>
@@ -17434,89 +17895,6 @@
       </p:transition>
     </mc:Fallback>
   </mc:AlternateContent>
-  <p:timing>
-    <p:tnLst>
-      <p:par>
-        <p:cTn id="1" dur="indefinite" restart="never" nodeType="tmRoot">
-          <p:childTnLst>
-            <p:seq concurrent="1" nextAc="seek">
-              <p:cTn id="2" dur="indefinite" nodeType="mainSeq">
-                <p:childTnLst>
-                  <p:par>
-                    <p:cTn id="3" fill="hold">
-                      <p:stCondLst>
-                        <p:cond delay="indefinite"/>
-                      </p:stCondLst>
-                      <p:childTnLst>
-                        <p:par>
-                          <p:cTn id="4" fill="hold">
-                            <p:stCondLst>
-                              <p:cond delay="0"/>
-                            </p:stCondLst>
-                            <p:childTnLst>
-                              <p:par>
-                                <p:cTn id="5" presetID="10" presetClass="entr" presetSubtype="0" fill="hold" nodeType="clickEffect">
-                                  <p:stCondLst>
-                                    <p:cond delay="0"/>
-                                  </p:stCondLst>
-                                  <p:childTnLst>
-                                    <p:set>
-                                      <p:cBhvr>
-                                        <p:cTn id="6" dur="1" fill="hold">
-                                          <p:stCondLst>
-                                            <p:cond delay="0"/>
-                                          </p:stCondLst>
-                                        </p:cTn>
-                                        <p:tgtEl>
-                                          <p:spTgt spid="16"/>
-                                        </p:tgtEl>
-                                        <p:attrNameLst>
-                                          <p:attrName>style.visibility</p:attrName>
-                                        </p:attrNameLst>
-                                      </p:cBhvr>
-                                      <p:to>
-                                        <p:strVal val="visible"/>
-                                      </p:to>
-                                    </p:set>
-                                    <p:animEffect transition="in" filter="fade">
-                                      <p:cBhvr>
-                                        <p:cTn id="7" dur="250"/>
-                                        <p:tgtEl>
-                                          <p:spTgt spid="16"/>
-                                        </p:tgtEl>
-                                      </p:cBhvr>
-                                    </p:animEffect>
-                                  </p:childTnLst>
-                                </p:cTn>
-                              </p:par>
-                            </p:childTnLst>
-                          </p:cTn>
-                        </p:par>
-                      </p:childTnLst>
-                    </p:cTn>
-                  </p:par>
-                </p:childTnLst>
-              </p:cTn>
-              <p:prevCondLst>
-                <p:cond evt="onPrev" delay="0">
-                  <p:tgtEl>
-                    <p:sldTgt/>
-                  </p:tgtEl>
-                </p:cond>
-              </p:prevCondLst>
-              <p:nextCondLst>
-                <p:cond evt="onNext" delay="0">
-                  <p:tgtEl>
-                    <p:sldTgt/>
-                  </p:tgtEl>
-                </p:cond>
-              </p:nextCondLst>
-            </p:seq>
-          </p:childTnLst>
-        </p:cTn>
-      </p:par>
-    </p:tnLst>
-  </p:timing>
 </p:sld>
 </file>
 
@@ -17539,10 +17917,59 @@
       </p:grpSpPr>
       <p:sp>
         <p:nvSpPr>
-          <p:cNvPr id="2" name="TextBox 1">
-            <a:extLst>
-              <a:ext uri="{FF2B5EF4-FFF2-40B4-BE49-F238E27FC236}">
-                <a16:creationId xmlns:a16="http://schemas.microsoft.com/office/drawing/2014/main" id="{111B57BE-8E56-C07F-A157-8A3053AE72DF}"/>
+          <p:cNvPr id="17" name="직사각형 16">
+            <a:extLst>
+              <a:ext uri="{FF2B5EF4-FFF2-40B4-BE49-F238E27FC236}">
+                <a16:creationId xmlns:a16="http://schemas.microsoft.com/office/drawing/2014/main" id="{A53E3F2A-E896-DD1D-DB95-D32928C589FA}"/>
+              </a:ext>
+            </a:extLst>
+          </p:cNvPr>
+          <p:cNvSpPr/>
+          <p:nvPr/>
+        </p:nvSpPr>
+        <p:spPr>
+          <a:xfrm>
+            <a:off x="-95251" y="-84203"/>
+            <a:ext cx="12353925" cy="1151638"/>
+          </a:xfrm>
+          <a:prstGeom prst="rect">
+            <a:avLst/>
+          </a:prstGeom>
+          <a:solidFill>
+            <a:srgbClr val="1E3252"/>
+          </a:solidFill>
+        </p:spPr>
+        <p:style>
+          <a:lnRef idx="2">
+            <a:schemeClr val="accent1">
+              <a:shade val="50000"/>
+            </a:schemeClr>
+          </a:lnRef>
+          <a:fillRef idx="1">
+            <a:schemeClr val="accent1"/>
+          </a:fillRef>
+          <a:effectRef idx="0">
+            <a:schemeClr val="accent1"/>
+          </a:effectRef>
+          <a:fontRef idx="minor">
+            <a:schemeClr val="lt1"/>
+          </a:fontRef>
+        </p:style>
+        <p:txBody>
+          <a:bodyPr rtlCol="0" anchor="ctr"/>
+          <a:lstStyle/>
+          <a:p>
+            <a:pPr algn="ctr"/>
+            <a:endParaRPr lang="ko-KR" altLang="en-US" dirty="0"/>
+          </a:p>
+        </p:txBody>
+      </p:sp>
+      <p:sp>
+        <p:nvSpPr>
+          <p:cNvPr id="30" name="TextBox 29">
+            <a:extLst>
+              <a:ext uri="{FF2B5EF4-FFF2-40B4-BE49-F238E27FC236}">
+                <a16:creationId xmlns:a16="http://schemas.microsoft.com/office/drawing/2014/main" id="{312AA7E0-7DA4-D333-80E2-4F03DB57F619}"/>
               </a:ext>
             </a:extLst>
           </p:cNvPr>
@@ -17551,8 +17978,8 @@
         </p:nvSpPr>
         <p:spPr>
           <a:xfrm>
-            <a:off x="2195331" y="1851645"/>
-            <a:ext cx="7801337" cy="3154710"/>
+            <a:off x="99899" y="1196085"/>
+            <a:ext cx="1785726" cy="461665"/>
           </a:xfrm>
           <a:prstGeom prst="rect">
             <a:avLst/>
@@ -17566,26 +17993,269 @@
           <a:lstStyle/>
           <a:p>
             <a:r>
-              <a:rPr lang="ko-KR" altLang="en-US" sz="19900" b="1" dirty="0"/>
-              <a:t>분계선</a:t>
-            </a:r>
+              <a:rPr lang="en-US" altLang="ko-KR" sz="2400" b="1" dirty="0">
+                <a:latin typeface="제주명조" panose="02000300000000000000" pitchFamily="2" charset="-127"/>
+                <a:ea typeface="제주명조" panose="02000300000000000000" pitchFamily="2" charset="-127"/>
+              </a:rPr>
+              <a:t>Used model</a:t>
+            </a:r>
+            <a:endParaRPr lang="ko-KR" altLang="en-US" sz="2400" b="1" dirty="0">
+              <a:latin typeface="제주명조" panose="02000300000000000000" pitchFamily="2" charset="-127"/>
+              <a:ea typeface="제주명조" panose="02000300000000000000" pitchFamily="2" charset="-127"/>
+            </a:endParaRPr>
+          </a:p>
+        </p:txBody>
+      </p:sp>
+      <p:cxnSp>
+        <p:nvCxnSpPr>
+          <p:cNvPr id="31" name="직선 연결선 30">
+            <a:extLst>
+              <a:ext uri="{FF2B5EF4-FFF2-40B4-BE49-F238E27FC236}">
+                <a16:creationId xmlns:a16="http://schemas.microsoft.com/office/drawing/2014/main" id="{26951967-BC88-6B16-069F-D786DC4399B9}"/>
+              </a:ext>
+            </a:extLst>
+          </p:cNvPr>
+          <p:cNvCxnSpPr>
+            <a:cxnSpLocks/>
+          </p:cNvCxnSpPr>
+          <p:nvPr/>
+        </p:nvCxnSpPr>
+        <p:spPr>
+          <a:xfrm>
+            <a:off x="-144145" y="1727835"/>
+            <a:ext cx="2029769" cy="0"/>
+          </a:xfrm>
+          <a:prstGeom prst="line">
+            <a:avLst/>
+          </a:prstGeom>
+          <a:ln>
+            <a:solidFill>
+              <a:schemeClr val="tx1"/>
+            </a:solidFill>
+            <a:tailEnd type="oval"/>
+          </a:ln>
+        </p:spPr>
+        <p:style>
+          <a:lnRef idx="1">
+            <a:schemeClr val="accent1"/>
+          </a:lnRef>
+          <a:fillRef idx="0">
+            <a:schemeClr val="accent1"/>
+          </a:fillRef>
+          <a:effectRef idx="0">
+            <a:schemeClr val="accent1"/>
+          </a:effectRef>
+          <a:fontRef idx="minor">
+            <a:schemeClr val="tx1"/>
+          </a:fontRef>
+        </p:style>
+      </p:cxnSp>
+      <p:grpSp>
+        <p:nvGrpSpPr>
+          <p:cNvPr id="16" name="그룹 15">
+            <a:extLst>
+              <a:ext uri="{FF2B5EF4-FFF2-40B4-BE49-F238E27FC236}">
+                <a16:creationId xmlns:a16="http://schemas.microsoft.com/office/drawing/2014/main" id="{94B7626F-32AA-75C3-D3F9-670275DF4522}"/>
+              </a:ext>
+            </a:extLst>
+          </p:cNvPr>
+          <p:cNvGrpSpPr/>
+          <p:nvPr/>
+        </p:nvGrpSpPr>
+        <p:grpSpPr>
+          <a:xfrm>
+            <a:off x="216110" y="248441"/>
+            <a:ext cx="2232842" cy="707886"/>
+            <a:chOff x="294640" y="3596640"/>
+            <a:chExt cx="2232842" cy="707886"/>
+          </a:xfrm>
+        </p:grpSpPr>
+        <p:sp>
+          <p:nvSpPr>
+            <p:cNvPr id="18" name="TextBox 17">
+              <a:extLst>
+                <a:ext uri="{FF2B5EF4-FFF2-40B4-BE49-F238E27FC236}">
+                  <a16:creationId xmlns:a16="http://schemas.microsoft.com/office/drawing/2014/main" id="{B4737D57-4CE2-6CB9-2DED-68C93ABF4655}"/>
+                </a:ext>
+              </a:extLst>
+            </p:cNvPr>
+            <p:cNvSpPr txBox="1"/>
+            <p:nvPr/>
+          </p:nvSpPr>
+          <p:spPr>
+            <a:xfrm>
+              <a:off x="294640" y="3596640"/>
+              <a:ext cx="481222" cy="707886"/>
+            </a:xfrm>
+            <a:prstGeom prst="rect">
+              <a:avLst/>
+            </a:prstGeom>
+            <a:noFill/>
+          </p:spPr>
+          <p:txBody>
+            <a:bodyPr wrap="none" rtlCol="0">
+              <a:spAutoFit/>
+            </a:bodyPr>
+            <a:lstStyle/>
+            <a:p>
+              <a:r>
+                <a:rPr lang="en-US" altLang="ko-KR" sz="4000" b="1" dirty="0">
+                  <a:solidFill>
+                    <a:schemeClr val="bg1"/>
+                  </a:solidFill>
+                  <a:latin typeface="+mj-ea"/>
+                  <a:ea typeface="+mj-ea"/>
+                </a:rPr>
+                <a:t>2</a:t>
+              </a:r>
+              <a:endParaRPr lang="ko-KR" altLang="en-US" sz="4000" b="1" dirty="0">
+                <a:solidFill>
+                  <a:schemeClr val="bg1"/>
+                </a:solidFill>
+                <a:latin typeface="+mj-ea"/>
+                <a:ea typeface="+mj-ea"/>
+              </a:endParaRPr>
+            </a:p>
+          </p:txBody>
+        </p:sp>
+        <p:sp>
+          <p:nvSpPr>
+            <p:cNvPr id="19" name="TextBox 18">
+              <a:extLst>
+                <a:ext uri="{FF2B5EF4-FFF2-40B4-BE49-F238E27FC236}">
+                  <a16:creationId xmlns:a16="http://schemas.microsoft.com/office/drawing/2014/main" id="{E05863A3-8CF1-44A8-89AD-FCF5300F6CC9}"/>
+                </a:ext>
+              </a:extLst>
+            </p:cNvPr>
+            <p:cNvSpPr txBox="1"/>
+            <p:nvPr/>
+          </p:nvSpPr>
+          <p:spPr>
+            <a:xfrm>
+              <a:off x="943394" y="3688973"/>
+              <a:ext cx="1584088" cy="523220"/>
+            </a:xfrm>
+            <a:prstGeom prst="rect">
+              <a:avLst/>
+            </a:prstGeom>
+            <a:noFill/>
+          </p:spPr>
+          <p:txBody>
+            <a:bodyPr wrap="none" rtlCol="0">
+              <a:spAutoFit/>
+            </a:bodyPr>
+            <a:lstStyle/>
+            <a:p>
+              <a:r>
+                <a:rPr lang="en-US" altLang="ko-KR" sz="2800" spc="-150" dirty="0">
+                  <a:solidFill>
+                    <a:schemeClr val="bg1"/>
+                  </a:solidFill>
+                </a:rPr>
+                <a:t>Modeling</a:t>
+              </a:r>
+              <a:endParaRPr lang="ko-KR" altLang="en-US" sz="2800" spc="-150" dirty="0">
+                <a:solidFill>
+                  <a:schemeClr val="bg1"/>
+                </a:solidFill>
+              </a:endParaRPr>
+            </a:p>
+          </p:txBody>
+        </p:sp>
+      </p:grpSp>
+      <p:pic>
+        <p:nvPicPr>
+          <p:cNvPr id="20" name="그림 19">
+            <a:extLst>
+              <a:ext uri="{FF2B5EF4-FFF2-40B4-BE49-F238E27FC236}">
+                <a16:creationId xmlns:a16="http://schemas.microsoft.com/office/drawing/2014/main" id="{E6996E64-93C0-A719-D131-7A0BFC63A549}"/>
+              </a:ext>
+            </a:extLst>
+          </p:cNvPr>
+          <p:cNvPicPr>
+            <a:picLocks noChangeAspect="1"/>
+          </p:cNvPicPr>
+          <p:nvPr/>
+        </p:nvPicPr>
+        <p:blipFill>
+          <a:blip r:embed="rId3"/>
+          <a:stretch>
+            <a:fillRect/>
+          </a:stretch>
+        </p:blipFill>
+        <p:spPr>
+          <a:xfrm>
+            <a:off x="2576335" y="2318150"/>
+            <a:ext cx="7010752" cy="3524197"/>
+          </a:xfrm>
+          <a:prstGeom prst="rect">
+            <a:avLst/>
+          </a:prstGeom>
+          <a:ln w="6350">
+            <a:solidFill>
+              <a:schemeClr val="bg1">
+                <a:lumMod val="85000"/>
+              </a:schemeClr>
+            </a:solidFill>
+          </a:ln>
+        </p:spPr>
+      </p:pic>
+      <p:sp>
+        <p:nvSpPr>
+          <p:cNvPr id="10" name="TextBox 9">
+            <a:extLst>
+              <a:ext uri="{FF2B5EF4-FFF2-40B4-BE49-F238E27FC236}">
+                <a16:creationId xmlns:a16="http://schemas.microsoft.com/office/drawing/2014/main" id="{A4A0B905-3767-D2D7-B1F1-FA36619CD231}"/>
+              </a:ext>
+            </a:extLst>
+          </p:cNvPr>
+          <p:cNvSpPr txBox="1"/>
+          <p:nvPr/>
+        </p:nvSpPr>
+        <p:spPr>
+          <a:xfrm>
+            <a:off x="5390697" y="1656993"/>
+            <a:ext cx="1410605" cy="461665"/>
+          </a:xfrm>
+          <a:prstGeom prst="rect">
+            <a:avLst/>
+          </a:prstGeom>
+          <a:noFill/>
+        </p:spPr>
+        <p:txBody>
+          <a:bodyPr wrap="square" rtlCol="0">
+            <a:spAutoFit/>
+          </a:bodyPr>
+          <a:lstStyle/>
+          <a:p>
+            <a:r>
+              <a:rPr lang="en-US" altLang="ko-KR" sz="2400" b="1" dirty="0">
+                <a:latin typeface="제주명조" panose="02000300000000000000" pitchFamily="2" charset="-127"/>
+                <a:ea typeface="제주명조" panose="02000300000000000000" pitchFamily="2" charset="-127"/>
+              </a:rPr>
+              <a:t>5 Layers</a:t>
+            </a:r>
+            <a:endParaRPr lang="ko-KR" altLang="en-US" sz="2400" b="1" dirty="0">
+              <a:latin typeface="제주명조" panose="02000300000000000000" pitchFamily="2" charset="-127"/>
+              <a:ea typeface="제주명조" panose="02000300000000000000" pitchFamily="2" charset="-127"/>
+            </a:endParaRPr>
           </a:p>
         </p:txBody>
       </p:sp>
     </p:spTree>
     <p:extLst>
       <p:ext uri="{BB962C8B-B14F-4D97-AF65-F5344CB8AC3E}">
-        <p14:creationId xmlns:p14="http://schemas.microsoft.com/office/powerpoint/2010/main" val="3302114681"/>
+        <p14:creationId xmlns:p14="http://schemas.microsoft.com/office/powerpoint/2010/main" val="3111532318"/>
       </p:ext>
     </p:extLst>
   </p:cSld>
   <p:clrMapOvr>
     <a:masterClrMapping/>
   </p:clrMapOvr>
-  <mc:AlternateContent xmlns:mc="http://schemas.openxmlformats.org/markup-compatibility/2006" xmlns:p14="http://schemas.microsoft.com/office/powerpoint/2010/main">
-    <mc:Choice Requires="p14">
-      <p:transition p14:dur="250">
-        <p:fade/>
+  <mc:AlternateContent xmlns:mc="http://schemas.openxmlformats.org/markup-compatibility/2006" xmlns:p159="http://schemas.microsoft.com/office/powerpoint/2015/09/main">
+    <mc:Choice Requires="p159">
+      <p:transition xmlns:p14="http://schemas.microsoft.com/office/powerpoint/2010/main" p14:dur="150">
+        <p159:morph option="byObject"/>
       </p:transition>
     </mc:Choice>
     <mc:Fallback xmlns="">

--- a/인공지능 발표 ppt.pptx
+++ b/인공지능 발표 ppt.pptx
@@ -5,7 +5,7 @@
     <p:sldMasterId id="2147483648" r:id="rId1"/>
   </p:sldMasterIdLst>
   <p:notesMasterIdLst>
-    <p:notesMasterId r:id="rId18"/>
+    <p:notesMasterId r:id="rId21"/>
   </p:notesMasterIdLst>
   <p:sldIdLst>
     <p:sldId id="256" r:id="rId2"/>
@@ -17,13 +17,16 @@
     <p:sldId id="271" r:id="rId8"/>
     <p:sldId id="273" r:id="rId9"/>
     <p:sldId id="274" r:id="rId10"/>
-    <p:sldId id="272" r:id="rId11"/>
-    <p:sldId id="265" r:id="rId12"/>
-    <p:sldId id="267" r:id="rId13"/>
-    <p:sldId id="264" r:id="rId14"/>
-    <p:sldId id="262" r:id="rId15"/>
-    <p:sldId id="266" r:id="rId16"/>
-    <p:sldId id="269" r:id="rId17"/>
+    <p:sldId id="275" r:id="rId11"/>
+    <p:sldId id="276" r:id="rId12"/>
+    <p:sldId id="277" r:id="rId13"/>
+    <p:sldId id="272" r:id="rId14"/>
+    <p:sldId id="265" r:id="rId15"/>
+    <p:sldId id="267" r:id="rId16"/>
+    <p:sldId id="264" r:id="rId17"/>
+    <p:sldId id="262" r:id="rId18"/>
+    <p:sldId id="266" r:id="rId19"/>
+    <p:sldId id="269" r:id="rId20"/>
   </p:sldIdLst>
   <p:sldSz cx="12192000" cy="6858000"/>
   <p:notesSz cx="6858000" cy="9144000"/>
@@ -212,7 +215,7 @@
           <a:p>
             <a:fld id="{F73925FC-C3F5-448F-A882-A9641DE5FD6D}" type="datetimeFigureOut">
               <a:rPr lang="ko-KR" altLang="en-US" smtClean="0"/>
-              <a:t>2022-06-07</a:t>
+              <a:t>2022-06-09</a:t>
             </a:fld>
             <a:endParaRPr lang="ko-KR" altLang="en-US"/>
           </a:p>
@@ -723,7 +726,57 @@
           <a:bodyPr/>
           <a:lstStyle/>
           <a:p>
-            <a:endParaRPr lang="ko-KR" altLang="en-US" dirty="0"/>
+            <a:r>
+              <a:rPr lang="en-US" altLang="ko-KR" dirty="0"/>
+              <a:t>Model B : 128 channel </a:t>
+            </a:r>
+            <a:r>
+              <a:rPr lang="ko-KR" altLang="en-US" dirty="0"/>
+              <a:t>의 </a:t>
+            </a:r>
+            <a:r>
+              <a:rPr lang="en-US" altLang="ko-KR" dirty="0"/>
+              <a:t>conv layer </a:t>
+            </a:r>
+            <a:r>
+              <a:rPr lang="ko-KR" altLang="en-US" dirty="0"/>
+              <a:t>를 추가</a:t>
+            </a:r>
+            <a:endParaRPr lang="en-US" altLang="ko-KR" dirty="0"/>
+          </a:p>
+          <a:p>
+            <a:r>
+              <a:rPr lang="en-US" altLang="ko-KR" dirty="0"/>
+              <a:t>Model C : Model B </a:t>
+            </a:r>
+            <a:r>
+              <a:rPr lang="ko-KR" altLang="en-US" dirty="0"/>
+              <a:t>를</a:t>
+            </a:r>
+            <a:r>
+              <a:rPr lang="en-US" altLang="ko-KR" dirty="0"/>
+              <a:t> Flatten </a:t>
+            </a:r>
+            <a:r>
+              <a:rPr lang="ko-KR" altLang="en-US" dirty="0"/>
+              <a:t>시킨 후 </a:t>
+            </a:r>
+            <a:r>
+              <a:rPr lang="en-US" altLang="ko-KR" dirty="0"/>
+              <a:t>256 dense </a:t>
+            </a:r>
+            <a:r>
+              <a:rPr lang="ko-KR" altLang="en-US" dirty="0"/>
+              <a:t>를 </a:t>
+            </a:r>
+            <a:r>
+              <a:rPr lang="en-US" altLang="ko-KR" dirty="0"/>
+              <a:t>128 dense </a:t>
+            </a:r>
+            <a:r>
+              <a:rPr lang="ko-KR" altLang="en-US" dirty="0"/>
+              <a:t>로 변경</a:t>
+            </a:r>
           </a:p>
         </p:txBody>
       </p:sp>
@@ -744,7 +797,7 @@
           <a:p>
             <a:fld id="{C7E75926-9BB1-4887-9E1E-3F46BA39A9CF}" type="slidenum">
               <a:rPr lang="ko-KR" altLang="en-US" smtClean="0"/>
-              <a:t>12</a:t>
+              <a:t>11</a:t>
             </a:fld>
             <a:endParaRPr lang="ko-KR" altLang="en-US"/>
           </a:p>
@@ -753,7 +806,7 @@
     </p:spTree>
     <p:extLst>
       <p:ext uri="{BB962C8B-B14F-4D97-AF65-F5344CB8AC3E}">
-        <p14:creationId xmlns:p14="http://schemas.microsoft.com/office/powerpoint/2010/main" val="525997071"/>
+        <p14:creationId xmlns:p14="http://schemas.microsoft.com/office/powerpoint/2010/main" val="677817830"/>
       </p:ext>
     </p:extLst>
   </p:cSld>
@@ -807,7 +860,92 @@
           <a:bodyPr/>
           <a:lstStyle/>
           <a:p>
-            <a:endParaRPr lang="ko-KR" altLang="en-US" dirty="0"/>
+            <a:r>
+              <a:rPr lang="en-US" altLang="ko-KR" dirty="0"/>
+              <a:t>Model B : 128 channel </a:t>
+            </a:r>
+            <a:r>
+              <a:rPr lang="ko-KR" altLang="en-US" dirty="0"/>
+              <a:t>의 </a:t>
+            </a:r>
+            <a:r>
+              <a:rPr lang="en-US" altLang="ko-KR" dirty="0"/>
+              <a:t>conv layer </a:t>
+            </a:r>
+            <a:r>
+              <a:rPr lang="ko-KR" altLang="en-US" dirty="0"/>
+              <a:t>를 추가</a:t>
+            </a:r>
+            <a:endParaRPr lang="en-US" altLang="ko-KR" dirty="0"/>
+          </a:p>
+          <a:p>
+            <a:r>
+              <a:rPr lang="en-US" altLang="ko-KR" dirty="0"/>
+              <a:t>Model C : Model B </a:t>
+            </a:r>
+            <a:r>
+              <a:rPr lang="ko-KR" altLang="en-US" dirty="0"/>
+              <a:t>를</a:t>
+            </a:r>
+            <a:r>
+              <a:rPr lang="en-US" altLang="ko-KR" dirty="0"/>
+              <a:t> Flatten </a:t>
+            </a:r>
+            <a:r>
+              <a:rPr lang="ko-KR" altLang="en-US" dirty="0"/>
+              <a:t>시킨 후 </a:t>
+            </a:r>
+            <a:r>
+              <a:rPr lang="en-US" altLang="ko-KR" dirty="0"/>
+              <a:t>256 dense </a:t>
+            </a:r>
+            <a:r>
+              <a:rPr lang="ko-KR" altLang="en-US" dirty="0"/>
+              <a:t>를 </a:t>
+            </a:r>
+            <a:r>
+              <a:rPr lang="en-US" altLang="ko-KR" dirty="0"/>
+              <a:t>128 dense </a:t>
+            </a:r>
+            <a:r>
+              <a:rPr lang="ko-KR" altLang="en-US" dirty="0"/>
+              <a:t>로 변경</a:t>
+            </a:r>
+            <a:endParaRPr lang="en-US" altLang="ko-KR" dirty="0"/>
+          </a:p>
+          <a:p>
+            <a:r>
+              <a:rPr lang="en-US" altLang="ko-KR" dirty="0"/>
+              <a:t>Model D : Model C</a:t>
+            </a:r>
+            <a:r>
+              <a:rPr lang="ko-KR" altLang="en-US" dirty="0"/>
+              <a:t> 의 </a:t>
+            </a:r>
+            <a:r>
+              <a:rPr lang="en-US" altLang="ko-KR" dirty="0"/>
+              <a:t>dropout </a:t>
+            </a:r>
+            <a:r>
+              <a:rPr lang="ko-KR" altLang="en-US" dirty="0"/>
+              <a:t>을 </a:t>
+            </a:r>
+            <a:r>
+              <a:rPr lang="en-US" altLang="ko-KR" dirty="0"/>
+              <a:t>0.1</a:t>
+            </a:r>
+            <a:r>
+              <a:rPr lang="ko-KR" altLang="en-US" dirty="0"/>
+              <a:t>로 유지하다가 마지막만 </a:t>
+            </a:r>
+            <a:r>
+              <a:rPr lang="en-US" altLang="ko-KR" dirty="0"/>
+              <a:t>0.2 </a:t>
+            </a:r>
+            <a:r>
+              <a:rPr lang="ko-KR" altLang="en-US" dirty="0"/>
+              <a:t>로</a:t>
+            </a:r>
           </a:p>
         </p:txBody>
       </p:sp>
@@ -828,7 +966,7 @@
           <a:p>
             <a:fld id="{C7E75926-9BB1-4887-9E1E-3F46BA39A9CF}" type="slidenum">
               <a:rPr lang="ko-KR" altLang="en-US" smtClean="0"/>
-              <a:t>13</a:t>
+              <a:t>12</a:t>
             </a:fld>
             <a:endParaRPr lang="ko-KR" altLang="en-US"/>
           </a:p>
@@ -837,7 +975,7 @@
     </p:spTree>
     <p:extLst>
       <p:ext uri="{BB962C8B-B14F-4D97-AF65-F5344CB8AC3E}">
-        <p14:creationId xmlns:p14="http://schemas.microsoft.com/office/powerpoint/2010/main" val="2463960029"/>
+        <p14:creationId xmlns:p14="http://schemas.microsoft.com/office/powerpoint/2010/main" val="328694693"/>
       </p:ext>
     </p:extLst>
   </p:cSld>
@@ -913,6 +1051,174 @@
             <a:fld id="{C7E75926-9BB1-4887-9E1E-3F46BA39A9CF}" type="slidenum">
               <a:rPr lang="ko-KR" altLang="en-US" smtClean="0"/>
               <a:t>15</a:t>
+            </a:fld>
+            <a:endParaRPr lang="ko-KR" altLang="en-US"/>
+          </a:p>
+        </p:txBody>
+      </p:sp>
+    </p:spTree>
+    <p:extLst>
+      <p:ext uri="{BB962C8B-B14F-4D97-AF65-F5344CB8AC3E}">
+        <p14:creationId xmlns:p14="http://schemas.microsoft.com/office/powerpoint/2010/main" val="525997071"/>
+      </p:ext>
+    </p:extLst>
+  </p:cSld>
+  <p:clrMapOvr>
+    <a:masterClrMapping/>
+  </p:clrMapOvr>
+</p:notes>
+</file>
+
+<file path=ppt/notesSlides/notesSlide6.xml><?xml version="1.0" encoding="utf-8"?>
+<p:notes xmlns:a="http://schemas.openxmlformats.org/drawingml/2006/main" xmlns:r="http://schemas.openxmlformats.org/officeDocument/2006/relationships" xmlns:p="http://schemas.openxmlformats.org/presentationml/2006/main">
+  <p:cSld>
+    <p:spTree>
+      <p:nvGrpSpPr>
+        <p:cNvPr id="1" name=""/>
+        <p:cNvGrpSpPr/>
+        <p:nvPr/>
+      </p:nvGrpSpPr>
+      <p:grpSpPr>
+        <a:xfrm>
+          <a:off x="0" y="0"/>
+          <a:ext cx="0" cy="0"/>
+          <a:chOff x="0" y="0"/>
+          <a:chExt cx="0" cy="0"/>
+        </a:xfrm>
+      </p:grpSpPr>
+      <p:sp>
+        <p:nvSpPr>
+          <p:cNvPr id="2" name="슬라이드 이미지 개체 틀 1"/>
+          <p:cNvSpPr>
+            <a:spLocks noGrp="1" noRot="1" noChangeAspect="1"/>
+          </p:cNvSpPr>
+          <p:nvPr>
+            <p:ph type="sldImg"/>
+          </p:nvPr>
+        </p:nvSpPr>
+        <p:spPr/>
+      </p:sp>
+      <p:sp>
+        <p:nvSpPr>
+          <p:cNvPr id="3" name="슬라이드 노트 개체 틀 2"/>
+          <p:cNvSpPr>
+            <a:spLocks noGrp="1"/>
+          </p:cNvSpPr>
+          <p:nvPr>
+            <p:ph type="body" idx="1"/>
+          </p:nvPr>
+        </p:nvSpPr>
+        <p:spPr/>
+        <p:txBody>
+          <a:bodyPr/>
+          <a:lstStyle/>
+          <a:p>
+            <a:endParaRPr lang="ko-KR" altLang="en-US" dirty="0"/>
+          </a:p>
+        </p:txBody>
+      </p:sp>
+      <p:sp>
+        <p:nvSpPr>
+          <p:cNvPr id="4" name="슬라이드 번호 개체 틀 3"/>
+          <p:cNvSpPr>
+            <a:spLocks noGrp="1"/>
+          </p:cNvSpPr>
+          <p:nvPr>
+            <p:ph type="sldNum" sz="quarter" idx="5"/>
+          </p:nvPr>
+        </p:nvSpPr>
+        <p:spPr/>
+        <p:txBody>
+          <a:bodyPr/>
+          <a:lstStyle/>
+          <a:p>
+            <a:fld id="{C7E75926-9BB1-4887-9E1E-3F46BA39A9CF}" type="slidenum">
+              <a:rPr lang="ko-KR" altLang="en-US" smtClean="0"/>
+              <a:t>16</a:t>
+            </a:fld>
+            <a:endParaRPr lang="ko-KR" altLang="en-US"/>
+          </a:p>
+        </p:txBody>
+      </p:sp>
+    </p:spTree>
+    <p:extLst>
+      <p:ext uri="{BB962C8B-B14F-4D97-AF65-F5344CB8AC3E}">
+        <p14:creationId xmlns:p14="http://schemas.microsoft.com/office/powerpoint/2010/main" val="2463960029"/>
+      </p:ext>
+    </p:extLst>
+  </p:cSld>
+  <p:clrMapOvr>
+    <a:masterClrMapping/>
+  </p:clrMapOvr>
+</p:notes>
+</file>
+
+<file path=ppt/notesSlides/notesSlide7.xml><?xml version="1.0" encoding="utf-8"?>
+<p:notes xmlns:a="http://schemas.openxmlformats.org/drawingml/2006/main" xmlns:r="http://schemas.openxmlformats.org/officeDocument/2006/relationships" xmlns:p="http://schemas.openxmlformats.org/presentationml/2006/main">
+  <p:cSld>
+    <p:spTree>
+      <p:nvGrpSpPr>
+        <p:cNvPr id="1" name=""/>
+        <p:cNvGrpSpPr/>
+        <p:nvPr/>
+      </p:nvGrpSpPr>
+      <p:grpSpPr>
+        <a:xfrm>
+          <a:off x="0" y="0"/>
+          <a:ext cx="0" cy="0"/>
+          <a:chOff x="0" y="0"/>
+          <a:chExt cx="0" cy="0"/>
+        </a:xfrm>
+      </p:grpSpPr>
+      <p:sp>
+        <p:nvSpPr>
+          <p:cNvPr id="2" name="슬라이드 이미지 개체 틀 1"/>
+          <p:cNvSpPr>
+            <a:spLocks noGrp="1" noRot="1" noChangeAspect="1"/>
+          </p:cNvSpPr>
+          <p:nvPr>
+            <p:ph type="sldImg"/>
+          </p:nvPr>
+        </p:nvSpPr>
+        <p:spPr/>
+      </p:sp>
+      <p:sp>
+        <p:nvSpPr>
+          <p:cNvPr id="3" name="슬라이드 노트 개체 틀 2"/>
+          <p:cNvSpPr>
+            <a:spLocks noGrp="1"/>
+          </p:cNvSpPr>
+          <p:nvPr>
+            <p:ph type="body" idx="1"/>
+          </p:nvPr>
+        </p:nvSpPr>
+        <p:spPr/>
+        <p:txBody>
+          <a:bodyPr/>
+          <a:lstStyle/>
+          <a:p>
+            <a:endParaRPr lang="ko-KR" altLang="en-US" dirty="0"/>
+          </a:p>
+        </p:txBody>
+      </p:sp>
+      <p:sp>
+        <p:nvSpPr>
+          <p:cNvPr id="4" name="슬라이드 번호 개체 틀 3"/>
+          <p:cNvSpPr>
+            <a:spLocks noGrp="1"/>
+          </p:cNvSpPr>
+          <p:nvPr>
+            <p:ph type="sldNum" sz="quarter" idx="5"/>
+          </p:nvPr>
+        </p:nvSpPr>
+        <p:spPr/>
+        <p:txBody>
+          <a:bodyPr/>
+          <a:lstStyle/>
+          <a:p>
+            <a:fld id="{C7E75926-9BB1-4887-9E1E-3F46BA39A9CF}" type="slidenum">
+              <a:rPr lang="ko-KR" altLang="en-US" smtClean="0"/>
+              <a:t>18</a:t>
             </a:fld>
             <a:endParaRPr lang="ko-KR" altLang="en-US"/>
           </a:p>
@@ -1078,7 +1384,7 @@
           <a:p>
             <a:fld id="{74F891DD-A664-45E7-9EC5-B5FC304C96FF}" type="datetimeFigureOut">
               <a:rPr lang="ko-KR" altLang="en-US" smtClean="0"/>
-              <a:t>2022-06-07</a:t>
+              <a:t>2022-06-09</a:t>
             </a:fld>
             <a:endParaRPr lang="ko-KR" altLang="en-US"/>
           </a:p>
@@ -1288,7 +1594,7 @@
           <a:p>
             <a:fld id="{74F891DD-A664-45E7-9EC5-B5FC304C96FF}" type="datetimeFigureOut">
               <a:rPr lang="ko-KR" altLang="en-US" smtClean="0"/>
-              <a:t>2022-06-07</a:t>
+              <a:t>2022-06-09</a:t>
             </a:fld>
             <a:endParaRPr lang="ko-KR" altLang="en-US"/>
           </a:p>
@@ -1508,7 +1814,7 @@
           <a:p>
             <a:fld id="{74F891DD-A664-45E7-9EC5-B5FC304C96FF}" type="datetimeFigureOut">
               <a:rPr lang="ko-KR" altLang="en-US" smtClean="0"/>
-              <a:t>2022-06-07</a:t>
+              <a:t>2022-06-09</a:t>
             </a:fld>
             <a:endParaRPr lang="ko-KR" altLang="en-US"/>
           </a:p>
@@ -1718,7 +2024,7 @@
           <a:p>
             <a:fld id="{74F891DD-A664-45E7-9EC5-B5FC304C96FF}" type="datetimeFigureOut">
               <a:rPr lang="ko-KR" altLang="en-US" smtClean="0"/>
-              <a:t>2022-06-07</a:t>
+              <a:t>2022-06-09</a:t>
             </a:fld>
             <a:endParaRPr lang="ko-KR" altLang="en-US"/>
           </a:p>
@@ -2005,7 +2311,7 @@
           <a:p>
             <a:fld id="{74F891DD-A664-45E7-9EC5-B5FC304C96FF}" type="datetimeFigureOut">
               <a:rPr lang="ko-KR" altLang="en-US" smtClean="0"/>
-              <a:t>2022-06-07</a:t>
+              <a:t>2022-06-09</a:t>
             </a:fld>
             <a:endParaRPr lang="ko-KR" altLang="en-US"/>
           </a:p>
@@ -2282,7 +2588,7 @@
           <a:p>
             <a:fld id="{74F891DD-A664-45E7-9EC5-B5FC304C96FF}" type="datetimeFigureOut">
               <a:rPr lang="ko-KR" altLang="en-US" smtClean="0"/>
-              <a:t>2022-06-07</a:t>
+              <a:t>2022-06-09</a:t>
             </a:fld>
             <a:endParaRPr lang="ko-KR" altLang="en-US"/>
           </a:p>
@@ -2706,7 +3012,7 @@
           <a:p>
             <a:fld id="{74F891DD-A664-45E7-9EC5-B5FC304C96FF}" type="datetimeFigureOut">
               <a:rPr lang="ko-KR" altLang="en-US" smtClean="0"/>
-              <a:t>2022-06-07</a:t>
+              <a:t>2022-06-09</a:t>
             </a:fld>
             <a:endParaRPr lang="ko-KR" altLang="en-US"/>
           </a:p>
@@ -2859,7 +3165,7 @@
           <a:p>
             <a:fld id="{74F891DD-A664-45E7-9EC5-B5FC304C96FF}" type="datetimeFigureOut">
               <a:rPr lang="ko-KR" altLang="en-US" smtClean="0"/>
-              <a:t>2022-06-07</a:t>
+              <a:t>2022-06-09</a:t>
             </a:fld>
             <a:endParaRPr lang="ko-KR" altLang="en-US"/>
           </a:p>
@@ -2984,7 +3290,7 @@
           <a:p>
             <a:fld id="{74F891DD-A664-45E7-9EC5-B5FC304C96FF}" type="datetimeFigureOut">
               <a:rPr lang="ko-KR" altLang="en-US" smtClean="0"/>
-              <a:t>2022-06-07</a:t>
+              <a:t>2022-06-09</a:t>
             </a:fld>
             <a:endParaRPr lang="ko-KR" altLang="en-US"/>
           </a:p>
@@ -3307,7 +3613,7 @@
           <a:p>
             <a:fld id="{74F891DD-A664-45E7-9EC5-B5FC304C96FF}" type="datetimeFigureOut">
               <a:rPr lang="ko-KR" altLang="en-US" smtClean="0"/>
-              <a:t>2022-06-07</a:t>
+              <a:t>2022-06-09</a:t>
             </a:fld>
             <a:endParaRPr lang="ko-KR" altLang="en-US"/>
           </a:p>
@@ -3607,7 +3913,7 @@
           <a:p>
             <a:fld id="{74F891DD-A664-45E7-9EC5-B5FC304C96FF}" type="datetimeFigureOut">
               <a:rPr lang="ko-KR" altLang="en-US" smtClean="0"/>
-              <a:t>2022-06-07</a:t>
+              <a:t>2022-06-09</a:t>
             </a:fld>
             <a:endParaRPr lang="ko-KR" altLang="en-US"/>
           </a:p>
@@ -3860,7 +4166,7 @@
           <a:p>
             <a:fld id="{74F891DD-A664-45E7-9EC5-B5FC304C96FF}" type="datetimeFigureOut">
               <a:rPr lang="ko-KR" altLang="en-US" smtClean="0"/>
-              <a:t>2022-06-07</a:t>
+              <a:t>2022-06-09</a:t>
             </a:fld>
             <a:endParaRPr lang="ko-KR" altLang="en-US"/>
           </a:p>
@@ -5892,6 +6198,2328 @@
       </p:grpSpPr>
       <p:sp>
         <p:nvSpPr>
+          <p:cNvPr id="4" name="직사각형 3">
+            <a:extLst>
+              <a:ext uri="{FF2B5EF4-FFF2-40B4-BE49-F238E27FC236}">
+                <a16:creationId xmlns:a16="http://schemas.microsoft.com/office/drawing/2014/main" id="{AAD10983-B5B6-4119-8CD7-DB9B0180D44E}"/>
+              </a:ext>
+            </a:extLst>
+          </p:cNvPr>
+          <p:cNvSpPr/>
+          <p:nvPr/>
+        </p:nvSpPr>
+        <p:spPr>
+          <a:xfrm>
+            <a:off x="0" y="0"/>
+            <a:ext cx="12192000" cy="1076960"/>
+          </a:xfrm>
+          <a:prstGeom prst="rect">
+            <a:avLst/>
+          </a:prstGeom>
+          <a:solidFill>
+            <a:srgbClr val="1E3252"/>
+          </a:solidFill>
+        </p:spPr>
+        <p:style>
+          <a:lnRef idx="2">
+            <a:schemeClr val="accent1">
+              <a:shade val="50000"/>
+            </a:schemeClr>
+          </a:lnRef>
+          <a:fillRef idx="1">
+            <a:schemeClr val="accent1"/>
+          </a:fillRef>
+          <a:effectRef idx="0">
+            <a:schemeClr val="accent1"/>
+          </a:effectRef>
+          <a:fontRef idx="minor">
+            <a:schemeClr val="lt1"/>
+          </a:fontRef>
+        </p:style>
+        <p:txBody>
+          <a:bodyPr rtlCol="0" anchor="ctr"/>
+          <a:lstStyle/>
+          <a:p>
+            <a:pPr algn="ctr"/>
+            <a:endParaRPr lang="ko-KR" altLang="en-US" dirty="0"/>
+          </a:p>
+        </p:txBody>
+      </p:sp>
+      <p:sp>
+        <p:nvSpPr>
+          <p:cNvPr id="5" name="TextBox 4">
+            <a:extLst>
+              <a:ext uri="{FF2B5EF4-FFF2-40B4-BE49-F238E27FC236}">
+                <a16:creationId xmlns:a16="http://schemas.microsoft.com/office/drawing/2014/main" id="{1844EBE8-0933-474A-9F91-0CFC76F21F13}"/>
+              </a:ext>
+            </a:extLst>
+          </p:cNvPr>
+          <p:cNvSpPr txBox="1"/>
+          <p:nvPr/>
+        </p:nvSpPr>
+        <p:spPr>
+          <a:xfrm>
+            <a:off x="875104" y="252411"/>
+            <a:ext cx="2435282" cy="584775"/>
+          </a:xfrm>
+          <a:prstGeom prst="rect">
+            <a:avLst/>
+          </a:prstGeom>
+          <a:noFill/>
+        </p:spPr>
+        <p:txBody>
+          <a:bodyPr wrap="none" rtlCol="0">
+            <a:spAutoFit/>
+          </a:bodyPr>
+          <a:lstStyle/>
+          <a:p>
+            <a:r>
+              <a:rPr lang="en-US" altLang="ko-KR" sz="3200" spc="-150" dirty="0">
+                <a:solidFill>
+                  <a:schemeClr val="bg1"/>
+                </a:solidFill>
+              </a:rPr>
+              <a:t>PostgreSQL : </a:t>
+            </a:r>
+            <a:endParaRPr lang="ko-KR" altLang="en-US" sz="3200" spc="-300" dirty="0">
+              <a:solidFill>
+                <a:schemeClr val="bg1"/>
+              </a:solidFill>
+            </a:endParaRPr>
+          </a:p>
+        </p:txBody>
+      </p:sp>
+      <p:sp>
+        <p:nvSpPr>
+          <p:cNvPr id="6" name="TextBox 5">
+            <a:extLst>
+              <a:ext uri="{FF2B5EF4-FFF2-40B4-BE49-F238E27FC236}">
+                <a16:creationId xmlns:a16="http://schemas.microsoft.com/office/drawing/2014/main" id="{CB8A9DF1-8FAE-4D25-A22D-CE1F69A7C115}"/>
+              </a:ext>
+            </a:extLst>
+          </p:cNvPr>
+          <p:cNvSpPr txBox="1"/>
+          <p:nvPr/>
+        </p:nvSpPr>
+        <p:spPr>
+          <a:xfrm>
+            <a:off x="104316" y="246092"/>
+            <a:ext cx="770788" cy="307777"/>
+          </a:xfrm>
+          <a:prstGeom prst="rect">
+            <a:avLst/>
+          </a:prstGeom>
+          <a:noFill/>
+        </p:spPr>
+        <p:txBody>
+          <a:bodyPr wrap="none" rtlCol="0">
+            <a:spAutoFit/>
+          </a:bodyPr>
+          <a:lstStyle/>
+          <a:p>
+            <a:r>
+              <a:rPr lang="en-US" altLang="ko-KR" sz="1400" dirty="0">
+                <a:solidFill>
+                  <a:schemeClr val="bg1"/>
+                </a:solidFill>
+              </a:rPr>
+              <a:t>Part 2, </a:t>
+            </a:r>
+            <a:endParaRPr lang="ko-KR" altLang="en-US" sz="1400" dirty="0">
+              <a:solidFill>
+                <a:schemeClr val="bg1"/>
+              </a:solidFill>
+            </a:endParaRPr>
+          </a:p>
+        </p:txBody>
+      </p:sp>
+      <p:sp>
+        <p:nvSpPr>
+          <p:cNvPr id="7" name="TextBox 6">
+            <a:extLst>
+              <a:ext uri="{FF2B5EF4-FFF2-40B4-BE49-F238E27FC236}">
+                <a16:creationId xmlns:a16="http://schemas.microsoft.com/office/drawing/2014/main" id="{9E8A2899-02DB-4555-8F59-9D7BE15359D2}"/>
+              </a:ext>
+            </a:extLst>
+          </p:cNvPr>
+          <p:cNvSpPr txBox="1"/>
+          <p:nvPr/>
+        </p:nvSpPr>
+        <p:spPr>
+          <a:xfrm>
+            <a:off x="3210053" y="246092"/>
+            <a:ext cx="4929555" cy="584775"/>
+          </a:xfrm>
+          <a:prstGeom prst="rect">
+            <a:avLst/>
+          </a:prstGeom>
+          <a:noFill/>
+        </p:spPr>
+        <p:txBody>
+          <a:bodyPr wrap="none" rtlCol="0">
+            <a:spAutoFit/>
+          </a:bodyPr>
+          <a:lstStyle/>
+          <a:p>
+            <a:r>
+              <a:rPr lang="en-US" altLang="ko-KR" sz="3200" spc="-150" dirty="0">
+                <a:solidFill>
+                  <a:schemeClr val="bg1"/>
+                </a:solidFill>
+              </a:rPr>
+              <a:t>Cost Based Optimizer (CBO)</a:t>
+            </a:r>
+            <a:endParaRPr lang="ko-KR" altLang="en-US" sz="3200" spc="-150" dirty="0">
+              <a:solidFill>
+                <a:schemeClr val="bg1"/>
+              </a:solidFill>
+            </a:endParaRPr>
+          </a:p>
+        </p:txBody>
+      </p:sp>
+      <p:sp>
+        <p:nvSpPr>
+          <p:cNvPr id="10" name="TextBox 9">
+            <a:extLst>
+              <a:ext uri="{FF2B5EF4-FFF2-40B4-BE49-F238E27FC236}">
+                <a16:creationId xmlns:a16="http://schemas.microsoft.com/office/drawing/2014/main" id="{D4D71F17-81A6-FE29-F1E3-B10AD28625A7}"/>
+              </a:ext>
+            </a:extLst>
+          </p:cNvPr>
+          <p:cNvSpPr txBox="1"/>
+          <p:nvPr/>
+        </p:nvSpPr>
+        <p:spPr>
+          <a:xfrm>
+            <a:off x="99899" y="1196085"/>
+            <a:ext cx="2021002" cy="461665"/>
+          </a:xfrm>
+          <a:prstGeom prst="rect">
+            <a:avLst/>
+          </a:prstGeom>
+          <a:noFill/>
+        </p:spPr>
+        <p:txBody>
+          <a:bodyPr wrap="square" rtlCol="0">
+            <a:spAutoFit/>
+          </a:bodyPr>
+          <a:lstStyle/>
+          <a:p>
+            <a:r>
+              <a:rPr lang="en-US" altLang="ko-KR" sz="2400" b="1" dirty="0">
+                <a:latin typeface="제주명조" panose="02000300000000000000" pitchFamily="2" charset="-127"/>
+                <a:ea typeface="제주명조" panose="02000300000000000000" pitchFamily="2" charset="-127"/>
+              </a:rPr>
+              <a:t>Default Model</a:t>
+            </a:r>
+            <a:endParaRPr lang="ko-KR" altLang="en-US" sz="2400" b="1" dirty="0">
+              <a:latin typeface="제주명조" panose="02000300000000000000" pitchFamily="2" charset="-127"/>
+              <a:ea typeface="제주명조" panose="02000300000000000000" pitchFamily="2" charset="-127"/>
+            </a:endParaRPr>
+          </a:p>
+        </p:txBody>
+      </p:sp>
+      <p:cxnSp>
+        <p:nvCxnSpPr>
+          <p:cNvPr id="12" name="직선 연결선 11">
+            <a:extLst>
+              <a:ext uri="{FF2B5EF4-FFF2-40B4-BE49-F238E27FC236}">
+                <a16:creationId xmlns:a16="http://schemas.microsoft.com/office/drawing/2014/main" id="{0752BBD5-A934-D17C-DF0B-D00A0193882B}"/>
+              </a:ext>
+            </a:extLst>
+          </p:cNvPr>
+          <p:cNvCxnSpPr>
+            <a:cxnSpLocks/>
+          </p:cNvCxnSpPr>
+          <p:nvPr/>
+        </p:nvCxnSpPr>
+        <p:spPr>
+          <a:xfrm>
+            <a:off x="-144145" y="1727835"/>
+            <a:ext cx="2265046" cy="0"/>
+          </a:xfrm>
+          <a:prstGeom prst="line">
+            <a:avLst/>
+          </a:prstGeom>
+          <a:ln>
+            <a:solidFill>
+              <a:schemeClr val="tx1"/>
+            </a:solidFill>
+            <a:tailEnd type="oval"/>
+          </a:ln>
+        </p:spPr>
+        <p:style>
+          <a:lnRef idx="1">
+            <a:schemeClr val="accent1"/>
+          </a:lnRef>
+          <a:fillRef idx="0">
+            <a:schemeClr val="accent1"/>
+          </a:fillRef>
+          <a:effectRef idx="0">
+            <a:schemeClr val="accent1"/>
+          </a:effectRef>
+          <a:fontRef idx="minor">
+            <a:schemeClr val="tx1"/>
+          </a:fontRef>
+        </p:style>
+      </p:cxnSp>
+      <p:pic>
+        <p:nvPicPr>
+          <p:cNvPr id="3" name="그림 2">
+            <a:extLst>
+              <a:ext uri="{FF2B5EF4-FFF2-40B4-BE49-F238E27FC236}">
+                <a16:creationId xmlns:a16="http://schemas.microsoft.com/office/drawing/2014/main" id="{24E76D2C-5F1E-C790-1EF2-05B5D8E87673}"/>
+              </a:ext>
+            </a:extLst>
+          </p:cNvPr>
+          <p:cNvPicPr>
+            <a:picLocks noChangeAspect="1"/>
+          </p:cNvPicPr>
+          <p:nvPr/>
+        </p:nvPicPr>
+        <p:blipFill>
+          <a:blip r:embed="rId2">
+            <a:extLst>
+              <a:ext uri="{28A0092B-C50C-407E-A947-70E740481C1C}">
+                <a14:useLocalDpi xmlns:a14="http://schemas.microsoft.com/office/drawing/2010/main" val="0"/>
+              </a:ext>
+            </a:extLst>
+          </a:blip>
+          <a:stretch>
+            <a:fillRect/>
+          </a:stretch>
+        </p:blipFill>
+        <p:spPr>
+          <a:xfrm>
+            <a:off x="703699" y="2482469"/>
+            <a:ext cx="4903317" cy="3340861"/>
+          </a:xfrm>
+          <a:prstGeom prst="rect">
+            <a:avLst/>
+          </a:prstGeom>
+        </p:spPr>
+      </p:pic>
+      <p:pic>
+        <p:nvPicPr>
+          <p:cNvPr id="9" name="그림 8">
+            <a:extLst>
+              <a:ext uri="{FF2B5EF4-FFF2-40B4-BE49-F238E27FC236}">
+                <a16:creationId xmlns:a16="http://schemas.microsoft.com/office/drawing/2014/main" id="{14F73C62-C392-3B08-87C5-2D1D9F240DCC}"/>
+              </a:ext>
+            </a:extLst>
+          </p:cNvPr>
+          <p:cNvPicPr>
+            <a:picLocks noChangeAspect="1"/>
+          </p:cNvPicPr>
+          <p:nvPr/>
+        </p:nvPicPr>
+        <p:blipFill>
+          <a:blip r:embed="rId3">
+            <a:extLst>
+              <a:ext uri="{28A0092B-C50C-407E-A947-70E740481C1C}">
+                <a14:useLocalDpi xmlns:a14="http://schemas.microsoft.com/office/drawing/2010/main" val="0"/>
+              </a:ext>
+            </a:extLst>
+          </a:blip>
+          <a:stretch>
+            <a:fillRect/>
+          </a:stretch>
+        </p:blipFill>
+        <p:spPr>
+          <a:xfrm>
+            <a:off x="6235141" y="2444360"/>
+            <a:ext cx="4903317" cy="3378970"/>
+          </a:xfrm>
+          <a:prstGeom prst="rect">
+            <a:avLst/>
+          </a:prstGeom>
+        </p:spPr>
+      </p:pic>
+      <p:sp>
+        <p:nvSpPr>
+          <p:cNvPr id="13" name="TextBox 12">
+            <a:extLst>
+              <a:ext uri="{FF2B5EF4-FFF2-40B4-BE49-F238E27FC236}">
+                <a16:creationId xmlns:a16="http://schemas.microsoft.com/office/drawing/2014/main" id="{FE1D080E-CDC3-917F-2C6F-25FC00E17D86}"/>
+              </a:ext>
+            </a:extLst>
+          </p:cNvPr>
+          <p:cNvSpPr txBox="1"/>
+          <p:nvPr/>
+        </p:nvSpPr>
+        <p:spPr>
+          <a:xfrm>
+            <a:off x="2743447" y="2113137"/>
+            <a:ext cx="1133878" cy="369332"/>
+          </a:xfrm>
+          <a:prstGeom prst="rect">
+            <a:avLst/>
+          </a:prstGeom>
+          <a:noFill/>
+        </p:spPr>
+        <p:txBody>
+          <a:bodyPr wrap="square" rtlCol="0">
+            <a:spAutoFit/>
+          </a:bodyPr>
+          <a:lstStyle/>
+          <a:p>
+            <a:pPr algn="ctr"/>
+            <a:r>
+              <a:rPr lang="en-US" altLang="ko-KR" b="1" dirty="0">
+                <a:highlight>
+                  <a:srgbClr val="95CCD3"/>
+                </a:highlight>
+                <a:latin typeface="제주명조" panose="02000300000000000000" pitchFamily="2" charset="-127"/>
+                <a:ea typeface="제주명조" panose="02000300000000000000" pitchFamily="2" charset="-127"/>
+              </a:rPr>
+              <a:t>Accuracy</a:t>
+            </a:r>
+            <a:endParaRPr lang="ko-KR" altLang="en-US" b="1" dirty="0">
+              <a:highlight>
+                <a:srgbClr val="95CCD3"/>
+              </a:highlight>
+              <a:latin typeface="제주명조" panose="02000300000000000000" pitchFamily="2" charset="-127"/>
+              <a:ea typeface="제주명조" panose="02000300000000000000" pitchFamily="2" charset="-127"/>
+            </a:endParaRPr>
+          </a:p>
+        </p:txBody>
+      </p:sp>
+      <p:sp>
+        <p:nvSpPr>
+          <p:cNvPr id="14" name="TextBox 13">
+            <a:extLst>
+              <a:ext uri="{FF2B5EF4-FFF2-40B4-BE49-F238E27FC236}">
+                <a16:creationId xmlns:a16="http://schemas.microsoft.com/office/drawing/2014/main" id="{EDA6FDC9-12F1-60AA-BD09-A779FE473E1B}"/>
+              </a:ext>
+            </a:extLst>
+          </p:cNvPr>
+          <p:cNvSpPr txBox="1"/>
+          <p:nvPr/>
+        </p:nvSpPr>
+        <p:spPr>
+          <a:xfrm>
+            <a:off x="8119860" y="2113137"/>
+            <a:ext cx="1133878" cy="369332"/>
+          </a:xfrm>
+          <a:prstGeom prst="rect">
+            <a:avLst/>
+          </a:prstGeom>
+          <a:noFill/>
+        </p:spPr>
+        <p:txBody>
+          <a:bodyPr wrap="square" rtlCol="0">
+            <a:spAutoFit/>
+          </a:bodyPr>
+          <a:lstStyle/>
+          <a:p>
+            <a:pPr algn="ctr"/>
+            <a:r>
+              <a:rPr lang="en-US" altLang="ko-KR" b="1" dirty="0">
+                <a:highlight>
+                  <a:srgbClr val="95CCD3"/>
+                </a:highlight>
+                <a:latin typeface="제주명조" panose="02000300000000000000" pitchFamily="2" charset="-127"/>
+                <a:ea typeface="제주명조" panose="02000300000000000000" pitchFamily="2" charset="-127"/>
+              </a:rPr>
+              <a:t>Loss</a:t>
+            </a:r>
+            <a:endParaRPr lang="ko-KR" altLang="en-US" b="1" dirty="0">
+              <a:highlight>
+                <a:srgbClr val="95CCD3"/>
+              </a:highlight>
+              <a:latin typeface="제주명조" panose="02000300000000000000" pitchFamily="2" charset="-127"/>
+              <a:ea typeface="제주명조" panose="02000300000000000000" pitchFamily="2" charset="-127"/>
+            </a:endParaRPr>
+          </a:p>
+        </p:txBody>
+      </p:sp>
+    </p:spTree>
+    <p:extLst>
+      <p:ext uri="{BB962C8B-B14F-4D97-AF65-F5344CB8AC3E}">
+        <p14:creationId xmlns:p14="http://schemas.microsoft.com/office/powerpoint/2010/main" val="1627309148"/>
+      </p:ext>
+    </p:extLst>
+  </p:cSld>
+  <p:clrMapOvr>
+    <a:masterClrMapping/>
+  </p:clrMapOvr>
+  <mc:AlternateContent xmlns:mc="http://schemas.openxmlformats.org/markup-compatibility/2006" xmlns:p159="http://schemas.microsoft.com/office/powerpoint/2015/09/main">
+    <mc:Choice Requires="p159">
+      <p:transition xmlns:p14="http://schemas.microsoft.com/office/powerpoint/2010/main" p14:dur="250">
+        <p159:morph option="byObject"/>
+      </p:transition>
+    </mc:Choice>
+    <mc:Fallback xmlns="">
+      <p:transition>
+        <p:fade/>
+      </p:transition>
+    </mc:Fallback>
+  </mc:AlternateContent>
+  <p:timing>
+    <p:tnLst>
+      <p:par>
+        <p:cTn id="1" dur="indefinite" restart="never" nodeType="tmRoot">
+          <p:childTnLst>
+            <p:seq concurrent="1" nextAc="seek">
+              <p:cTn id="2" dur="indefinite" nodeType="mainSeq">
+                <p:childTnLst>
+                  <p:par>
+                    <p:cTn id="3" fill="hold">
+                      <p:stCondLst>
+                        <p:cond delay="indefinite"/>
+                        <p:cond evt="onBegin" delay="0">
+                          <p:tn val="2"/>
+                        </p:cond>
+                      </p:stCondLst>
+                      <p:childTnLst>
+                        <p:par>
+                          <p:cTn id="4" fill="hold">
+                            <p:stCondLst>
+                              <p:cond delay="0"/>
+                            </p:stCondLst>
+                            <p:childTnLst>
+                              <p:par>
+                                <p:cTn id="5" presetID="42" presetClass="entr" presetSubtype="0" fill="hold" grpId="0" nodeType="withEffect">
+                                  <p:stCondLst>
+                                    <p:cond delay="0"/>
+                                  </p:stCondLst>
+                                  <p:childTnLst>
+                                    <p:set>
+                                      <p:cBhvr>
+                                        <p:cTn id="6" dur="1" fill="hold">
+                                          <p:stCondLst>
+                                            <p:cond delay="0"/>
+                                          </p:stCondLst>
+                                        </p:cTn>
+                                        <p:tgtEl>
+                                          <p:spTgt spid="13"/>
+                                        </p:tgtEl>
+                                        <p:attrNameLst>
+                                          <p:attrName>style.visibility</p:attrName>
+                                        </p:attrNameLst>
+                                      </p:cBhvr>
+                                      <p:to>
+                                        <p:strVal val="visible"/>
+                                      </p:to>
+                                    </p:set>
+                                    <p:animEffect transition="in" filter="fade">
+                                      <p:cBhvr>
+                                        <p:cTn id="7" dur="150"/>
+                                        <p:tgtEl>
+                                          <p:spTgt spid="13"/>
+                                        </p:tgtEl>
+                                      </p:cBhvr>
+                                    </p:animEffect>
+                                    <p:anim calcmode="lin" valueType="num">
+                                      <p:cBhvr>
+                                        <p:cTn id="8" dur="150" fill="hold"/>
+                                        <p:tgtEl>
+                                          <p:spTgt spid="13"/>
+                                        </p:tgtEl>
+                                        <p:attrNameLst>
+                                          <p:attrName>ppt_x</p:attrName>
+                                        </p:attrNameLst>
+                                      </p:cBhvr>
+                                      <p:tavLst>
+                                        <p:tav tm="0">
+                                          <p:val>
+                                            <p:strVal val="#ppt_x"/>
+                                          </p:val>
+                                        </p:tav>
+                                        <p:tav tm="100000">
+                                          <p:val>
+                                            <p:strVal val="#ppt_x"/>
+                                          </p:val>
+                                        </p:tav>
+                                      </p:tavLst>
+                                    </p:anim>
+                                    <p:anim calcmode="lin" valueType="num">
+                                      <p:cBhvr>
+                                        <p:cTn id="9" dur="150" fill="hold"/>
+                                        <p:tgtEl>
+                                          <p:spTgt spid="13"/>
+                                        </p:tgtEl>
+                                        <p:attrNameLst>
+                                          <p:attrName>ppt_y</p:attrName>
+                                        </p:attrNameLst>
+                                      </p:cBhvr>
+                                      <p:tavLst>
+                                        <p:tav tm="0">
+                                          <p:val>
+                                            <p:strVal val="#ppt_y+.1"/>
+                                          </p:val>
+                                        </p:tav>
+                                        <p:tav tm="100000">
+                                          <p:val>
+                                            <p:strVal val="#ppt_y"/>
+                                          </p:val>
+                                        </p:tav>
+                                      </p:tavLst>
+                                    </p:anim>
+                                  </p:childTnLst>
+                                </p:cTn>
+                              </p:par>
+                              <p:par>
+                                <p:cTn id="10" presetID="42" presetClass="entr" presetSubtype="0" fill="hold" grpId="0" nodeType="withEffect">
+                                  <p:stCondLst>
+                                    <p:cond delay="0"/>
+                                  </p:stCondLst>
+                                  <p:childTnLst>
+                                    <p:set>
+                                      <p:cBhvr>
+                                        <p:cTn id="11" dur="1" fill="hold">
+                                          <p:stCondLst>
+                                            <p:cond delay="0"/>
+                                          </p:stCondLst>
+                                        </p:cTn>
+                                        <p:tgtEl>
+                                          <p:spTgt spid="14"/>
+                                        </p:tgtEl>
+                                        <p:attrNameLst>
+                                          <p:attrName>style.visibility</p:attrName>
+                                        </p:attrNameLst>
+                                      </p:cBhvr>
+                                      <p:to>
+                                        <p:strVal val="visible"/>
+                                      </p:to>
+                                    </p:set>
+                                    <p:animEffect transition="in" filter="fade">
+                                      <p:cBhvr>
+                                        <p:cTn id="12" dur="150"/>
+                                        <p:tgtEl>
+                                          <p:spTgt spid="14"/>
+                                        </p:tgtEl>
+                                      </p:cBhvr>
+                                    </p:animEffect>
+                                    <p:anim calcmode="lin" valueType="num">
+                                      <p:cBhvr>
+                                        <p:cTn id="13" dur="150" fill="hold"/>
+                                        <p:tgtEl>
+                                          <p:spTgt spid="14"/>
+                                        </p:tgtEl>
+                                        <p:attrNameLst>
+                                          <p:attrName>ppt_x</p:attrName>
+                                        </p:attrNameLst>
+                                      </p:cBhvr>
+                                      <p:tavLst>
+                                        <p:tav tm="0">
+                                          <p:val>
+                                            <p:strVal val="#ppt_x"/>
+                                          </p:val>
+                                        </p:tav>
+                                        <p:tav tm="100000">
+                                          <p:val>
+                                            <p:strVal val="#ppt_x"/>
+                                          </p:val>
+                                        </p:tav>
+                                      </p:tavLst>
+                                    </p:anim>
+                                    <p:anim calcmode="lin" valueType="num">
+                                      <p:cBhvr>
+                                        <p:cTn id="14" dur="150" fill="hold"/>
+                                        <p:tgtEl>
+                                          <p:spTgt spid="14"/>
+                                        </p:tgtEl>
+                                        <p:attrNameLst>
+                                          <p:attrName>ppt_y</p:attrName>
+                                        </p:attrNameLst>
+                                      </p:cBhvr>
+                                      <p:tavLst>
+                                        <p:tav tm="0">
+                                          <p:val>
+                                            <p:strVal val="#ppt_y+.1"/>
+                                          </p:val>
+                                        </p:tav>
+                                        <p:tav tm="100000">
+                                          <p:val>
+                                            <p:strVal val="#ppt_y"/>
+                                          </p:val>
+                                        </p:tav>
+                                      </p:tavLst>
+                                    </p:anim>
+                                  </p:childTnLst>
+                                </p:cTn>
+                              </p:par>
+                            </p:childTnLst>
+                          </p:cTn>
+                        </p:par>
+                      </p:childTnLst>
+                    </p:cTn>
+                  </p:par>
+                </p:childTnLst>
+              </p:cTn>
+              <p:prevCondLst>
+                <p:cond evt="onPrev" delay="0">
+                  <p:tgtEl>
+                    <p:sldTgt/>
+                  </p:tgtEl>
+                </p:cond>
+              </p:prevCondLst>
+              <p:nextCondLst>
+                <p:cond evt="onNext" delay="0">
+                  <p:tgtEl>
+                    <p:sldTgt/>
+                  </p:tgtEl>
+                </p:cond>
+              </p:nextCondLst>
+            </p:seq>
+          </p:childTnLst>
+        </p:cTn>
+      </p:par>
+    </p:tnLst>
+    <p:bldLst>
+      <p:bldP spid="13" grpId="0"/>
+      <p:bldP spid="14" grpId="0"/>
+    </p:bldLst>
+  </p:timing>
+</p:sld>
+</file>
+
+<file path=ppt/slides/slide11.xml><?xml version="1.0" encoding="utf-8"?>
+<p:sld xmlns:a="http://schemas.openxmlformats.org/drawingml/2006/main" xmlns:r="http://schemas.openxmlformats.org/officeDocument/2006/relationships" xmlns:p="http://schemas.openxmlformats.org/presentationml/2006/main">
+  <p:cSld>
+    <p:spTree>
+      <p:nvGrpSpPr>
+        <p:cNvPr id="1" name=""/>
+        <p:cNvGrpSpPr/>
+        <p:nvPr/>
+      </p:nvGrpSpPr>
+      <p:grpSpPr>
+        <a:xfrm>
+          <a:off x="0" y="0"/>
+          <a:ext cx="0" cy="0"/>
+          <a:chOff x="0" y="0"/>
+          <a:chExt cx="0" cy="0"/>
+        </a:xfrm>
+      </p:grpSpPr>
+      <p:sp>
+        <p:nvSpPr>
+          <p:cNvPr id="4" name="직사각형 3">
+            <a:extLst>
+              <a:ext uri="{FF2B5EF4-FFF2-40B4-BE49-F238E27FC236}">
+                <a16:creationId xmlns:a16="http://schemas.microsoft.com/office/drawing/2014/main" id="{AAD10983-B5B6-4119-8CD7-DB9B0180D44E}"/>
+              </a:ext>
+            </a:extLst>
+          </p:cNvPr>
+          <p:cNvSpPr/>
+          <p:nvPr/>
+        </p:nvSpPr>
+        <p:spPr>
+          <a:xfrm>
+            <a:off x="0" y="0"/>
+            <a:ext cx="12192000" cy="1076960"/>
+          </a:xfrm>
+          <a:prstGeom prst="rect">
+            <a:avLst/>
+          </a:prstGeom>
+          <a:solidFill>
+            <a:srgbClr val="1E3252"/>
+          </a:solidFill>
+        </p:spPr>
+        <p:style>
+          <a:lnRef idx="2">
+            <a:schemeClr val="accent1">
+              <a:shade val="50000"/>
+            </a:schemeClr>
+          </a:lnRef>
+          <a:fillRef idx="1">
+            <a:schemeClr val="accent1"/>
+          </a:fillRef>
+          <a:effectRef idx="0">
+            <a:schemeClr val="accent1"/>
+          </a:effectRef>
+          <a:fontRef idx="minor">
+            <a:schemeClr val="lt1"/>
+          </a:fontRef>
+        </p:style>
+        <p:txBody>
+          <a:bodyPr rtlCol="0" anchor="ctr"/>
+          <a:lstStyle/>
+          <a:p>
+            <a:pPr algn="ctr"/>
+            <a:endParaRPr lang="ko-KR" altLang="en-US" dirty="0"/>
+          </a:p>
+        </p:txBody>
+      </p:sp>
+      <p:sp>
+        <p:nvSpPr>
+          <p:cNvPr id="5" name="TextBox 4">
+            <a:extLst>
+              <a:ext uri="{FF2B5EF4-FFF2-40B4-BE49-F238E27FC236}">
+                <a16:creationId xmlns:a16="http://schemas.microsoft.com/office/drawing/2014/main" id="{1844EBE8-0933-474A-9F91-0CFC76F21F13}"/>
+              </a:ext>
+            </a:extLst>
+          </p:cNvPr>
+          <p:cNvSpPr txBox="1"/>
+          <p:nvPr/>
+        </p:nvSpPr>
+        <p:spPr>
+          <a:xfrm>
+            <a:off x="875104" y="252411"/>
+            <a:ext cx="2435282" cy="584775"/>
+          </a:xfrm>
+          <a:prstGeom prst="rect">
+            <a:avLst/>
+          </a:prstGeom>
+          <a:noFill/>
+        </p:spPr>
+        <p:txBody>
+          <a:bodyPr wrap="none" rtlCol="0">
+            <a:spAutoFit/>
+          </a:bodyPr>
+          <a:lstStyle/>
+          <a:p>
+            <a:r>
+              <a:rPr lang="en-US" altLang="ko-KR" sz="3200" spc="-150" dirty="0">
+                <a:solidFill>
+                  <a:schemeClr val="bg1"/>
+                </a:solidFill>
+              </a:rPr>
+              <a:t>PostgreSQL : </a:t>
+            </a:r>
+            <a:endParaRPr lang="ko-KR" altLang="en-US" sz="3200" spc="-300" dirty="0">
+              <a:solidFill>
+                <a:schemeClr val="bg1"/>
+              </a:solidFill>
+            </a:endParaRPr>
+          </a:p>
+        </p:txBody>
+      </p:sp>
+      <p:sp>
+        <p:nvSpPr>
+          <p:cNvPr id="6" name="TextBox 5">
+            <a:extLst>
+              <a:ext uri="{FF2B5EF4-FFF2-40B4-BE49-F238E27FC236}">
+                <a16:creationId xmlns:a16="http://schemas.microsoft.com/office/drawing/2014/main" id="{CB8A9DF1-8FAE-4D25-A22D-CE1F69A7C115}"/>
+              </a:ext>
+            </a:extLst>
+          </p:cNvPr>
+          <p:cNvSpPr txBox="1"/>
+          <p:nvPr/>
+        </p:nvSpPr>
+        <p:spPr>
+          <a:xfrm>
+            <a:off x="104316" y="246092"/>
+            <a:ext cx="770788" cy="307777"/>
+          </a:xfrm>
+          <a:prstGeom prst="rect">
+            <a:avLst/>
+          </a:prstGeom>
+          <a:noFill/>
+        </p:spPr>
+        <p:txBody>
+          <a:bodyPr wrap="none" rtlCol="0">
+            <a:spAutoFit/>
+          </a:bodyPr>
+          <a:lstStyle/>
+          <a:p>
+            <a:r>
+              <a:rPr lang="en-US" altLang="ko-KR" sz="1400" dirty="0">
+                <a:solidFill>
+                  <a:schemeClr val="bg1"/>
+                </a:solidFill>
+              </a:rPr>
+              <a:t>Part 2, </a:t>
+            </a:r>
+            <a:endParaRPr lang="ko-KR" altLang="en-US" sz="1400" dirty="0">
+              <a:solidFill>
+                <a:schemeClr val="bg1"/>
+              </a:solidFill>
+            </a:endParaRPr>
+          </a:p>
+        </p:txBody>
+      </p:sp>
+      <p:sp>
+        <p:nvSpPr>
+          <p:cNvPr id="7" name="TextBox 6">
+            <a:extLst>
+              <a:ext uri="{FF2B5EF4-FFF2-40B4-BE49-F238E27FC236}">
+                <a16:creationId xmlns:a16="http://schemas.microsoft.com/office/drawing/2014/main" id="{9E8A2899-02DB-4555-8F59-9D7BE15359D2}"/>
+              </a:ext>
+            </a:extLst>
+          </p:cNvPr>
+          <p:cNvSpPr txBox="1"/>
+          <p:nvPr/>
+        </p:nvSpPr>
+        <p:spPr>
+          <a:xfrm>
+            <a:off x="3210053" y="246092"/>
+            <a:ext cx="4929555" cy="584775"/>
+          </a:xfrm>
+          <a:prstGeom prst="rect">
+            <a:avLst/>
+          </a:prstGeom>
+          <a:noFill/>
+        </p:spPr>
+        <p:txBody>
+          <a:bodyPr wrap="none" rtlCol="0">
+            <a:spAutoFit/>
+          </a:bodyPr>
+          <a:lstStyle/>
+          <a:p>
+            <a:r>
+              <a:rPr lang="en-US" altLang="ko-KR" sz="3200" spc="-150" dirty="0">
+                <a:solidFill>
+                  <a:schemeClr val="bg1"/>
+                </a:solidFill>
+              </a:rPr>
+              <a:t>Cost Based Optimizer (CBO)</a:t>
+            </a:r>
+            <a:endParaRPr lang="ko-KR" altLang="en-US" sz="3200" spc="-150" dirty="0">
+              <a:solidFill>
+                <a:schemeClr val="bg1"/>
+              </a:solidFill>
+            </a:endParaRPr>
+          </a:p>
+        </p:txBody>
+      </p:sp>
+      <p:sp>
+        <p:nvSpPr>
+          <p:cNvPr id="13" name="TextBox 12">
+            <a:extLst>
+              <a:ext uri="{FF2B5EF4-FFF2-40B4-BE49-F238E27FC236}">
+                <a16:creationId xmlns:a16="http://schemas.microsoft.com/office/drawing/2014/main" id="{FE1D080E-CDC3-917F-2C6F-25FC00E17D86}"/>
+              </a:ext>
+            </a:extLst>
+          </p:cNvPr>
+          <p:cNvSpPr txBox="1"/>
+          <p:nvPr/>
+        </p:nvSpPr>
+        <p:spPr>
+          <a:xfrm>
+            <a:off x="2362447" y="1575994"/>
+            <a:ext cx="1133878" cy="369332"/>
+          </a:xfrm>
+          <a:prstGeom prst="rect">
+            <a:avLst/>
+          </a:prstGeom>
+          <a:noFill/>
+        </p:spPr>
+        <p:txBody>
+          <a:bodyPr wrap="square" rtlCol="0">
+            <a:spAutoFit/>
+          </a:bodyPr>
+          <a:lstStyle/>
+          <a:p>
+            <a:pPr algn="ctr"/>
+            <a:r>
+              <a:rPr lang="en-US" altLang="ko-KR" b="1" dirty="0">
+                <a:highlight>
+                  <a:srgbClr val="95CCD3"/>
+                </a:highlight>
+                <a:latin typeface="제주명조" panose="02000300000000000000" pitchFamily="2" charset="-127"/>
+                <a:ea typeface="제주명조" panose="02000300000000000000" pitchFamily="2" charset="-127"/>
+              </a:rPr>
+              <a:t>Accuracy</a:t>
+            </a:r>
+            <a:endParaRPr lang="ko-KR" altLang="en-US" b="1" dirty="0">
+              <a:highlight>
+                <a:srgbClr val="95CCD3"/>
+              </a:highlight>
+              <a:latin typeface="제주명조" panose="02000300000000000000" pitchFamily="2" charset="-127"/>
+              <a:ea typeface="제주명조" panose="02000300000000000000" pitchFamily="2" charset="-127"/>
+            </a:endParaRPr>
+          </a:p>
+        </p:txBody>
+      </p:sp>
+      <p:sp>
+        <p:nvSpPr>
+          <p:cNvPr id="14" name="TextBox 13">
+            <a:extLst>
+              <a:ext uri="{FF2B5EF4-FFF2-40B4-BE49-F238E27FC236}">
+                <a16:creationId xmlns:a16="http://schemas.microsoft.com/office/drawing/2014/main" id="{EDA6FDC9-12F1-60AA-BD09-A779FE473E1B}"/>
+              </a:ext>
+            </a:extLst>
+          </p:cNvPr>
+          <p:cNvSpPr txBox="1"/>
+          <p:nvPr/>
+        </p:nvSpPr>
+        <p:spPr>
+          <a:xfrm>
+            <a:off x="489710" y="2412294"/>
+            <a:ext cx="1133878" cy="369332"/>
+          </a:xfrm>
+          <a:prstGeom prst="rect">
+            <a:avLst/>
+          </a:prstGeom>
+          <a:noFill/>
+        </p:spPr>
+        <p:txBody>
+          <a:bodyPr wrap="square" rtlCol="0">
+            <a:spAutoFit/>
+          </a:bodyPr>
+          <a:lstStyle/>
+          <a:p>
+            <a:pPr algn="ctr"/>
+            <a:r>
+              <a:rPr lang="en-US" altLang="ko-KR" b="1" dirty="0">
+                <a:highlight>
+                  <a:srgbClr val="95CCD3"/>
+                </a:highlight>
+                <a:latin typeface="제주명조" panose="02000300000000000000" pitchFamily="2" charset="-127"/>
+                <a:ea typeface="제주명조" panose="02000300000000000000" pitchFamily="2" charset="-127"/>
+              </a:rPr>
+              <a:t>Model B</a:t>
+            </a:r>
+            <a:endParaRPr lang="ko-KR" altLang="en-US" b="1" dirty="0">
+              <a:highlight>
+                <a:srgbClr val="95CCD3"/>
+              </a:highlight>
+              <a:latin typeface="제주명조" panose="02000300000000000000" pitchFamily="2" charset="-127"/>
+              <a:ea typeface="제주명조" panose="02000300000000000000" pitchFamily="2" charset="-127"/>
+            </a:endParaRPr>
+          </a:p>
+        </p:txBody>
+      </p:sp>
+      <p:pic>
+        <p:nvPicPr>
+          <p:cNvPr id="8" name="그림 7">
+            <a:extLst>
+              <a:ext uri="{FF2B5EF4-FFF2-40B4-BE49-F238E27FC236}">
+                <a16:creationId xmlns:a16="http://schemas.microsoft.com/office/drawing/2014/main" id="{D8684DFD-18CF-AA20-70CF-F0E840D824A8}"/>
+              </a:ext>
+            </a:extLst>
+          </p:cNvPr>
+          <p:cNvPicPr>
+            <a:picLocks noChangeAspect="1"/>
+          </p:cNvPicPr>
+          <p:nvPr/>
+        </p:nvPicPr>
+        <p:blipFill>
+          <a:blip r:embed="rId3">
+            <a:extLst>
+              <a:ext uri="{28A0092B-C50C-407E-A947-70E740481C1C}">
+                <a14:useLocalDpi xmlns:a14="http://schemas.microsoft.com/office/drawing/2010/main" val="0"/>
+              </a:ext>
+            </a:extLst>
+          </a:blip>
+          <a:stretch>
+            <a:fillRect/>
+          </a:stretch>
+        </p:blipFill>
+        <p:spPr>
+          <a:xfrm>
+            <a:off x="2054491" y="1225360"/>
+            <a:ext cx="4041509" cy="2743200"/>
+          </a:xfrm>
+          <a:prstGeom prst="rect">
+            <a:avLst/>
+          </a:prstGeom>
+        </p:spPr>
+      </p:pic>
+      <p:pic>
+        <p:nvPicPr>
+          <p:cNvPr id="15" name="그림 14">
+            <a:extLst>
+              <a:ext uri="{FF2B5EF4-FFF2-40B4-BE49-F238E27FC236}">
+                <a16:creationId xmlns:a16="http://schemas.microsoft.com/office/drawing/2014/main" id="{5BCA3088-813B-2479-D336-36F18EDEFC44}"/>
+              </a:ext>
+            </a:extLst>
+          </p:cNvPr>
+          <p:cNvPicPr>
+            <a:picLocks noChangeAspect="1"/>
+          </p:cNvPicPr>
+          <p:nvPr/>
+        </p:nvPicPr>
+        <p:blipFill>
+          <a:blip r:embed="rId4">
+            <a:extLst>
+              <a:ext uri="{28A0092B-C50C-407E-A947-70E740481C1C}">
+                <a14:useLocalDpi xmlns:a14="http://schemas.microsoft.com/office/drawing/2010/main" val="0"/>
+              </a:ext>
+            </a:extLst>
+          </a:blip>
+          <a:stretch>
+            <a:fillRect/>
+          </a:stretch>
+        </p:blipFill>
+        <p:spPr>
+          <a:xfrm>
+            <a:off x="6403956" y="1225360"/>
+            <a:ext cx="4041509" cy="2743200"/>
+          </a:xfrm>
+          <a:prstGeom prst="rect">
+            <a:avLst/>
+          </a:prstGeom>
+        </p:spPr>
+      </p:pic>
+      <p:pic>
+        <p:nvPicPr>
+          <p:cNvPr id="17" name="그림 16">
+            <a:extLst>
+              <a:ext uri="{FF2B5EF4-FFF2-40B4-BE49-F238E27FC236}">
+                <a16:creationId xmlns:a16="http://schemas.microsoft.com/office/drawing/2014/main" id="{86D75C6F-5863-09B6-A69C-7ACD98B7D24C}"/>
+              </a:ext>
+            </a:extLst>
+          </p:cNvPr>
+          <p:cNvPicPr>
+            <a:picLocks noChangeAspect="1"/>
+          </p:cNvPicPr>
+          <p:nvPr/>
+        </p:nvPicPr>
+        <p:blipFill>
+          <a:blip r:embed="rId5">
+            <a:extLst>
+              <a:ext uri="{28A0092B-C50C-407E-A947-70E740481C1C}">
+                <a14:useLocalDpi xmlns:a14="http://schemas.microsoft.com/office/drawing/2010/main" val="0"/>
+              </a:ext>
+            </a:extLst>
+          </a:blip>
+          <a:stretch>
+            <a:fillRect/>
+          </a:stretch>
+        </p:blipFill>
+        <p:spPr>
+          <a:xfrm>
+            <a:off x="2064144" y="3968560"/>
+            <a:ext cx="4041509" cy="2743200"/>
+          </a:xfrm>
+          <a:prstGeom prst="rect">
+            <a:avLst/>
+          </a:prstGeom>
+        </p:spPr>
+      </p:pic>
+      <p:pic>
+        <p:nvPicPr>
+          <p:cNvPr id="19" name="그림 18">
+            <a:extLst>
+              <a:ext uri="{FF2B5EF4-FFF2-40B4-BE49-F238E27FC236}">
+                <a16:creationId xmlns:a16="http://schemas.microsoft.com/office/drawing/2014/main" id="{0E13FDCA-E105-EE21-3A7C-F1A44BE6F280}"/>
+              </a:ext>
+            </a:extLst>
+          </p:cNvPr>
+          <p:cNvPicPr>
+            <a:picLocks noChangeAspect="1"/>
+          </p:cNvPicPr>
+          <p:nvPr/>
+        </p:nvPicPr>
+        <p:blipFill>
+          <a:blip r:embed="rId6">
+            <a:extLst>
+              <a:ext uri="{28A0092B-C50C-407E-A947-70E740481C1C}">
+                <a14:useLocalDpi xmlns:a14="http://schemas.microsoft.com/office/drawing/2010/main" val="0"/>
+              </a:ext>
+            </a:extLst>
+          </a:blip>
+          <a:stretch>
+            <a:fillRect/>
+          </a:stretch>
+        </p:blipFill>
+        <p:spPr>
+          <a:xfrm>
+            <a:off x="6403956" y="3968560"/>
+            <a:ext cx="4041509" cy="2743200"/>
+          </a:xfrm>
+          <a:prstGeom prst="rect">
+            <a:avLst/>
+          </a:prstGeom>
+        </p:spPr>
+      </p:pic>
+      <p:sp>
+        <p:nvSpPr>
+          <p:cNvPr id="20" name="TextBox 19">
+            <a:extLst>
+              <a:ext uri="{FF2B5EF4-FFF2-40B4-BE49-F238E27FC236}">
+                <a16:creationId xmlns:a16="http://schemas.microsoft.com/office/drawing/2014/main" id="{3BCB2402-7D64-19BF-594E-5A79E9EDA4FA}"/>
+              </a:ext>
+            </a:extLst>
+          </p:cNvPr>
+          <p:cNvSpPr txBox="1"/>
+          <p:nvPr/>
+        </p:nvSpPr>
+        <p:spPr>
+          <a:xfrm>
+            <a:off x="489710" y="5155494"/>
+            <a:ext cx="1133878" cy="369332"/>
+          </a:xfrm>
+          <a:prstGeom prst="rect">
+            <a:avLst/>
+          </a:prstGeom>
+          <a:noFill/>
+        </p:spPr>
+        <p:txBody>
+          <a:bodyPr wrap="square" rtlCol="0">
+            <a:spAutoFit/>
+          </a:bodyPr>
+          <a:lstStyle/>
+          <a:p>
+            <a:pPr algn="ctr"/>
+            <a:r>
+              <a:rPr lang="en-US" altLang="ko-KR" b="1" dirty="0">
+                <a:highlight>
+                  <a:srgbClr val="95CCD3"/>
+                </a:highlight>
+                <a:latin typeface="제주명조" panose="02000300000000000000" pitchFamily="2" charset="-127"/>
+                <a:ea typeface="제주명조" panose="02000300000000000000" pitchFamily="2" charset="-127"/>
+              </a:rPr>
+              <a:t>Model C</a:t>
+            </a:r>
+            <a:endParaRPr lang="ko-KR" altLang="en-US" b="1" dirty="0">
+              <a:highlight>
+                <a:srgbClr val="95CCD3"/>
+              </a:highlight>
+              <a:latin typeface="제주명조" panose="02000300000000000000" pitchFamily="2" charset="-127"/>
+              <a:ea typeface="제주명조" panose="02000300000000000000" pitchFamily="2" charset="-127"/>
+            </a:endParaRPr>
+          </a:p>
+        </p:txBody>
+      </p:sp>
+    </p:spTree>
+    <p:extLst>
+      <p:ext uri="{BB962C8B-B14F-4D97-AF65-F5344CB8AC3E}">
+        <p14:creationId xmlns:p14="http://schemas.microsoft.com/office/powerpoint/2010/main" val="1244711482"/>
+      </p:ext>
+    </p:extLst>
+  </p:cSld>
+  <p:clrMapOvr>
+    <a:masterClrMapping/>
+  </p:clrMapOvr>
+  <mc:AlternateContent xmlns:mc="http://schemas.openxmlformats.org/markup-compatibility/2006" xmlns:p159="http://schemas.microsoft.com/office/powerpoint/2015/09/main">
+    <mc:Choice Requires="p159">
+      <p:transition xmlns:p14="http://schemas.microsoft.com/office/powerpoint/2010/main" p14:dur="250">
+        <p159:morph option="byObject"/>
+      </p:transition>
+    </mc:Choice>
+    <mc:Fallback xmlns="">
+      <p:transition>
+        <p:fade/>
+      </p:transition>
+    </mc:Fallback>
+  </mc:AlternateContent>
+  <p:timing>
+    <p:tnLst>
+      <p:par>
+        <p:cTn id="1" dur="indefinite" restart="never" nodeType="tmRoot">
+          <p:childTnLst>
+            <p:seq concurrent="1" nextAc="seek">
+              <p:cTn id="2" dur="indefinite" nodeType="mainSeq">
+                <p:childTnLst>
+                  <p:par>
+                    <p:cTn id="3" fill="hold">
+                      <p:stCondLst>
+                        <p:cond delay="indefinite"/>
+                        <p:cond evt="onBegin" delay="0">
+                          <p:tn val="2"/>
+                        </p:cond>
+                      </p:stCondLst>
+                      <p:childTnLst>
+                        <p:par>
+                          <p:cTn id="4" fill="hold">
+                            <p:stCondLst>
+                              <p:cond delay="0"/>
+                            </p:stCondLst>
+                            <p:childTnLst>
+                              <p:par>
+                                <p:cTn id="5" presetID="42" presetClass="entr" presetSubtype="0" fill="hold" grpId="0" nodeType="withEffect">
+                                  <p:stCondLst>
+                                    <p:cond delay="0"/>
+                                  </p:stCondLst>
+                                  <p:childTnLst>
+                                    <p:set>
+                                      <p:cBhvr>
+                                        <p:cTn id="6" dur="1" fill="hold">
+                                          <p:stCondLst>
+                                            <p:cond delay="0"/>
+                                          </p:stCondLst>
+                                        </p:cTn>
+                                        <p:tgtEl>
+                                          <p:spTgt spid="13"/>
+                                        </p:tgtEl>
+                                        <p:attrNameLst>
+                                          <p:attrName>style.visibility</p:attrName>
+                                        </p:attrNameLst>
+                                      </p:cBhvr>
+                                      <p:to>
+                                        <p:strVal val="visible"/>
+                                      </p:to>
+                                    </p:set>
+                                    <p:animEffect transition="in" filter="fade">
+                                      <p:cBhvr>
+                                        <p:cTn id="7" dur="150"/>
+                                        <p:tgtEl>
+                                          <p:spTgt spid="13"/>
+                                        </p:tgtEl>
+                                      </p:cBhvr>
+                                    </p:animEffect>
+                                    <p:anim calcmode="lin" valueType="num">
+                                      <p:cBhvr>
+                                        <p:cTn id="8" dur="150" fill="hold"/>
+                                        <p:tgtEl>
+                                          <p:spTgt spid="13"/>
+                                        </p:tgtEl>
+                                        <p:attrNameLst>
+                                          <p:attrName>ppt_x</p:attrName>
+                                        </p:attrNameLst>
+                                      </p:cBhvr>
+                                      <p:tavLst>
+                                        <p:tav tm="0">
+                                          <p:val>
+                                            <p:strVal val="#ppt_x"/>
+                                          </p:val>
+                                        </p:tav>
+                                        <p:tav tm="100000">
+                                          <p:val>
+                                            <p:strVal val="#ppt_x"/>
+                                          </p:val>
+                                        </p:tav>
+                                      </p:tavLst>
+                                    </p:anim>
+                                    <p:anim calcmode="lin" valueType="num">
+                                      <p:cBhvr>
+                                        <p:cTn id="9" dur="150" fill="hold"/>
+                                        <p:tgtEl>
+                                          <p:spTgt spid="13"/>
+                                        </p:tgtEl>
+                                        <p:attrNameLst>
+                                          <p:attrName>ppt_y</p:attrName>
+                                        </p:attrNameLst>
+                                      </p:cBhvr>
+                                      <p:tavLst>
+                                        <p:tav tm="0">
+                                          <p:val>
+                                            <p:strVal val="#ppt_y+.1"/>
+                                          </p:val>
+                                        </p:tav>
+                                        <p:tav tm="100000">
+                                          <p:val>
+                                            <p:strVal val="#ppt_y"/>
+                                          </p:val>
+                                        </p:tav>
+                                      </p:tavLst>
+                                    </p:anim>
+                                  </p:childTnLst>
+                                </p:cTn>
+                              </p:par>
+                              <p:par>
+                                <p:cTn id="10" presetID="42" presetClass="entr" presetSubtype="0" fill="hold" grpId="0" nodeType="withEffect">
+                                  <p:stCondLst>
+                                    <p:cond delay="0"/>
+                                  </p:stCondLst>
+                                  <p:childTnLst>
+                                    <p:set>
+                                      <p:cBhvr>
+                                        <p:cTn id="11" dur="1" fill="hold">
+                                          <p:stCondLst>
+                                            <p:cond delay="0"/>
+                                          </p:stCondLst>
+                                        </p:cTn>
+                                        <p:tgtEl>
+                                          <p:spTgt spid="14"/>
+                                        </p:tgtEl>
+                                        <p:attrNameLst>
+                                          <p:attrName>style.visibility</p:attrName>
+                                        </p:attrNameLst>
+                                      </p:cBhvr>
+                                      <p:to>
+                                        <p:strVal val="visible"/>
+                                      </p:to>
+                                    </p:set>
+                                    <p:animEffect transition="in" filter="fade">
+                                      <p:cBhvr>
+                                        <p:cTn id="12" dur="150"/>
+                                        <p:tgtEl>
+                                          <p:spTgt spid="14"/>
+                                        </p:tgtEl>
+                                      </p:cBhvr>
+                                    </p:animEffect>
+                                    <p:anim calcmode="lin" valueType="num">
+                                      <p:cBhvr>
+                                        <p:cTn id="13" dur="150" fill="hold"/>
+                                        <p:tgtEl>
+                                          <p:spTgt spid="14"/>
+                                        </p:tgtEl>
+                                        <p:attrNameLst>
+                                          <p:attrName>ppt_x</p:attrName>
+                                        </p:attrNameLst>
+                                      </p:cBhvr>
+                                      <p:tavLst>
+                                        <p:tav tm="0">
+                                          <p:val>
+                                            <p:strVal val="#ppt_x"/>
+                                          </p:val>
+                                        </p:tav>
+                                        <p:tav tm="100000">
+                                          <p:val>
+                                            <p:strVal val="#ppt_x"/>
+                                          </p:val>
+                                        </p:tav>
+                                      </p:tavLst>
+                                    </p:anim>
+                                    <p:anim calcmode="lin" valueType="num">
+                                      <p:cBhvr>
+                                        <p:cTn id="14" dur="150" fill="hold"/>
+                                        <p:tgtEl>
+                                          <p:spTgt spid="14"/>
+                                        </p:tgtEl>
+                                        <p:attrNameLst>
+                                          <p:attrName>ppt_y</p:attrName>
+                                        </p:attrNameLst>
+                                      </p:cBhvr>
+                                      <p:tavLst>
+                                        <p:tav tm="0">
+                                          <p:val>
+                                            <p:strVal val="#ppt_y+.1"/>
+                                          </p:val>
+                                        </p:tav>
+                                        <p:tav tm="100000">
+                                          <p:val>
+                                            <p:strVal val="#ppt_y"/>
+                                          </p:val>
+                                        </p:tav>
+                                      </p:tavLst>
+                                    </p:anim>
+                                  </p:childTnLst>
+                                </p:cTn>
+                              </p:par>
+                              <p:par>
+                                <p:cTn id="15" presetID="42" presetClass="entr" presetSubtype="0" fill="hold" grpId="0" nodeType="withEffect">
+                                  <p:stCondLst>
+                                    <p:cond delay="0"/>
+                                  </p:stCondLst>
+                                  <p:childTnLst>
+                                    <p:set>
+                                      <p:cBhvr>
+                                        <p:cTn id="16" dur="1" fill="hold">
+                                          <p:stCondLst>
+                                            <p:cond delay="0"/>
+                                          </p:stCondLst>
+                                        </p:cTn>
+                                        <p:tgtEl>
+                                          <p:spTgt spid="20"/>
+                                        </p:tgtEl>
+                                        <p:attrNameLst>
+                                          <p:attrName>style.visibility</p:attrName>
+                                        </p:attrNameLst>
+                                      </p:cBhvr>
+                                      <p:to>
+                                        <p:strVal val="visible"/>
+                                      </p:to>
+                                    </p:set>
+                                    <p:animEffect transition="in" filter="fade">
+                                      <p:cBhvr>
+                                        <p:cTn id="17" dur="150"/>
+                                        <p:tgtEl>
+                                          <p:spTgt spid="20"/>
+                                        </p:tgtEl>
+                                      </p:cBhvr>
+                                    </p:animEffect>
+                                    <p:anim calcmode="lin" valueType="num">
+                                      <p:cBhvr>
+                                        <p:cTn id="18" dur="150" fill="hold"/>
+                                        <p:tgtEl>
+                                          <p:spTgt spid="20"/>
+                                        </p:tgtEl>
+                                        <p:attrNameLst>
+                                          <p:attrName>ppt_x</p:attrName>
+                                        </p:attrNameLst>
+                                      </p:cBhvr>
+                                      <p:tavLst>
+                                        <p:tav tm="0">
+                                          <p:val>
+                                            <p:strVal val="#ppt_x"/>
+                                          </p:val>
+                                        </p:tav>
+                                        <p:tav tm="100000">
+                                          <p:val>
+                                            <p:strVal val="#ppt_x"/>
+                                          </p:val>
+                                        </p:tav>
+                                      </p:tavLst>
+                                    </p:anim>
+                                    <p:anim calcmode="lin" valueType="num">
+                                      <p:cBhvr>
+                                        <p:cTn id="19" dur="150" fill="hold"/>
+                                        <p:tgtEl>
+                                          <p:spTgt spid="20"/>
+                                        </p:tgtEl>
+                                        <p:attrNameLst>
+                                          <p:attrName>ppt_y</p:attrName>
+                                        </p:attrNameLst>
+                                      </p:cBhvr>
+                                      <p:tavLst>
+                                        <p:tav tm="0">
+                                          <p:val>
+                                            <p:strVal val="#ppt_y+.1"/>
+                                          </p:val>
+                                        </p:tav>
+                                        <p:tav tm="100000">
+                                          <p:val>
+                                            <p:strVal val="#ppt_y"/>
+                                          </p:val>
+                                        </p:tav>
+                                      </p:tavLst>
+                                    </p:anim>
+                                  </p:childTnLst>
+                                </p:cTn>
+                              </p:par>
+                            </p:childTnLst>
+                          </p:cTn>
+                        </p:par>
+                      </p:childTnLst>
+                    </p:cTn>
+                  </p:par>
+                </p:childTnLst>
+              </p:cTn>
+              <p:prevCondLst>
+                <p:cond evt="onPrev" delay="0">
+                  <p:tgtEl>
+                    <p:sldTgt/>
+                  </p:tgtEl>
+                </p:cond>
+              </p:prevCondLst>
+              <p:nextCondLst>
+                <p:cond evt="onNext" delay="0">
+                  <p:tgtEl>
+                    <p:sldTgt/>
+                  </p:tgtEl>
+                </p:cond>
+              </p:nextCondLst>
+            </p:seq>
+          </p:childTnLst>
+        </p:cTn>
+      </p:par>
+    </p:tnLst>
+    <p:bldLst>
+      <p:bldP spid="13" grpId="0"/>
+      <p:bldP spid="14" grpId="0"/>
+      <p:bldP spid="20" grpId="0"/>
+    </p:bldLst>
+  </p:timing>
+</p:sld>
+</file>
+
+<file path=ppt/slides/slide12.xml><?xml version="1.0" encoding="utf-8"?>
+<p:sld xmlns:a="http://schemas.openxmlformats.org/drawingml/2006/main" xmlns:r="http://schemas.openxmlformats.org/officeDocument/2006/relationships" xmlns:p="http://schemas.openxmlformats.org/presentationml/2006/main">
+  <p:cSld>
+    <p:spTree>
+      <p:nvGrpSpPr>
+        <p:cNvPr id="1" name=""/>
+        <p:cNvGrpSpPr/>
+        <p:nvPr/>
+      </p:nvGrpSpPr>
+      <p:grpSpPr>
+        <a:xfrm>
+          <a:off x="0" y="0"/>
+          <a:ext cx="0" cy="0"/>
+          <a:chOff x="0" y="0"/>
+          <a:chExt cx="0" cy="0"/>
+        </a:xfrm>
+      </p:grpSpPr>
+      <p:sp>
+        <p:nvSpPr>
+          <p:cNvPr id="4" name="직사각형 3">
+            <a:extLst>
+              <a:ext uri="{FF2B5EF4-FFF2-40B4-BE49-F238E27FC236}">
+                <a16:creationId xmlns:a16="http://schemas.microsoft.com/office/drawing/2014/main" id="{AAD10983-B5B6-4119-8CD7-DB9B0180D44E}"/>
+              </a:ext>
+            </a:extLst>
+          </p:cNvPr>
+          <p:cNvSpPr/>
+          <p:nvPr/>
+        </p:nvSpPr>
+        <p:spPr>
+          <a:xfrm>
+            <a:off x="0" y="0"/>
+            <a:ext cx="12192000" cy="1076960"/>
+          </a:xfrm>
+          <a:prstGeom prst="rect">
+            <a:avLst/>
+          </a:prstGeom>
+          <a:solidFill>
+            <a:srgbClr val="1E3252"/>
+          </a:solidFill>
+        </p:spPr>
+        <p:style>
+          <a:lnRef idx="2">
+            <a:schemeClr val="accent1">
+              <a:shade val="50000"/>
+            </a:schemeClr>
+          </a:lnRef>
+          <a:fillRef idx="1">
+            <a:schemeClr val="accent1"/>
+          </a:fillRef>
+          <a:effectRef idx="0">
+            <a:schemeClr val="accent1"/>
+          </a:effectRef>
+          <a:fontRef idx="minor">
+            <a:schemeClr val="lt1"/>
+          </a:fontRef>
+        </p:style>
+        <p:txBody>
+          <a:bodyPr rtlCol="0" anchor="ctr"/>
+          <a:lstStyle/>
+          <a:p>
+            <a:pPr algn="ctr"/>
+            <a:endParaRPr lang="ko-KR" altLang="en-US" dirty="0"/>
+          </a:p>
+        </p:txBody>
+      </p:sp>
+      <p:sp>
+        <p:nvSpPr>
+          <p:cNvPr id="5" name="TextBox 4">
+            <a:extLst>
+              <a:ext uri="{FF2B5EF4-FFF2-40B4-BE49-F238E27FC236}">
+                <a16:creationId xmlns:a16="http://schemas.microsoft.com/office/drawing/2014/main" id="{1844EBE8-0933-474A-9F91-0CFC76F21F13}"/>
+              </a:ext>
+            </a:extLst>
+          </p:cNvPr>
+          <p:cNvSpPr txBox="1"/>
+          <p:nvPr/>
+        </p:nvSpPr>
+        <p:spPr>
+          <a:xfrm>
+            <a:off x="875104" y="252411"/>
+            <a:ext cx="2435282" cy="584775"/>
+          </a:xfrm>
+          <a:prstGeom prst="rect">
+            <a:avLst/>
+          </a:prstGeom>
+          <a:noFill/>
+        </p:spPr>
+        <p:txBody>
+          <a:bodyPr wrap="none" rtlCol="0">
+            <a:spAutoFit/>
+          </a:bodyPr>
+          <a:lstStyle/>
+          <a:p>
+            <a:r>
+              <a:rPr lang="en-US" altLang="ko-KR" sz="3200" spc="-150" dirty="0">
+                <a:solidFill>
+                  <a:schemeClr val="bg1"/>
+                </a:solidFill>
+              </a:rPr>
+              <a:t>PostgreSQL : </a:t>
+            </a:r>
+            <a:endParaRPr lang="ko-KR" altLang="en-US" sz="3200" spc="-300" dirty="0">
+              <a:solidFill>
+                <a:schemeClr val="bg1"/>
+              </a:solidFill>
+            </a:endParaRPr>
+          </a:p>
+        </p:txBody>
+      </p:sp>
+      <p:sp>
+        <p:nvSpPr>
+          <p:cNvPr id="6" name="TextBox 5">
+            <a:extLst>
+              <a:ext uri="{FF2B5EF4-FFF2-40B4-BE49-F238E27FC236}">
+                <a16:creationId xmlns:a16="http://schemas.microsoft.com/office/drawing/2014/main" id="{CB8A9DF1-8FAE-4D25-A22D-CE1F69A7C115}"/>
+              </a:ext>
+            </a:extLst>
+          </p:cNvPr>
+          <p:cNvSpPr txBox="1"/>
+          <p:nvPr/>
+        </p:nvSpPr>
+        <p:spPr>
+          <a:xfrm>
+            <a:off x="104316" y="246092"/>
+            <a:ext cx="770788" cy="307777"/>
+          </a:xfrm>
+          <a:prstGeom prst="rect">
+            <a:avLst/>
+          </a:prstGeom>
+          <a:noFill/>
+        </p:spPr>
+        <p:txBody>
+          <a:bodyPr wrap="none" rtlCol="0">
+            <a:spAutoFit/>
+          </a:bodyPr>
+          <a:lstStyle/>
+          <a:p>
+            <a:r>
+              <a:rPr lang="en-US" altLang="ko-KR" sz="1400" dirty="0">
+                <a:solidFill>
+                  <a:schemeClr val="bg1"/>
+                </a:solidFill>
+              </a:rPr>
+              <a:t>Part 2, </a:t>
+            </a:r>
+            <a:endParaRPr lang="ko-KR" altLang="en-US" sz="1400" dirty="0">
+              <a:solidFill>
+                <a:schemeClr val="bg1"/>
+              </a:solidFill>
+            </a:endParaRPr>
+          </a:p>
+        </p:txBody>
+      </p:sp>
+      <p:sp>
+        <p:nvSpPr>
+          <p:cNvPr id="7" name="TextBox 6">
+            <a:extLst>
+              <a:ext uri="{FF2B5EF4-FFF2-40B4-BE49-F238E27FC236}">
+                <a16:creationId xmlns:a16="http://schemas.microsoft.com/office/drawing/2014/main" id="{9E8A2899-02DB-4555-8F59-9D7BE15359D2}"/>
+              </a:ext>
+            </a:extLst>
+          </p:cNvPr>
+          <p:cNvSpPr txBox="1"/>
+          <p:nvPr/>
+        </p:nvSpPr>
+        <p:spPr>
+          <a:xfrm>
+            <a:off x="3210053" y="246092"/>
+            <a:ext cx="4929555" cy="584775"/>
+          </a:xfrm>
+          <a:prstGeom prst="rect">
+            <a:avLst/>
+          </a:prstGeom>
+          <a:noFill/>
+        </p:spPr>
+        <p:txBody>
+          <a:bodyPr wrap="none" rtlCol="0">
+            <a:spAutoFit/>
+          </a:bodyPr>
+          <a:lstStyle/>
+          <a:p>
+            <a:r>
+              <a:rPr lang="en-US" altLang="ko-KR" sz="3200" spc="-150" dirty="0">
+                <a:solidFill>
+                  <a:schemeClr val="bg1"/>
+                </a:solidFill>
+              </a:rPr>
+              <a:t>Cost Based Optimizer (CBO)</a:t>
+            </a:r>
+            <a:endParaRPr lang="ko-KR" altLang="en-US" sz="3200" spc="-150" dirty="0">
+              <a:solidFill>
+                <a:schemeClr val="bg1"/>
+              </a:solidFill>
+            </a:endParaRPr>
+          </a:p>
+        </p:txBody>
+      </p:sp>
+      <p:sp>
+        <p:nvSpPr>
+          <p:cNvPr id="13" name="TextBox 12">
+            <a:extLst>
+              <a:ext uri="{FF2B5EF4-FFF2-40B4-BE49-F238E27FC236}">
+                <a16:creationId xmlns:a16="http://schemas.microsoft.com/office/drawing/2014/main" id="{FE1D080E-CDC3-917F-2C6F-25FC00E17D86}"/>
+              </a:ext>
+            </a:extLst>
+          </p:cNvPr>
+          <p:cNvSpPr txBox="1"/>
+          <p:nvPr/>
+        </p:nvSpPr>
+        <p:spPr>
+          <a:xfrm>
+            <a:off x="2362447" y="1575994"/>
+            <a:ext cx="1133878" cy="369332"/>
+          </a:xfrm>
+          <a:prstGeom prst="rect">
+            <a:avLst/>
+          </a:prstGeom>
+          <a:noFill/>
+        </p:spPr>
+        <p:txBody>
+          <a:bodyPr wrap="square" rtlCol="0">
+            <a:spAutoFit/>
+          </a:bodyPr>
+          <a:lstStyle/>
+          <a:p>
+            <a:pPr algn="ctr"/>
+            <a:r>
+              <a:rPr lang="en-US" altLang="ko-KR" b="1" dirty="0">
+                <a:highlight>
+                  <a:srgbClr val="95CCD3"/>
+                </a:highlight>
+                <a:latin typeface="제주명조" panose="02000300000000000000" pitchFamily="2" charset="-127"/>
+                <a:ea typeface="제주명조" panose="02000300000000000000" pitchFamily="2" charset="-127"/>
+              </a:rPr>
+              <a:t>Accuracy</a:t>
+            </a:r>
+            <a:endParaRPr lang="ko-KR" altLang="en-US" b="1" dirty="0">
+              <a:highlight>
+                <a:srgbClr val="95CCD3"/>
+              </a:highlight>
+              <a:latin typeface="제주명조" panose="02000300000000000000" pitchFamily="2" charset="-127"/>
+              <a:ea typeface="제주명조" panose="02000300000000000000" pitchFamily="2" charset="-127"/>
+            </a:endParaRPr>
+          </a:p>
+        </p:txBody>
+      </p:sp>
+      <p:sp>
+        <p:nvSpPr>
+          <p:cNvPr id="14" name="TextBox 13">
+            <a:extLst>
+              <a:ext uri="{FF2B5EF4-FFF2-40B4-BE49-F238E27FC236}">
+                <a16:creationId xmlns:a16="http://schemas.microsoft.com/office/drawing/2014/main" id="{EDA6FDC9-12F1-60AA-BD09-A779FE473E1B}"/>
+              </a:ext>
+            </a:extLst>
+          </p:cNvPr>
+          <p:cNvSpPr txBox="1"/>
+          <p:nvPr/>
+        </p:nvSpPr>
+        <p:spPr>
+          <a:xfrm>
+            <a:off x="489710" y="2412294"/>
+            <a:ext cx="1133878" cy="369332"/>
+          </a:xfrm>
+          <a:prstGeom prst="rect">
+            <a:avLst/>
+          </a:prstGeom>
+          <a:noFill/>
+        </p:spPr>
+        <p:txBody>
+          <a:bodyPr wrap="square" rtlCol="0">
+            <a:spAutoFit/>
+          </a:bodyPr>
+          <a:lstStyle/>
+          <a:p>
+            <a:pPr algn="ctr"/>
+            <a:r>
+              <a:rPr lang="en-US" altLang="ko-KR" b="1" dirty="0">
+                <a:highlight>
+                  <a:srgbClr val="95CCD3"/>
+                </a:highlight>
+                <a:latin typeface="제주명조" panose="02000300000000000000" pitchFamily="2" charset="-127"/>
+                <a:ea typeface="제주명조" panose="02000300000000000000" pitchFamily="2" charset="-127"/>
+              </a:rPr>
+              <a:t>Model D</a:t>
+            </a:r>
+            <a:endParaRPr lang="ko-KR" altLang="en-US" b="1" dirty="0">
+              <a:highlight>
+                <a:srgbClr val="95CCD3"/>
+              </a:highlight>
+              <a:latin typeface="제주명조" panose="02000300000000000000" pitchFamily="2" charset="-127"/>
+              <a:ea typeface="제주명조" panose="02000300000000000000" pitchFamily="2" charset="-127"/>
+            </a:endParaRPr>
+          </a:p>
+        </p:txBody>
+      </p:sp>
+      <p:pic>
+        <p:nvPicPr>
+          <p:cNvPr id="8" name="그림 7">
+            <a:extLst>
+              <a:ext uri="{FF2B5EF4-FFF2-40B4-BE49-F238E27FC236}">
+                <a16:creationId xmlns:a16="http://schemas.microsoft.com/office/drawing/2014/main" id="{D8684DFD-18CF-AA20-70CF-F0E840D824A8}"/>
+              </a:ext>
+            </a:extLst>
+          </p:cNvPr>
+          <p:cNvPicPr>
+            <a:picLocks noChangeAspect="1"/>
+          </p:cNvPicPr>
+          <p:nvPr/>
+        </p:nvPicPr>
+        <p:blipFill>
+          <a:blip r:embed="rId3">
+            <a:extLst>
+              <a:ext uri="{28A0092B-C50C-407E-A947-70E740481C1C}">
+                <a14:useLocalDpi xmlns:a14="http://schemas.microsoft.com/office/drawing/2010/main" val="0"/>
+              </a:ext>
+            </a:extLst>
+          </a:blip>
+          <a:stretch>
+            <a:fillRect/>
+          </a:stretch>
+        </p:blipFill>
+        <p:spPr>
+          <a:xfrm>
+            <a:off x="2054491" y="1225360"/>
+            <a:ext cx="4041509" cy="2743200"/>
+          </a:xfrm>
+          <a:prstGeom prst="rect">
+            <a:avLst/>
+          </a:prstGeom>
+        </p:spPr>
+      </p:pic>
+      <p:pic>
+        <p:nvPicPr>
+          <p:cNvPr id="15" name="그림 14">
+            <a:extLst>
+              <a:ext uri="{FF2B5EF4-FFF2-40B4-BE49-F238E27FC236}">
+                <a16:creationId xmlns:a16="http://schemas.microsoft.com/office/drawing/2014/main" id="{5BCA3088-813B-2479-D336-36F18EDEFC44}"/>
+              </a:ext>
+            </a:extLst>
+          </p:cNvPr>
+          <p:cNvPicPr>
+            <a:picLocks noChangeAspect="1"/>
+          </p:cNvPicPr>
+          <p:nvPr/>
+        </p:nvPicPr>
+        <p:blipFill>
+          <a:blip r:embed="rId4">
+            <a:extLst>
+              <a:ext uri="{28A0092B-C50C-407E-A947-70E740481C1C}">
+                <a14:useLocalDpi xmlns:a14="http://schemas.microsoft.com/office/drawing/2010/main" val="0"/>
+              </a:ext>
+            </a:extLst>
+          </a:blip>
+          <a:stretch>
+            <a:fillRect/>
+          </a:stretch>
+        </p:blipFill>
+        <p:spPr>
+          <a:xfrm>
+            <a:off x="6403956" y="1225360"/>
+            <a:ext cx="4041509" cy="2743200"/>
+          </a:xfrm>
+          <a:prstGeom prst="rect">
+            <a:avLst/>
+          </a:prstGeom>
+        </p:spPr>
+      </p:pic>
+      <p:pic>
+        <p:nvPicPr>
+          <p:cNvPr id="17" name="그림 16">
+            <a:extLst>
+              <a:ext uri="{FF2B5EF4-FFF2-40B4-BE49-F238E27FC236}">
+                <a16:creationId xmlns:a16="http://schemas.microsoft.com/office/drawing/2014/main" id="{86D75C6F-5863-09B6-A69C-7ACD98B7D24C}"/>
+              </a:ext>
+            </a:extLst>
+          </p:cNvPr>
+          <p:cNvPicPr>
+            <a:picLocks noChangeAspect="1"/>
+          </p:cNvPicPr>
+          <p:nvPr/>
+        </p:nvPicPr>
+        <p:blipFill>
+          <a:blip r:embed="rId5">
+            <a:extLst>
+              <a:ext uri="{28A0092B-C50C-407E-A947-70E740481C1C}">
+                <a14:useLocalDpi xmlns:a14="http://schemas.microsoft.com/office/drawing/2010/main" val="0"/>
+              </a:ext>
+            </a:extLst>
+          </a:blip>
+          <a:stretch>
+            <a:fillRect/>
+          </a:stretch>
+        </p:blipFill>
+        <p:spPr>
+          <a:xfrm>
+            <a:off x="2064144" y="3968560"/>
+            <a:ext cx="4041509" cy="2743200"/>
+          </a:xfrm>
+          <a:prstGeom prst="rect">
+            <a:avLst/>
+          </a:prstGeom>
+        </p:spPr>
+      </p:pic>
+      <p:pic>
+        <p:nvPicPr>
+          <p:cNvPr id="19" name="그림 18">
+            <a:extLst>
+              <a:ext uri="{FF2B5EF4-FFF2-40B4-BE49-F238E27FC236}">
+                <a16:creationId xmlns:a16="http://schemas.microsoft.com/office/drawing/2014/main" id="{0E13FDCA-E105-EE21-3A7C-F1A44BE6F280}"/>
+              </a:ext>
+            </a:extLst>
+          </p:cNvPr>
+          <p:cNvPicPr>
+            <a:picLocks noChangeAspect="1"/>
+          </p:cNvPicPr>
+          <p:nvPr/>
+        </p:nvPicPr>
+        <p:blipFill>
+          <a:blip r:embed="rId6">
+            <a:extLst>
+              <a:ext uri="{28A0092B-C50C-407E-A947-70E740481C1C}">
+                <a14:useLocalDpi xmlns:a14="http://schemas.microsoft.com/office/drawing/2010/main" val="0"/>
+              </a:ext>
+            </a:extLst>
+          </a:blip>
+          <a:stretch>
+            <a:fillRect/>
+          </a:stretch>
+        </p:blipFill>
+        <p:spPr>
+          <a:xfrm>
+            <a:off x="6403956" y="3968560"/>
+            <a:ext cx="4041509" cy="2743200"/>
+          </a:xfrm>
+          <a:prstGeom prst="rect">
+            <a:avLst/>
+          </a:prstGeom>
+        </p:spPr>
+      </p:pic>
+      <p:sp>
+        <p:nvSpPr>
+          <p:cNvPr id="20" name="TextBox 19">
+            <a:extLst>
+              <a:ext uri="{FF2B5EF4-FFF2-40B4-BE49-F238E27FC236}">
+                <a16:creationId xmlns:a16="http://schemas.microsoft.com/office/drawing/2014/main" id="{3BCB2402-7D64-19BF-594E-5A79E9EDA4FA}"/>
+              </a:ext>
+            </a:extLst>
+          </p:cNvPr>
+          <p:cNvSpPr txBox="1"/>
+          <p:nvPr/>
+        </p:nvSpPr>
+        <p:spPr>
+          <a:xfrm>
+            <a:off x="489710" y="5155494"/>
+            <a:ext cx="1133878" cy="369332"/>
+          </a:xfrm>
+          <a:prstGeom prst="rect">
+            <a:avLst/>
+          </a:prstGeom>
+          <a:noFill/>
+        </p:spPr>
+        <p:txBody>
+          <a:bodyPr wrap="square" rtlCol="0">
+            <a:spAutoFit/>
+          </a:bodyPr>
+          <a:lstStyle/>
+          <a:p>
+            <a:pPr algn="ctr"/>
+            <a:r>
+              <a:rPr lang="en-US" altLang="ko-KR" b="1" dirty="0">
+                <a:highlight>
+                  <a:srgbClr val="95CCD3"/>
+                </a:highlight>
+                <a:latin typeface="제주명조" panose="02000300000000000000" pitchFamily="2" charset="-127"/>
+                <a:ea typeface="제주명조" panose="02000300000000000000" pitchFamily="2" charset="-127"/>
+              </a:rPr>
+              <a:t>Model C</a:t>
+            </a:r>
+            <a:endParaRPr lang="ko-KR" altLang="en-US" b="1" dirty="0">
+              <a:highlight>
+                <a:srgbClr val="95CCD3"/>
+              </a:highlight>
+              <a:latin typeface="제주명조" panose="02000300000000000000" pitchFamily="2" charset="-127"/>
+              <a:ea typeface="제주명조" panose="02000300000000000000" pitchFamily="2" charset="-127"/>
+            </a:endParaRPr>
+          </a:p>
+        </p:txBody>
+      </p:sp>
+    </p:spTree>
+    <p:extLst>
+      <p:ext uri="{BB962C8B-B14F-4D97-AF65-F5344CB8AC3E}">
+        <p14:creationId xmlns:p14="http://schemas.microsoft.com/office/powerpoint/2010/main" val="3532834977"/>
+      </p:ext>
+    </p:extLst>
+  </p:cSld>
+  <p:clrMapOvr>
+    <a:masterClrMapping/>
+  </p:clrMapOvr>
+  <mc:AlternateContent xmlns:mc="http://schemas.openxmlformats.org/markup-compatibility/2006" xmlns:p159="http://schemas.microsoft.com/office/powerpoint/2015/09/main">
+    <mc:Choice Requires="p159">
+      <p:transition xmlns:p14="http://schemas.microsoft.com/office/powerpoint/2010/main" p14:dur="250">
+        <p159:morph option="byObject"/>
+      </p:transition>
+    </mc:Choice>
+    <mc:Fallback xmlns="">
+      <p:transition>
+        <p:fade/>
+      </p:transition>
+    </mc:Fallback>
+  </mc:AlternateContent>
+  <p:timing>
+    <p:tnLst>
+      <p:par>
+        <p:cTn id="1" dur="indefinite" restart="never" nodeType="tmRoot">
+          <p:childTnLst>
+            <p:seq concurrent="1" nextAc="seek">
+              <p:cTn id="2" dur="indefinite" nodeType="mainSeq">
+                <p:childTnLst>
+                  <p:par>
+                    <p:cTn id="3" fill="hold">
+                      <p:stCondLst>
+                        <p:cond delay="indefinite"/>
+                        <p:cond evt="onBegin" delay="0">
+                          <p:tn val="2"/>
+                        </p:cond>
+                      </p:stCondLst>
+                      <p:childTnLst>
+                        <p:par>
+                          <p:cTn id="4" fill="hold">
+                            <p:stCondLst>
+                              <p:cond delay="0"/>
+                            </p:stCondLst>
+                            <p:childTnLst>
+                              <p:par>
+                                <p:cTn id="5" presetID="42" presetClass="entr" presetSubtype="0" fill="hold" grpId="0" nodeType="withEffect">
+                                  <p:stCondLst>
+                                    <p:cond delay="0"/>
+                                  </p:stCondLst>
+                                  <p:childTnLst>
+                                    <p:set>
+                                      <p:cBhvr>
+                                        <p:cTn id="6" dur="1" fill="hold">
+                                          <p:stCondLst>
+                                            <p:cond delay="0"/>
+                                          </p:stCondLst>
+                                        </p:cTn>
+                                        <p:tgtEl>
+                                          <p:spTgt spid="13"/>
+                                        </p:tgtEl>
+                                        <p:attrNameLst>
+                                          <p:attrName>style.visibility</p:attrName>
+                                        </p:attrNameLst>
+                                      </p:cBhvr>
+                                      <p:to>
+                                        <p:strVal val="visible"/>
+                                      </p:to>
+                                    </p:set>
+                                    <p:animEffect transition="in" filter="fade">
+                                      <p:cBhvr>
+                                        <p:cTn id="7" dur="150"/>
+                                        <p:tgtEl>
+                                          <p:spTgt spid="13"/>
+                                        </p:tgtEl>
+                                      </p:cBhvr>
+                                    </p:animEffect>
+                                    <p:anim calcmode="lin" valueType="num">
+                                      <p:cBhvr>
+                                        <p:cTn id="8" dur="150" fill="hold"/>
+                                        <p:tgtEl>
+                                          <p:spTgt spid="13"/>
+                                        </p:tgtEl>
+                                        <p:attrNameLst>
+                                          <p:attrName>ppt_x</p:attrName>
+                                        </p:attrNameLst>
+                                      </p:cBhvr>
+                                      <p:tavLst>
+                                        <p:tav tm="0">
+                                          <p:val>
+                                            <p:strVal val="#ppt_x"/>
+                                          </p:val>
+                                        </p:tav>
+                                        <p:tav tm="100000">
+                                          <p:val>
+                                            <p:strVal val="#ppt_x"/>
+                                          </p:val>
+                                        </p:tav>
+                                      </p:tavLst>
+                                    </p:anim>
+                                    <p:anim calcmode="lin" valueType="num">
+                                      <p:cBhvr>
+                                        <p:cTn id="9" dur="150" fill="hold"/>
+                                        <p:tgtEl>
+                                          <p:spTgt spid="13"/>
+                                        </p:tgtEl>
+                                        <p:attrNameLst>
+                                          <p:attrName>ppt_y</p:attrName>
+                                        </p:attrNameLst>
+                                      </p:cBhvr>
+                                      <p:tavLst>
+                                        <p:tav tm="0">
+                                          <p:val>
+                                            <p:strVal val="#ppt_y+.1"/>
+                                          </p:val>
+                                        </p:tav>
+                                        <p:tav tm="100000">
+                                          <p:val>
+                                            <p:strVal val="#ppt_y"/>
+                                          </p:val>
+                                        </p:tav>
+                                      </p:tavLst>
+                                    </p:anim>
+                                  </p:childTnLst>
+                                </p:cTn>
+                              </p:par>
+                              <p:par>
+                                <p:cTn id="10" presetID="42" presetClass="entr" presetSubtype="0" fill="hold" grpId="0" nodeType="withEffect">
+                                  <p:stCondLst>
+                                    <p:cond delay="0"/>
+                                  </p:stCondLst>
+                                  <p:childTnLst>
+                                    <p:set>
+                                      <p:cBhvr>
+                                        <p:cTn id="11" dur="1" fill="hold">
+                                          <p:stCondLst>
+                                            <p:cond delay="0"/>
+                                          </p:stCondLst>
+                                        </p:cTn>
+                                        <p:tgtEl>
+                                          <p:spTgt spid="14"/>
+                                        </p:tgtEl>
+                                        <p:attrNameLst>
+                                          <p:attrName>style.visibility</p:attrName>
+                                        </p:attrNameLst>
+                                      </p:cBhvr>
+                                      <p:to>
+                                        <p:strVal val="visible"/>
+                                      </p:to>
+                                    </p:set>
+                                    <p:animEffect transition="in" filter="fade">
+                                      <p:cBhvr>
+                                        <p:cTn id="12" dur="150"/>
+                                        <p:tgtEl>
+                                          <p:spTgt spid="14"/>
+                                        </p:tgtEl>
+                                      </p:cBhvr>
+                                    </p:animEffect>
+                                    <p:anim calcmode="lin" valueType="num">
+                                      <p:cBhvr>
+                                        <p:cTn id="13" dur="150" fill="hold"/>
+                                        <p:tgtEl>
+                                          <p:spTgt spid="14"/>
+                                        </p:tgtEl>
+                                        <p:attrNameLst>
+                                          <p:attrName>ppt_x</p:attrName>
+                                        </p:attrNameLst>
+                                      </p:cBhvr>
+                                      <p:tavLst>
+                                        <p:tav tm="0">
+                                          <p:val>
+                                            <p:strVal val="#ppt_x"/>
+                                          </p:val>
+                                        </p:tav>
+                                        <p:tav tm="100000">
+                                          <p:val>
+                                            <p:strVal val="#ppt_x"/>
+                                          </p:val>
+                                        </p:tav>
+                                      </p:tavLst>
+                                    </p:anim>
+                                    <p:anim calcmode="lin" valueType="num">
+                                      <p:cBhvr>
+                                        <p:cTn id="14" dur="150" fill="hold"/>
+                                        <p:tgtEl>
+                                          <p:spTgt spid="14"/>
+                                        </p:tgtEl>
+                                        <p:attrNameLst>
+                                          <p:attrName>ppt_y</p:attrName>
+                                        </p:attrNameLst>
+                                      </p:cBhvr>
+                                      <p:tavLst>
+                                        <p:tav tm="0">
+                                          <p:val>
+                                            <p:strVal val="#ppt_y+.1"/>
+                                          </p:val>
+                                        </p:tav>
+                                        <p:tav tm="100000">
+                                          <p:val>
+                                            <p:strVal val="#ppt_y"/>
+                                          </p:val>
+                                        </p:tav>
+                                      </p:tavLst>
+                                    </p:anim>
+                                  </p:childTnLst>
+                                </p:cTn>
+                              </p:par>
+                              <p:par>
+                                <p:cTn id="15" presetID="42" presetClass="entr" presetSubtype="0" fill="hold" grpId="0" nodeType="withEffect">
+                                  <p:stCondLst>
+                                    <p:cond delay="0"/>
+                                  </p:stCondLst>
+                                  <p:childTnLst>
+                                    <p:set>
+                                      <p:cBhvr>
+                                        <p:cTn id="16" dur="1" fill="hold">
+                                          <p:stCondLst>
+                                            <p:cond delay="0"/>
+                                          </p:stCondLst>
+                                        </p:cTn>
+                                        <p:tgtEl>
+                                          <p:spTgt spid="20"/>
+                                        </p:tgtEl>
+                                        <p:attrNameLst>
+                                          <p:attrName>style.visibility</p:attrName>
+                                        </p:attrNameLst>
+                                      </p:cBhvr>
+                                      <p:to>
+                                        <p:strVal val="visible"/>
+                                      </p:to>
+                                    </p:set>
+                                    <p:animEffect transition="in" filter="fade">
+                                      <p:cBhvr>
+                                        <p:cTn id="17" dur="150"/>
+                                        <p:tgtEl>
+                                          <p:spTgt spid="20"/>
+                                        </p:tgtEl>
+                                      </p:cBhvr>
+                                    </p:animEffect>
+                                    <p:anim calcmode="lin" valueType="num">
+                                      <p:cBhvr>
+                                        <p:cTn id="18" dur="150" fill="hold"/>
+                                        <p:tgtEl>
+                                          <p:spTgt spid="20"/>
+                                        </p:tgtEl>
+                                        <p:attrNameLst>
+                                          <p:attrName>ppt_x</p:attrName>
+                                        </p:attrNameLst>
+                                      </p:cBhvr>
+                                      <p:tavLst>
+                                        <p:tav tm="0">
+                                          <p:val>
+                                            <p:strVal val="#ppt_x"/>
+                                          </p:val>
+                                        </p:tav>
+                                        <p:tav tm="100000">
+                                          <p:val>
+                                            <p:strVal val="#ppt_x"/>
+                                          </p:val>
+                                        </p:tav>
+                                      </p:tavLst>
+                                    </p:anim>
+                                    <p:anim calcmode="lin" valueType="num">
+                                      <p:cBhvr>
+                                        <p:cTn id="19" dur="150" fill="hold"/>
+                                        <p:tgtEl>
+                                          <p:spTgt spid="20"/>
+                                        </p:tgtEl>
+                                        <p:attrNameLst>
+                                          <p:attrName>ppt_y</p:attrName>
+                                        </p:attrNameLst>
+                                      </p:cBhvr>
+                                      <p:tavLst>
+                                        <p:tav tm="0">
+                                          <p:val>
+                                            <p:strVal val="#ppt_y+.1"/>
+                                          </p:val>
+                                        </p:tav>
+                                        <p:tav tm="100000">
+                                          <p:val>
+                                            <p:strVal val="#ppt_y"/>
+                                          </p:val>
+                                        </p:tav>
+                                      </p:tavLst>
+                                    </p:anim>
+                                  </p:childTnLst>
+                                </p:cTn>
+                              </p:par>
+                            </p:childTnLst>
+                          </p:cTn>
+                        </p:par>
+                      </p:childTnLst>
+                    </p:cTn>
+                  </p:par>
+                </p:childTnLst>
+              </p:cTn>
+              <p:prevCondLst>
+                <p:cond evt="onPrev" delay="0">
+                  <p:tgtEl>
+                    <p:sldTgt/>
+                  </p:tgtEl>
+                </p:cond>
+              </p:prevCondLst>
+              <p:nextCondLst>
+                <p:cond evt="onNext" delay="0">
+                  <p:tgtEl>
+                    <p:sldTgt/>
+                  </p:tgtEl>
+                </p:cond>
+              </p:nextCondLst>
+            </p:seq>
+          </p:childTnLst>
+        </p:cTn>
+      </p:par>
+    </p:tnLst>
+    <p:bldLst>
+      <p:bldP spid="13" grpId="0"/>
+      <p:bldP spid="14" grpId="0"/>
+      <p:bldP spid="20" grpId="0"/>
+    </p:bldLst>
+  </p:timing>
+</p:sld>
+</file>
+
+<file path=ppt/slides/slide13.xml><?xml version="1.0" encoding="utf-8"?>
+<p:sld xmlns:a="http://schemas.openxmlformats.org/drawingml/2006/main" xmlns:r="http://schemas.openxmlformats.org/officeDocument/2006/relationships" xmlns:p="http://schemas.openxmlformats.org/presentationml/2006/main">
+  <p:cSld>
+    <p:spTree>
+      <p:nvGrpSpPr>
+        <p:cNvPr id="1" name=""/>
+        <p:cNvGrpSpPr/>
+        <p:nvPr/>
+      </p:nvGrpSpPr>
+      <p:grpSpPr>
+        <a:xfrm>
+          <a:off x="0" y="0"/>
+          <a:ext cx="0" cy="0"/>
+          <a:chOff x="0" y="0"/>
+          <a:chExt cx="0" cy="0"/>
+        </a:xfrm>
+      </p:grpSpPr>
+      <p:sp>
+        <p:nvSpPr>
           <p:cNvPr id="2" name="TextBox 1">
             <a:extLst>
               <a:ext uri="{FF2B5EF4-FFF2-40B4-BE49-F238E27FC236}">
@@ -6186,7 +8814,7 @@
 </p:sld>
 </file>
 
-<file path=ppt/slides/slide11.xml><?xml version="1.0" encoding="utf-8"?>
+<file path=ppt/slides/slide14.xml><?xml version="1.0" encoding="utf-8"?>
 <p:sld xmlns:a="http://schemas.openxmlformats.org/drawingml/2006/main" xmlns:r="http://schemas.openxmlformats.org/officeDocument/2006/relationships" xmlns:p="http://schemas.openxmlformats.org/presentationml/2006/main">
   <p:cSld>
     <p:spTree>
@@ -6598,7 +9226,7 @@
 </p:sld>
 </file>
 
-<file path=ppt/slides/slide12.xml><?xml version="1.0" encoding="utf-8"?>
+<file path=ppt/slides/slide15.xml><?xml version="1.0" encoding="utf-8"?>
 <p:sld xmlns:a="http://schemas.openxmlformats.org/drawingml/2006/main" xmlns:r="http://schemas.openxmlformats.org/officeDocument/2006/relationships" xmlns:p="http://schemas.openxmlformats.org/presentationml/2006/main">
   <p:cSld>
     <p:spTree>
@@ -7203,7 +9831,7 @@
 </p:sld>
 </file>
 
-<file path=ppt/slides/slide13.xml><?xml version="1.0" encoding="utf-8"?>
+<file path=ppt/slides/slide16.xml><?xml version="1.0" encoding="utf-8"?>
 <p:sld xmlns:a="http://schemas.openxmlformats.org/drawingml/2006/main" xmlns:r="http://schemas.openxmlformats.org/officeDocument/2006/relationships" xmlns:p="http://schemas.openxmlformats.org/presentationml/2006/main">
   <p:cSld>
     <p:spTree>
@@ -8619,7 +11247,7 @@
 </p:sld>
 </file>
 
-<file path=ppt/slides/slide14.xml><?xml version="1.0" encoding="utf-8"?>
+<file path=ppt/slides/slide17.xml><?xml version="1.0" encoding="utf-8"?>
 <p:sld xmlns:a="http://schemas.openxmlformats.org/drawingml/2006/main" xmlns:r="http://schemas.openxmlformats.org/officeDocument/2006/relationships" xmlns:p="http://schemas.openxmlformats.org/presentationml/2006/main">
   <p:cSld>
     <p:spTree>
@@ -9010,7 +11638,7 @@
 </p:sld>
 </file>
 
-<file path=ppt/slides/slide15.xml><?xml version="1.0" encoding="utf-8"?>
+<file path=ppt/slides/slide18.xml><?xml version="1.0" encoding="utf-8"?>
 <p:sld xmlns:a="http://schemas.openxmlformats.org/drawingml/2006/main" xmlns:r="http://schemas.openxmlformats.org/officeDocument/2006/relationships" xmlns:p="http://schemas.openxmlformats.org/presentationml/2006/main">
   <p:cSld>
     <p:spTree>
@@ -10464,7 +13092,7 @@
 </p:sld>
 </file>
 
-<file path=ppt/slides/slide16.xml><?xml version="1.0" encoding="utf-8"?>
+<file path=ppt/slides/slide19.xml><?xml version="1.0" encoding="utf-8"?>
 <p:sld xmlns:a="http://schemas.openxmlformats.org/drawingml/2006/main" xmlns:r="http://schemas.openxmlformats.org/officeDocument/2006/relationships" xmlns:p="http://schemas.openxmlformats.org/presentationml/2006/main">
   <p:cSld>
     <p:spTree>
@@ -17752,8 +20380,8 @@
         </p:blipFill>
         <p:spPr>
           <a:xfrm>
-            <a:off x="1193796" y="2318150"/>
-            <a:ext cx="9775830" cy="3526225"/>
+            <a:off x="1475483" y="2556145"/>
+            <a:ext cx="9241034" cy="3333320"/>
           </a:xfrm>
           <a:prstGeom prst="rect">
             <a:avLst/>

--- a/인공지능 발표 ppt.pptx
+++ b/인공지능 발표 ppt.pptx
@@ -5,7 +5,7 @@
     <p:sldMasterId id="2147483648" r:id="rId1"/>
   </p:sldMasterIdLst>
   <p:notesMasterIdLst>
-    <p:notesMasterId r:id="rId21"/>
+    <p:notesMasterId r:id="rId20"/>
   </p:notesMasterIdLst>
   <p:sldIdLst>
     <p:sldId id="256" r:id="rId2"/>
@@ -19,14 +19,13 @@
     <p:sldId id="274" r:id="rId10"/>
     <p:sldId id="275" r:id="rId11"/>
     <p:sldId id="276" r:id="rId12"/>
-    <p:sldId id="277" r:id="rId13"/>
-    <p:sldId id="272" r:id="rId14"/>
-    <p:sldId id="265" r:id="rId15"/>
-    <p:sldId id="267" r:id="rId16"/>
-    <p:sldId id="264" r:id="rId17"/>
-    <p:sldId id="262" r:id="rId18"/>
-    <p:sldId id="266" r:id="rId19"/>
-    <p:sldId id="269" r:id="rId20"/>
+    <p:sldId id="272" r:id="rId13"/>
+    <p:sldId id="265" r:id="rId14"/>
+    <p:sldId id="267" r:id="rId15"/>
+    <p:sldId id="264" r:id="rId16"/>
+    <p:sldId id="262" r:id="rId17"/>
+    <p:sldId id="266" r:id="rId18"/>
+    <p:sldId id="269" r:id="rId19"/>
   </p:sldIdLst>
   <p:sldSz cx="12192000" cy="6858000"/>
   <p:notesSz cx="6858000" cy="9144000"/>
@@ -126,6 +125,32 @@
     </a:lvl9pPr>
   </p:defaultTextStyle>
   <p:extLst>
+    <p:ext uri="{521415D9-36F7-43E2-AB2F-B90AF26B5E84}">
+      <p14:sectionLst xmlns:p14="http://schemas.microsoft.com/office/powerpoint/2010/main">
+        <p14:section name="기본 구역" id="{90FBABD4-738F-4A28-A644-48C9ECA519EB}">
+          <p14:sldIdLst>
+            <p14:sldId id="256"/>
+            <p14:sldId id="257"/>
+            <p14:sldId id="259"/>
+            <p14:sldId id="268"/>
+            <p14:sldId id="260"/>
+            <p14:sldId id="270"/>
+            <p14:sldId id="271"/>
+            <p14:sldId id="273"/>
+            <p14:sldId id="274"/>
+            <p14:sldId id="275"/>
+            <p14:sldId id="276"/>
+            <p14:sldId id="272"/>
+            <p14:sldId id="265"/>
+            <p14:sldId id="267"/>
+            <p14:sldId id="264"/>
+            <p14:sldId id="262"/>
+            <p14:sldId id="266"/>
+            <p14:sldId id="269"/>
+          </p14:sldIdLst>
+        </p14:section>
+      </p14:sectionLst>
+    </p:ext>
     <p:ext uri="{EFAFB233-063F-42B5-8137-9DF3F51BA10A}">
       <p15:sldGuideLst xmlns:p15="http://schemas.microsoft.com/office/powerpoint/2012/main"/>
     </p:ext>
@@ -777,6 +802,48 @@
               <a:rPr lang="ko-KR" altLang="en-US" dirty="0"/>
               <a:t>로 변경</a:t>
             </a:r>
+            <a:endParaRPr lang="en-US" altLang="ko-KR" dirty="0"/>
+          </a:p>
+          <a:p>
+            <a:r>
+              <a:rPr lang="en-US" altLang="ko-KR" dirty="0"/>
+              <a:t>Model D : Model C</a:t>
+            </a:r>
+            <a:r>
+              <a:rPr lang="ko-KR" altLang="en-US" dirty="0"/>
+              <a:t> 의 </a:t>
+            </a:r>
+            <a:r>
+              <a:rPr lang="en-US" altLang="ko-KR" dirty="0"/>
+              <a:t>dropout </a:t>
+            </a:r>
+            <a:r>
+              <a:rPr lang="ko-KR" altLang="en-US" dirty="0"/>
+              <a:t>을 </a:t>
+            </a:r>
+            <a:r>
+              <a:rPr lang="en-US" altLang="ko-KR" dirty="0"/>
+              <a:t>0.1</a:t>
+            </a:r>
+            <a:r>
+              <a:rPr lang="ko-KR" altLang="en-US" dirty="0"/>
+              <a:t>로 유지하다가 마지막만 </a:t>
+            </a:r>
+            <a:r>
+              <a:rPr lang="en-US" altLang="ko-KR" dirty="0"/>
+              <a:t>0.2 </a:t>
+            </a:r>
+            <a:r>
+              <a:rPr lang="ko-KR" altLang="en-US" dirty="0"/>
+              <a:t>로</a:t>
+            </a:r>
+            <a:endParaRPr lang="en-US" altLang="ko-KR" dirty="0"/>
+          </a:p>
+          <a:p>
+            <a:endParaRPr lang="en-US" altLang="ko-KR" dirty="0"/>
+          </a:p>
+          <a:p>
+            <a:endParaRPr lang="ko-KR" altLang="en-US" dirty="0"/>
           </a:p>
         </p:txBody>
       </p:sp>
@@ -860,92 +927,7 @@
           <a:bodyPr/>
           <a:lstStyle/>
           <a:p>
-            <a:r>
-              <a:rPr lang="en-US" altLang="ko-KR" dirty="0"/>
-              <a:t>Model B : 128 channel </a:t>
-            </a:r>
-            <a:r>
-              <a:rPr lang="ko-KR" altLang="en-US" dirty="0"/>
-              <a:t>의 </a:t>
-            </a:r>
-            <a:r>
-              <a:rPr lang="en-US" altLang="ko-KR" dirty="0"/>
-              <a:t>conv layer </a:t>
-            </a:r>
-            <a:r>
-              <a:rPr lang="ko-KR" altLang="en-US" dirty="0"/>
-              <a:t>를 추가</a:t>
-            </a:r>
-            <a:endParaRPr lang="en-US" altLang="ko-KR" dirty="0"/>
-          </a:p>
-          <a:p>
-            <a:r>
-              <a:rPr lang="en-US" altLang="ko-KR" dirty="0"/>
-              <a:t>Model C : Model B </a:t>
-            </a:r>
-            <a:r>
-              <a:rPr lang="ko-KR" altLang="en-US" dirty="0"/>
-              <a:t>를</a:t>
-            </a:r>
-            <a:r>
-              <a:rPr lang="en-US" altLang="ko-KR" dirty="0"/>
-              <a:t> Flatten </a:t>
-            </a:r>
-            <a:r>
-              <a:rPr lang="ko-KR" altLang="en-US" dirty="0"/>
-              <a:t>시킨 후 </a:t>
-            </a:r>
-            <a:r>
-              <a:rPr lang="en-US" altLang="ko-KR" dirty="0"/>
-              <a:t>256 dense </a:t>
-            </a:r>
-            <a:r>
-              <a:rPr lang="ko-KR" altLang="en-US" dirty="0"/>
-              <a:t>를 </a:t>
-            </a:r>
-            <a:r>
-              <a:rPr lang="en-US" altLang="ko-KR" dirty="0"/>
-              <a:t>128 dense </a:t>
-            </a:r>
-            <a:r>
-              <a:rPr lang="ko-KR" altLang="en-US" dirty="0"/>
-              <a:t>로 변경</a:t>
-            </a:r>
-            <a:endParaRPr lang="en-US" altLang="ko-KR" dirty="0"/>
-          </a:p>
-          <a:p>
-            <a:r>
-              <a:rPr lang="en-US" altLang="ko-KR" dirty="0"/>
-              <a:t>Model D : Model C</a:t>
-            </a:r>
-            <a:r>
-              <a:rPr lang="ko-KR" altLang="en-US" dirty="0"/>
-              <a:t> 의 </a:t>
-            </a:r>
-            <a:r>
-              <a:rPr lang="en-US" altLang="ko-KR" dirty="0"/>
-              <a:t>dropout </a:t>
-            </a:r>
-            <a:r>
-              <a:rPr lang="ko-KR" altLang="en-US" dirty="0"/>
-              <a:t>을 </a:t>
-            </a:r>
-            <a:r>
-              <a:rPr lang="en-US" altLang="ko-KR" dirty="0"/>
-              <a:t>0.1</a:t>
-            </a:r>
-            <a:r>
-              <a:rPr lang="ko-KR" altLang="en-US" dirty="0"/>
-              <a:t>로 유지하다가 마지막만 </a:t>
-            </a:r>
-            <a:r>
-              <a:rPr lang="en-US" altLang="ko-KR" dirty="0"/>
-              <a:t>0.2 </a:t>
-            </a:r>
-            <a:r>
-              <a:rPr lang="ko-KR" altLang="en-US" dirty="0"/>
-              <a:t>로</a:t>
-            </a:r>
+            <a:endParaRPr lang="ko-KR" altLang="en-US" dirty="0"/>
           </a:p>
         </p:txBody>
       </p:sp>
@@ -966,7 +948,7 @@
           <a:p>
             <a:fld id="{C7E75926-9BB1-4887-9E1E-3F46BA39A9CF}" type="slidenum">
               <a:rPr lang="ko-KR" altLang="en-US" smtClean="0"/>
-              <a:t>12</a:t>
+              <a:t>14</a:t>
             </a:fld>
             <a:endParaRPr lang="ko-KR" altLang="en-US"/>
           </a:p>
@@ -975,7 +957,7 @@
     </p:spTree>
     <p:extLst>
       <p:ext uri="{BB962C8B-B14F-4D97-AF65-F5344CB8AC3E}">
-        <p14:creationId xmlns:p14="http://schemas.microsoft.com/office/powerpoint/2010/main" val="328694693"/>
+        <p14:creationId xmlns:p14="http://schemas.microsoft.com/office/powerpoint/2010/main" val="525997071"/>
       </p:ext>
     </p:extLst>
   </p:cSld>
@@ -1059,7 +1041,7 @@
     </p:spTree>
     <p:extLst>
       <p:ext uri="{BB962C8B-B14F-4D97-AF65-F5344CB8AC3E}">
-        <p14:creationId xmlns:p14="http://schemas.microsoft.com/office/powerpoint/2010/main" val="525997071"/>
+        <p14:creationId xmlns:p14="http://schemas.microsoft.com/office/powerpoint/2010/main" val="2463960029"/>
       </p:ext>
     </p:extLst>
   </p:cSld>
@@ -1134,91 +1116,7 @@
           <a:p>
             <a:fld id="{C7E75926-9BB1-4887-9E1E-3F46BA39A9CF}" type="slidenum">
               <a:rPr lang="ko-KR" altLang="en-US" smtClean="0"/>
-              <a:t>16</a:t>
-            </a:fld>
-            <a:endParaRPr lang="ko-KR" altLang="en-US"/>
-          </a:p>
-        </p:txBody>
-      </p:sp>
-    </p:spTree>
-    <p:extLst>
-      <p:ext uri="{BB962C8B-B14F-4D97-AF65-F5344CB8AC3E}">
-        <p14:creationId xmlns:p14="http://schemas.microsoft.com/office/powerpoint/2010/main" val="2463960029"/>
-      </p:ext>
-    </p:extLst>
-  </p:cSld>
-  <p:clrMapOvr>
-    <a:masterClrMapping/>
-  </p:clrMapOvr>
-</p:notes>
-</file>
-
-<file path=ppt/notesSlides/notesSlide7.xml><?xml version="1.0" encoding="utf-8"?>
-<p:notes xmlns:a="http://schemas.openxmlformats.org/drawingml/2006/main" xmlns:r="http://schemas.openxmlformats.org/officeDocument/2006/relationships" xmlns:p="http://schemas.openxmlformats.org/presentationml/2006/main">
-  <p:cSld>
-    <p:spTree>
-      <p:nvGrpSpPr>
-        <p:cNvPr id="1" name=""/>
-        <p:cNvGrpSpPr/>
-        <p:nvPr/>
-      </p:nvGrpSpPr>
-      <p:grpSpPr>
-        <a:xfrm>
-          <a:off x="0" y="0"/>
-          <a:ext cx="0" cy="0"/>
-          <a:chOff x="0" y="0"/>
-          <a:chExt cx="0" cy="0"/>
-        </a:xfrm>
-      </p:grpSpPr>
-      <p:sp>
-        <p:nvSpPr>
-          <p:cNvPr id="2" name="슬라이드 이미지 개체 틀 1"/>
-          <p:cNvSpPr>
-            <a:spLocks noGrp="1" noRot="1" noChangeAspect="1"/>
-          </p:cNvSpPr>
-          <p:nvPr>
-            <p:ph type="sldImg"/>
-          </p:nvPr>
-        </p:nvSpPr>
-        <p:spPr/>
-      </p:sp>
-      <p:sp>
-        <p:nvSpPr>
-          <p:cNvPr id="3" name="슬라이드 노트 개체 틀 2"/>
-          <p:cNvSpPr>
-            <a:spLocks noGrp="1"/>
-          </p:cNvSpPr>
-          <p:nvPr>
-            <p:ph type="body" idx="1"/>
-          </p:nvPr>
-        </p:nvSpPr>
-        <p:spPr/>
-        <p:txBody>
-          <a:bodyPr/>
-          <a:lstStyle/>
-          <a:p>
-            <a:endParaRPr lang="ko-KR" altLang="en-US" dirty="0"/>
-          </a:p>
-        </p:txBody>
-      </p:sp>
-      <p:sp>
-        <p:nvSpPr>
-          <p:cNvPr id="4" name="슬라이드 번호 개체 틀 3"/>
-          <p:cNvSpPr>
-            <a:spLocks noGrp="1"/>
-          </p:cNvSpPr>
-          <p:nvPr>
-            <p:ph type="sldNum" sz="quarter" idx="5"/>
-          </p:nvPr>
-        </p:nvSpPr>
-        <p:spPr/>
-        <p:txBody>
-          <a:bodyPr/>
-          <a:lstStyle/>
-          <a:p>
-            <a:fld id="{C7E75926-9BB1-4887-9E1E-3F46BA39A9CF}" type="slidenum">
-              <a:rPr lang="ko-KR" altLang="en-US" smtClean="0"/>
-              <a:t>18</a:t>
+              <a:t>17</a:t>
             </a:fld>
             <a:endParaRPr lang="ko-KR" altLang="en-US"/>
           </a:p>
@@ -7075,10 +6973,10 @@
       </p:sp>
       <p:sp>
         <p:nvSpPr>
-          <p:cNvPr id="13" name="TextBox 12">
-            <a:extLst>
-              <a:ext uri="{FF2B5EF4-FFF2-40B4-BE49-F238E27FC236}">
-                <a16:creationId xmlns:a16="http://schemas.microsoft.com/office/drawing/2014/main" id="{FE1D080E-CDC3-917F-2C6F-25FC00E17D86}"/>
+          <p:cNvPr id="14" name="TextBox 13">
+            <a:extLst>
+              <a:ext uri="{FF2B5EF4-FFF2-40B4-BE49-F238E27FC236}">
+                <a16:creationId xmlns:a16="http://schemas.microsoft.com/office/drawing/2014/main" id="{EDA6FDC9-12F1-60AA-BD09-A779FE473E1B}"/>
               </a:ext>
             </a:extLst>
           </p:cNvPr>
@@ -7087,7 +6985,7 @@
         </p:nvSpPr>
         <p:spPr>
           <a:xfrm>
-            <a:off x="2362447" y="1575994"/>
+            <a:off x="1525806" y="1329371"/>
             <a:ext cx="1133878" cy="369332"/>
           </a:xfrm>
           <a:prstGeom prst="rect">
@@ -7110,7 +7008,7 @@
                 <a:latin typeface="제주명조" panose="02000300000000000000" pitchFamily="2" charset="-127"/>
                 <a:ea typeface="제주명조" panose="02000300000000000000" pitchFamily="2" charset="-127"/>
               </a:rPr>
-              <a:t>Accuracy</a:t>
+              <a:t>Model B</a:t>
             </a:r>
             <a:endParaRPr lang="ko-KR" altLang="en-US" b="1" dirty="0">
               <a:highlight>
@@ -7122,12 +7020,226 @@
           </a:p>
         </p:txBody>
       </p:sp>
+      <p:grpSp>
+        <p:nvGrpSpPr>
+          <p:cNvPr id="10" name="그룹 9">
+            <a:extLst>
+              <a:ext uri="{FF2B5EF4-FFF2-40B4-BE49-F238E27FC236}">
+                <a16:creationId xmlns:a16="http://schemas.microsoft.com/office/drawing/2014/main" id="{FAFDEC98-0F3A-56FB-8B8F-4FABD9690EB2}"/>
+              </a:ext>
+            </a:extLst>
+          </p:cNvPr>
+          <p:cNvGrpSpPr/>
+          <p:nvPr/>
+        </p:nvGrpSpPr>
+        <p:grpSpPr>
+          <a:xfrm>
+            <a:off x="197354" y="1792401"/>
+            <a:ext cx="3659099" cy="4965238"/>
+            <a:chOff x="-23801" y="1892762"/>
+            <a:chExt cx="3659099" cy="4965238"/>
+          </a:xfrm>
+        </p:grpSpPr>
+        <p:pic>
+          <p:nvPicPr>
+            <p:cNvPr id="8" name="그림 7">
+              <a:extLst>
+                <a:ext uri="{FF2B5EF4-FFF2-40B4-BE49-F238E27FC236}">
+                  <a16:creationId xmlns:a16="http://schemas.microsoft.com/office/drawing/2014/main" id="{D8684DFD-18CF-AA20-70CF-F0E840D824A8}"/>
+                </a:ext>
+              </a:extLst>
+            </p:cNvPr>
+            <p:cNvPicPr>
+              <a:picLocks noChangeAspect="1"/>
+            </p:cNvPicPr>
+            <p:nvPr/>
+          </p:nvPicPr>
+          <p:blipFill>
+            <a:blip r:embed="rId3">
+              <a:extLst>
+                <a:ext uri="{28A0092B-C50C-407E-A947-70E740481C1C}">
+                  <a14:useLocalDpi xmlns:a14="http://schemas.microsoft.com/office/drawing/2010/main" val="0"/>
+                </a:ext>
+              </a:extLst>
+            </a:blip>
+            <a:stretch>
+              <a:fillRect/>
+            </a:stretch>
+          </p:blipFill>
+          <p:spPr>
+            <a:xfrm>
+              <a:off x="-23801" y="1892762"/>
+              <a:ext cx="3657600" cy="2482619"/>
+            </a:xfrm>
+            <a:prstGeom prst="rect">
+              <a:avLst/>
+            </a:prstGeom>
+            <a:ln>
+              <a:solidFill>
+                <a:schemeClr val="bg1">
+                  <a:lumMod val="85000"/>
+                </a:schemeClr>
+              </a:solidFill>
+            </a:ln>
+          </p:spPr>
+        </p:pic>
+        <p:pic>
+          <p:nvPicPr>
+            <p:cNvPr id="15" name="그림 14">
+              <a:extLst>
+                <a:ext uri="{FF2B5EF4-FFF2-40B4-BE49-F238E27FC236}">
+                  <a16:creationId xmlns:a16="http://schemas.microsoft.com/office/drawing/2014/main" id="{5BCA3088-813B-2479-D336-36F18EDEFC44}"/>
+                </a:ext>
+              </a:extLst>
+            </p:cNvPr>
+            <p:cNvPicPr>
+              <a:picLocks noChangeAspect="1"/>
+            </p:cNvPicPr>
+            <p:nvPr/>
+          </p:nvPicPr>
+          <p:blipFill>
+            <a:blip r:embed="rId4">
+              <a:extLst>
+                <a:ext uri="{28A0092B-C50C-407E-A947-70E740481C1C}">
+                  <a14:useLocalDpi xmlns:a14="http://schemas.microsoft.com/office/drawing/2010/main" val="0"/>
+                </a:ext>
+              </a:extLst>
+            </a:blip>
+            <a:stretch>
+              <a:fillRect/>
+            </a:stretch>
+          </p:blipFill>
+          <p:spPr>
+            <a:xfrm>
+              <a:off x="-22302" y="4375381"/>
+              <a:ext cx="3657600" cy="2482619"/>
+            </a:xfrm>
+            <a:prstGeom prst="rect">
+              <a:avLst/>
+            </a:prstGeom>
+            <a:ln>
+              <a:solidFill>
+                <a:schemeClr val="bg1">
+                  <a:lumMod val="85000"/>
+                </a:schemeClr>
+              </a:solidFill>
+            </a:ln>
+          </p:spPr>
+        </p:pic>
+      </p:grpSp>
+      <p:grpSp>
+        <p:nvGrpSpPr>
+          <p:cNvPr id="9" name="그룹 8">
+            <a:extLst>
+              <a:ext uri="{FF2B5EF4-FFF2-40B4-BE49-F238E27FC236}">
+                <a16:creationId xmlns:a16="http://schemas.microsoft.com/office/drawing/2014/main" id="{1802816D-EDA3-F1AF-0DF8-C84A37A281A0}"/>
+              </a:ext>
+            </a:extLst>
+          </p:cNvPr>
+          <p:cNvGrpSpPr/>
+          <p:nvPr/>
+        </p:nvGrpSpPr>
+        <p:grpSpPr>
+          <a:xfrm>
+            <a:off x="4212041" y="1792401"/>
+            <a:ext cx="3663614" cy="4965238"/>
+            <a:chOff x="4267200" y="1913520"/>
+            <a:chExt cx="3663614" cy="4965238"/>
+          </a:xfrm>
+        </p:grpSpPr>
+        <p:pic>
+          <p:nvPicPr>
+            <p:cNvPr id="17" name="그림 16">
+              <a:extLst>
+                <a:ext uri="{FF2B5EF4-FFF2-40B4-BE49-F238E27FC236}">
+                  <a16:creationId xmlns:a16="http://schemas.microsoft.com/office/drawing/2014/main" id="{86D75C6F-5863-09B6-A69C-7ACD98B7D24C}"/>
+                </a:ext>
+              </a:extLst>
+            </p:cNvPr>
+            <p:cNvPicPr>
+              <a:picLocks noChangeAspect="1"/>
+            </p:cNvPicPr>
+            <p:nvPr/>
+          </p:nvPicPr>
+          <p:blipFill>
+            <a:blip r:embed="rId5">
+              <a:extLst>
+                <a:ext uri="{28A0092B-C50C-407E-A947-70E740481C1C}">
+                  <a14:useLocalDpi xmlns:a14="http://schemas.microsoft.com/office/drawing/2010/main" val="0"/>
+                </a:ext>
+              </a:extLst>
+            </a:blip>
+            <a:stretch>
+              <a:fillRect/>
+            </a:stretch>
+          </p:blipFill>
+          <p:spPr>
+            <a:xfrm>
+              <a:off x="4273214" y="1913520"/>
+              <a:ext cx="3657600" cy="2482619"/>
+            </a:xfrm>
+            <a:prstGeom prst="rect">
+              <a:avLst/>
+            </a:prstGeom>
+            <a:ln>
+              <a:solidFill>
+                <a:schemeClr val="bg1">
+                  <a:lumMod val="85000"/>
+                </a:schemeClr>
+              </a:solidFill>
+            </a:ln>
+          </p:spPr>
+        </p:pic>
+        <p:pic>
+          <p:nvPicPr>
+            <p:cNvPr id="19" name="그림 18">
+              <a:extLst>
+                <a:ext uri="{FF2B5EF4-FFF2-40B4-BE49-F238E27FC236}">
+                  <a16:creationId xmlns:a16="http://schemas.microsoft.com/office/drawing/2014/main" id="{0E13FDCA-E105-EE21-3A7C-F1A44BE6F280}"/>
+                </a:ext>
+              </a:extLst>
+            </p:cNvPr>
+            <p:cNvPicPr>
+              <a:picLocks noChangeAspect="1"/>
+            </p:cNvPicPr>
+            <p:nvPr/>
+          </p:nvPicPr>
+          <p:blipFill>
+            <a:blip r:embed="rId6">
+              <a:extLst>
+                <a:ext uri="{28A0092B-C50C-407E-A947-70E740481C1C}">
+                  <a14:useLocalDpi xmlns:a14="http://schemas.microsoft.com/office/drawing/2010/main" val="0"/>
+                </a:ext>
+              </a:extLst>
+            </a:blip>
+            <a:stretch>
+              <a:fillRect/>
+            </a:stretch>
+          </p:blipFill>
+          <p:spPr>
+            <a:xfrm>
+              <a:off x="4267200" y="4396139"/>
+              <a:ext cx="3657600" cy="2482619"/>
+            </a:xfrm>
+            <a:prstGeom prst="rect">
+              <a:avLst/>
+            </a:prstGeom>
+            <a:ln>
+              <a:solidFill>
+                <a:schemeClr val="bg1">
+                  <a:lumMod val="85000"/>
+                </a:schemeClr>
+              </a:solidFill>
+            </a:ln>
+          </p:spPr>
+        </p:pic>
+      </p:grpSp>
       <p:sp>
         <p:nvSpPr>
-          <p:cNvPr id="14" name="TextBox 13">
-            <a:extLst>
-              <a:ext uri="{FF2B5EF4-FFF2-40B4-BE49-F238E27FC236}">
-                <a16:creationId xmlns:a16="http://schemas.microsoft.com/office/drawing/2014/main" id="{EDA6FDC9-12F1-60AA-BD09-A779FE473E1B}"/>
+          <p:cNvPr id="20" name="TextBox 19">
+            <a:extLst>
+              <a:ext uri="{FF2B5EF4-FFF2-40B4-BE49-F238E27FC236}">
+                <a16:creationId xmlns:a16="http://schemas.microsoft.com/office/drawing/2014/main" id="{3BCB2402-7D64-19BF-594E-5A79E9EDA4FA}"/>
               </a:ext>
             </a:extLst>
           </p:cNvPr>
@@ -7136,7 +7248,7 @@
         </p:nvSpPr>
         <p:spPr>
           <a:xfrm>
-            <a:off x="489710" y="2412294"/>
+            <a:off x="5529061" y="1323052"/>
             <a:ext cx="1133878" cy="369332"/>
           </a:xfrm>
           <a:prstGeom prst="rect">
@@ -7159,7 +7271,7 @@
                 <a:latin typeface="제주명조" panose="02000300000000000000" pitchFamily="2" charset="-127"/>
                 <a:ea typeface="제주명조" panose="02000300000000000000" pitchFamily="2" charset="-127"/>
               </a:rPr>
-              <a:t>Model B</a:t>
+              <a:t>Model C</a:t>
             </a:r>
             <a:endParaRPr lang="ko-KR" altLang="en-US" b="1" dirty="0">
               <a:highlight>
@@ -7171,156 +7283,119 @@
           </a:p>
         </p:txBody>
       </p:sp>
-      <p:pic>
-        <p:nvPicPr>
-          <p:cNvPr id="8" name="그림 7">
-            <a:extLst>
-              <a:ext uri="{FF2B5EF4-FFF2-40B4-BE49-F238E27FC236}">
-                <a16:creationId xmlns:a16="http://schemas.microsoft.com/office/drawing/2014/main" id="{D8684DFD-18CF-AA20-70CF-F0E840D824A8}"/>
-              </a:ext>
-            </a:extLst>
-          </p:cNvPr>
-          <p:cNvPicPr>
-            <a:picLocks noChangeAspect="1"/>
-          </p:cNvPicPr>
+      <p:grpSp>
+        <p:nvGrpSpPr>
+          <p:cNvPr id="3" name="그룹 2">
+            <a:extLst>
+              <a:ext uri="{FF2B5EF4-FFF2-40B4-BE49-F238E27FC236}">
+                <a16:creationId xmlns:a16="http://schemas.microsoft.com/office/drawing/2014/main" id="{8C709808-09FB-8386-F699-AA002DDAFA5B}"/>
+              </a:ext>
+            </a:extLst>
+          </p:cNvPr>
+          <p:cNvGrpSpPr/>
           <p:nvPr/>
-        </p:nvPicPr>
-        <p:blipFill>
-          <a:blip r:embed="rId3">
-            <a:extLst>
-              <a:ext uri="{28A0092B-C50C-407E-A947-70E740481C1C}">
-                <a14:useLocalDpi xmlns:a14="http://schemas.microsoft.com/office/drawing/2010/main" val="0"/>
-              </a:ext>
-            </a:extLst>
-          </a:blip>
-          <a:stretch>
-            <a:fillRect/>
-          </a:stretch>
-        </p:blipFill>
-        <p:spPr>
+        </p:nvGrpSpPr>
+        <p:grpSpPr>
           <a:xfrm>
-            <a:off x="2054491" y="1225360"/>
-            <a:ext cx="4041509" cy="2743200"/>
+            <a:off x="8313245" y="1760660"/>
+            <a:ext cx="3657600" cy="4965238"/>
+            <a:chOff x="8564215" y="1945326"/>
+            <a:chExt cx="3657600" cy="4965238"/>
           </a:xfrm>
-          <a:prstGeom prst="rect">
-            <a:avLst/>
-          </a:prstGeom>
-        </p:spPr>
-      </p:pic>
-      <p:pic>
-        <p:nvPicPr>
-          <p:cNvPr id="15" name="그림 14">
-            <a:extLst>
-              <a:ext uri="{FF2B5EF4-FFF2-40B4-BE49-F238E27FC236}">
-                <a16:creationId xmlns:a16="http://schemas.microsoft.com/office/drawing/2014/main" id="{5BCA3088-813B-2479-D336-36F18EDEFC44}"/>
-              </a:ext>
-            </a:extLst>
-          </p:cNvPr>
-          <p:cNvPicPr>
-            <a:picLocks noChangeAspect="1"/>
-          </p:cNvPicPr>
-          <p:nvPr/>
-        </p:nvPicPr>
-        <p:blipFill>
-          <a:blip r:embed="rId4">
-            <a:extLst>
-              <a:ext uri="{28A0092B-C50C-407E-A947-70E740481C1C}">
-                <a14:useLocalDpi xmlns:a14="http://schemas.microsoft.com/office/drawing/2010/main" val="0"/>
-              </a:ext>
-            </a:extLst>
-          </a:blip>
-          <a:stretch>
-            <a:fillRect/>
-          </a:stretch>
-        </p:blipFill>
-        <p:spPr>
-          <a:xfrm>
-            <a:off x="6403956" y="1225360"/>
-            <a:ext cx="4041509" cy="2743200"/>
-          </a:xfrm>
-          <a:prstGeom prst="rect">
-            <a:avLst/>
-          </a:prstGeom>
-        </p:spPr>
-      </p:pic>
-      <p:pic>
-        <p:nvPicPr>
-          <p:cNvPr id="17" name="그림 16">
-            <a:extLst>
-              <a:ext uri="{FF2B5EF4-FFF2-40B4-BE49-F238E27FC236}">
-                <a16:creationId xmlns:a16="http://schemas.microsoft.com/office/drawing/2014/main" id="{86D75C6F-5863-09B6-A69C-7ACD98B7D24C}"/>
-              </a:ext>
-            </a:extLst>
-          </p:cNvPr>
-          <p:cNvPicPr>
-            <a:picLocks noChangeAspect="1"/>
-          </p:cNvPicPr>
-          <p:nvPr/>
-        </p:nvPicPr>
-        <p:blipFill>
-          <a:blip r:embed="rId5">
-            <a:extLst>
-              <a:ext uri="{28A0092B-C50C-407E-A947-70E740481C1C}">
-                <a14:useLocalDpi xmlns:a14="http://schemas.microsoft.com/office/drawing/2010/main" val="0"/>
-              </a:ext>
-            </a:extLst>
-          </a:blip>
-          <a:stretch>
-            <a:fillRect/>
-          </a:stretch>
-        </p:blipFill>
-        <p:spPr>
-          <a:xfrm>
-            <a:off x="2064144" y="3968560"/>
-            <a:ext cx="4041509" cy="2743200"/>
-          </a:xfrm>
-          <a:prstGeom prst="rect">
-            <a:avLst/>
-          </a:prstGeom>
-        </p:spPr>
-      </p:pic>
-      <p:pic>
-        <p:nvPicPr>
-          <p:cNvPr id="19" name="그림 18">
-            <a:extLst>
-              <a:ext uri="{FF2B5EF4-FFF2-40B4-BE49-F238E27FC236}">
-                <a16:creationId xmlns:a16="http://schemas.microsoft.com/office/drawing/2014/main" id="{0E13FDCA-E105-EE21-3A7C-F1A44BE6F280}"/>
-              </a:ext>
-            </a:extLst>
-          </p:cNvPr>
-          <p:cNvPicPr>
-            <a:picLocks noChangeAspect="1"/>
-          </p:cNvPicPr>
-          <p:nvPr/>
-        </p:nvPicPr>
-        <p:blipFill>
-          <a:blip r:embed="rId6">
-            <a:extLst>
-              <a:ext uri="{28A0092B-C50C-407E-A947-70E740481C1C}">
-                <a14:useLocalDpi xmlns:a14="http://schemas.microsoft.com/office/drawing/2010/main" val="0"/>
-              </a:ext>
-            </a:extLst>
-          </a:blip>
-          <a:stretch>
-            <a:fillRect/>
-          </a:stretch>
-        </p:blipFill>
-        <p:spPr>
-          <a:xfrm>
-            <a:off x="6403956" y="3968560"/>
-            <a:ext cx="4041509" cy="2743200"/>
-          </a:xfrm>
-          <a:prstGeom prst="rect">
-            <a:avLst/>
-          </a:prstGeom>
-        </p:spPr>
-      </p:pic>
+        </p:grpSpPr>
+        <p:pic>
+          <p:nvPicPr>
+            <p:cNvPr id="16" name="그림 15">
+              <a:extLst>
+                <a:ext uri="{FF2B5EF4-FFF2-40B4-BE49-F238E27FC236}">
+                  <a16:creationId xmlns:a16="http://schemas.microsoft.com/office/drawing/2014/main" id="{0CCECF57-CE13-1C86-0652-A5F287EC31CE}"/>
+                </a:ext>
+              </a:extLst>
+            </p:cNvPr>
+            <p:cNvPicPr>
+              <a:picLocks noChangeAspect="1"/>
+            </p:cNvPicPr>
+            <p:nvPr/>
+          </p:nvPicPr>
+          <p:blipFill>
+            <a:blip r:embed="rId3">
+              <a:extLst>
+                <a:ext uri="{28A0092B-C50C-407E-A947-70E740481C1C}">
+                  <a14:useLocalDpi xmlns:a14="http://schemas.microsoft.com/office/drawing/2010/main" val="0"/>
+                </a:ext>
+              </a:extLst>
+            </a:blip>
+            <a:stretch>
+              <a:fillRect/>
+            </a:stretch>
+          </p:blipFill>
+          <p:spPr>
+            <a:xfrm>
+              <a:off x="8564215" y="1945326"/>
+              <a:ext cx="3657600" cy="2482619"/>
+            </a:xfrm>
+            <a:prstGeom prst="rect">
+              <a:avLst/>
+            </a:prstGeom>
+            <a:ln>
+              <a:solidFill>
+                <a:schemeClr val="bg1">
+                  <a:lumMod val="85000"/>
+                </a:schemeClr>
+              </a:solidFill>
+            </a:ln>
+          </p:spPr>
+        </p:pic>
+        <p:pic>
+          <p:nvPicPr>
+            <p:cNvPr id="18" name="그림 17">
+              <a:extLst>
+                <a:ext uri="{FF2B5EF4-FFF2-40B4-BE49-F238E27FC236}">
+                  <a16:creationId xmlns:a16="http://schemas.microsoft.com/office/drawing/2014/main" id="{8F40F8C7-F16E-BDC2-08F2-1E9B9872C63C}"/>
+                </a:ext>
+              </a:extLst>
+            </p:cNvPr>
+            <p:cNvPicPr>
+              <a:picLocks noChangeAspect="1"/>
+            </p:cNvPicPr>
+            <p:nvPr/>
+          </p:nvPicPr>
+          <p:blipFill>
+            <a:blip r:embed="rId4">
+              <a:extLst>
+                <a:ext uri="{28A0092B-C50C-407E-A947-70E740481C1C}">
+                  <a14:useLocalDpi xmlns:a14="http://schemas.microsoft.com/office/drawing/2010/main" val="0"/>
+                </a:ext>
+              </a:extLst>
+            </a:blip>
+            <a:stretch>
+              <a:fillRect/>
+            </a:stretch>
+          </p:blipFill>
+          <p:spPr>
+            <a:xfrm>
+              <a:off x="8564215" y="4427945"/>
+              <a:ext cx="3657600" cy="2482619"/>
+            </a:xfrm>
+            <a:prstGeom prst="rect">
+              <a:avLst/>
+            </a:prstGeom>
+            <a:ln>
+              <a:solidFill>
+                <a:schemeClr val="bg1">
+                  <a:lumMod val="85000"/>
+                </a:schemeClr>
+              </a:solidFill>
+            </a:ln>
+          </p:spPr>
+        </p:pic>
+      </p:grpSp>
       <p:sp>
         <p:nvSpPr>
-          <p:cNvPr id="20" name="TextBox 19">
-            <a:extLst>
-              <a:ext uri="{FF2B5EF4-FFF2-40B4-BE49-F238E27FC236}">
-                <a16:creationId xmlns:a16="http://schemas.microsoft.com/office/drawing/2014/main" id="{3BCB2402-7D64-19BF-594E-5A79E9EDA4FA}"/>
+          <p:cNvPr id="23" name="TextBox 22">
+            <a:extLst>
+              <a:ext uri="{FF2B5EF4-FFF2-40B4-BE49-F238E27FC236}">
+                <a16:creationId xmlns:a16="http://schemas.microsoft.com/office/drawing/2014/main" id="{72B26665-0B26-6E53-F259-93806FE80FCC}"/>
               </a:ext>
             </a:extLst>
           </p:cNvPr>
@@ -7329,7 +7404,7 @@
         </p:nvSpPr>
         <p:spPr>
           <a:xfrm>
-            <a:off x="489710" y="5155494"/>
+            <a:off x="9575106" y="1323052"/>
             <a:ext cx="1133878" cy="369332"/>
           </a:xfrm>
           <a:prstGeom prst="rect">
@@ -7352,7 +7427,7 @@
                 <a:latin typeface="제주명조" panose="02000300000000000000" pitchFamily="2" charset="-127"/>
                 <a:ea typeface="제주명조" panose="02000300000000000000" pitchFamily="2" charset="-127"/>
               </a:rPr>
-              <a:t>Model C</a:t>
+              <a:t>Model D </a:t>
             </a:r>
             <a:endParaRPr lang="ko-KR" altLang="en-US" b="1" dirty="0">
               <a:highlight>
@@ -7423,7 +7498,7 @@
                                           </p:stCondLst>
                                         </p:cTn>
                                         <p:tgtEl>
-                                          <p:spTgt spid="13"/>
+                                          <p:spTgt spid="14"/>
                                         </p:tgtEl>
                                         <p:attrNameLst>
                                           <p:attrName>style.visibility</p:attrName>
@@ -7437,7 +7512,7 @@
                                       <p:cBhvr>
                                         <p:cTn id="7" dur="150"/>
                                         <p:tgtEl>
-                                          <p:spTgt spid="13"/>
+                                          <p:spTgt spid="14"/>
                                         </p:tgtEl>
                                       </p:cBhvr>
                                     </p:animEffect>
@@ -7445,7 +7520,7 @@
                                       <p:cBhvr>
                                         <p:cTn id="8" dur="150" fill="hold"/>
                                         <p:tgtEl>
-                                          <p:spTgt spid="13"/>
+                                          <p:spTgt spid="14"/>
                                         </p:tgtEl>
                                         <p:attrNameLst>
                                           <p:attrName>ppt_x</p:attrName>
@@ -7468,7 +7543,7 @@
                                       <p:cBhvr>
                                         <p:cTn id="9" dur="150" fill="hold"/>
                                         <p:tgtEl>
-                                          <p:spTgt spid="13"/>
+                                          <p:spTgt spid="14"/>
                                         </p:tgtEl>
                                         <p:attrNameLst>
                                           <p:attrName>ppt_y</p:attrName>
@@ -7504,7 +7579,7 @@
                                           </p:stCondLst>
                                         </p:cTn>
                                         <p:tgtEl>
-                                          <p:spTgt spid="14"/>
+                                          <p:spTgt spid="20"/>
                                         </p:tgtEl>
                                         <p:attrNameLst>
                                           <p:attrName>style.visibility</p:attrName>
@@ -7518,7 +7593,7 @@
                                       <p:cBhvr>
                                         <p:cTn id="12" dur="150"/>
                                         <p:tgtEl>
-                                          <p:spTgt spid="14"/>
+                                          <p:spTgt spid="20"/>
                                         </p:tgtEl>
                                       </p:cBhvr>
                                     </p:animEffect>
@@ -7526,7 +7601,7 @@
                                       <p:cBhvr>
                                         <p:cTn id="13" dur="150" fill="hold"/>
                                         <p:tgtEl>
-                                          <p:spTgt spid="14"/>
+                                          <p:spTgt spid="20"/>
                                         </p:tgtEl>
                                         <p:attrNameLst>
                                           <p:attrName>ppt_x</p:attrName>
@@ -7549,7 +7624,7 @@
                                       <p:cBhvr>
                                         <p:cTn id="14" dur="150" fill="hold"/>
                                         <p:tgtEl>
-                                          <p:spTgt spid="14"/>
+                                          <p:spTgt spid="20"/>
                                         </p:tgtEl>
                                         <p:attrNameLst>
                                           <p:attrName>ppt_y</p:attrName>
@@ -7585,7 +7660,7 @@
                                           </p:stCondLst>
                                         </p:cTn>
                                         <p:tgtEl>
-                                          <p:spTgt spid="20"/>
+                                          <p:spTgt spid="23"/>
                                         </p:tgtEl>
                                         <p:attrNameLst>
                                           <p:attrName>style.visibility</p:attrName>
@@ -7599,7 +7674,7 @@
                                       <p:cBhvr>
                                         <p:cTn id="17" dur="150"/>
                                         <p:tgtEl>
-                                          <p:spTgt spid="20"/>
+                                          <p:spTgt spid="23"/>
                                         </p:tgtEl>
                                       </p:cBhvr>
                                     </p:animEffect>
@@ -7607,7 +7682,7 @@
                                       <p:cBhvr>
                                         <p:cTn id="18" dur="150" fill="hold"/>
                                         <p:tgtEl>
-                                          <p:spTgt spid="20"/>
+                                          <p:spTgt spid="23"/>
                                         </p:tgtEl>
                                         <p:attrNameLst>
                                           <p:attrName>ppt_x</p:attrName>
@@ -7630,7 +7705,7 @@
                                       <p:cBhvr>
                                         <p:cTn id="19" dur="150" fill="hold"/>
                                         <p:tgtEl>
-                                          <p:spTgt spid="20"/>
+                                          <p:spTgt spid="23"/>
                                         </p:tgtEl>
                                         <p:attrNameLst>
                                           <p:attrName>ppt_y</p:attrName>
@@ -7680,828 +7755,15 @@
       </p:par>
     </p:tnLst>
     <p:bldLst>
-      <p:bldP spid="13" grpId="0"/>
       <p:bldP spid="14" grpId="0"/>
       <p:bldP spid="20" grpId="0"/>
+      <p:bldP spid="23" grpId="0"/>
     </p:bldLst>
   </p:timing>
 </p:sld>
 </file>
 
 <file path=ppt/slides/slide12.xml><?xml version="1.0" encoding="utf-8"?>
-<p:sld xmlns:a="http://schemas.openxmlformats.org/drawingml/2006/main" xmlns:r="http://schemas.openxmlformats.org/officeDocument/2006/relationships" xmlns:p="http://schemas.openxmlformats.org/presentationml/2006/main">
-  <p:cSld>
-    <p:spTree>
-      <p:nvGrpSpPr>
-        <p:cNvPr id="1" name=""/>
-        <p:cNvGrpSpPr/>
-        <p:nvPr/>
-      </p:nvGrpSpPr>
-      <p:grpSpPr>
-        <a:xfrm>
-          <a:off x="0" y="0"/>
-          <a:ext cx="0" cy="0"/>
-          <a:chOff x="0" y="0"/>
-          <a:chExt cx="0" cy="0"/>
-        </a:xfrm>
-      </p:grpSpPr>
-      <p:sp>
-        <p:nvSpPr>
-          <p:cNvPr id="4" name="직사각형 3">
-            <a:extLst>
-              <a:ext uri="{FF2B5EF4-FFF2-40B4-BE49-F238E27FC236}">
-                <a16:creationId xmlns:a16="http://schemas.microsoft.com/office/drawing/2014/main" id="{AAD10983-B5B6-4119-8CD7-DB9B0180D44E}"/>
-              </a:ext>
-            </a:extLst>
-          </p:cNvPr>
-          <p:cNvSpPr/>
-          <p:nvPr/>
-        </p:nvSpPr>
-        <p:spPr>
-          <a:xfrm>
-            <a:off x="0" y="0"/>
-            <a:ext cx="12192000" cy="1076960"/>
-          </a:xfrm>
-          <a:prstGeom prst="rect">
-            <a:avLst/>
-          </a:prstGeom>
-          <a:solidFill>
-            <a:srgbClr val="1E3252"/>
-          </a:solidFill>
-        </p:spPr>
-        <p:style>
-          <a:lnRef idx="2">
-            <a:schemeClr val="accent1">
-              <a:shade val="50000"/>
-            </a:schemeClr>
-          </a:lnRef>
-          <a:fillRef idx="1">
-            <a:schemeClr val="accent1"/>
-          </a:fillRef>
-          <a:effectRef idx="0">
-            <a:schemeClr val="accent1"/>
-          </a:effectRef>
-          <a:fontRef idx="minor">
-            <a:schemeClr val="lt1"/>
-          </a:fontRef>
-        </p:style>
-        <p:txBody>
-          <a:bodyPr rtlCol="0" anchor="ctr"/>
-          <a:lstStyle/>
-          <a:p>
-            <a:pPr algn="ctr"/>
-            <a:endParaRPr lang="ko-KR" altLang="en-US" dirty="0"/>
-          </a:p>
-        </p:txBody>
-      </p:sp>
-      <p:sp>
-        <p:nvSpPr>
-          <p:cNvPr id="5" name="TextBox 4">
-            <a:extLst>
-              <a:ext uri="{FF2B5EF4-FFF2-40B4-BE49-F238E27FC236}">
-                <a16:creationId xmlns:a16="http://schemas.microsoft.com/office/drawing/2014/main" id="{1844EBE8-0933-474A-9F91-0CFC76F21F13}"/>
-              </a:ext>
-            </a:extLst>
-          </p:cNvPr>
-          <p:cNvSpPr txBox="1"/>
-          <p:nvPr/>
-        </p:nvSpPr>
-        <p:spPr>
-          <a:xfrm>
-            <a:off x="875104" y="252411"/>
-            <a:ext cx="2435282" cy="584775"/>
-          </a:xfrm>
-          <a:prstGeom prst="rect">
-            <a:avLst/>
-          </a:prstGeom>
-          <a:noFill/>
-        </p:spPr>
-        <p:txBody>
-          <a:bodyPr wrap="none" rtlCol="0">
-            <a:spAutoFit/>
-          </a:bodyPr>
-          <a:lstStyle/>
-          <a:p>
-            <a:r>
-              <a:rPr lang="en-US" altLang="ko-KR" sz="3200" spc="-150" dirty="0">
-                <a:solidFill>
-                  <a:schemeClr val="bg1"/>
-                </a:solidFill>
-              </a:rPr>
-              <a:t>PostgreSQL : </a:t>
-            </a:r>
-            <a:endParaRPr lang="ko-KR" altLang="en-US" sz="3200" spc="-300" dirty="0">
-              <a:solidFill>
-                <a:schemeClr val="bg1"/>
-              </a:solidFill>
-            </a:endParaRPr>
-          </a:p>
-        </p:txBody>
-      </p:sp>
-      <p:sp>
-        <p:nvSpPr>
-          <p:cNvPr id="6" name="TextBox 5">
-            <a:extLst>
-              <a:ext uri="{FF2B5EF4-FFF2-40B4-BE49-F238E27FC236}">
-                <a16:creationId xmlns:a16="http://schemas.microsoft.com/office/drawing/2014/main" id="{CB8A9DF1-8FAE-4D25-A22D-CE1F69A7C115}"/>
-              </a:ext>
-            </a:extLst>
-          </p:cNvPr>
-          <p:cNvSpPr txBox="1"/>
-          <p:nvPr/>
-        </p:nvSpPr>
-        <p:spPr>
-          <a:xfrm>
-            <a:off x="104316" y="246092"/>
-            <a:ext cx="770788" cy="307777"/>
-          </a:xfrm>
-          <a:prstGeom prst="rect">
-            <a:avLst/>
-          </a:prstGeom>
-          <a:noFill/>
-        </p:spPr>
-        <p:txBody>
-          <a:bodyPr wrap="none" rtlCol="0">
-            <a:spAutoFit/>
-          </a:bodyPr>
-          <a:lstStyle/>
-          <a:p>
-            <a:r>
-              <a:rPr lang="en-US" altLang="ko-KR" sz="1400" dirty="0">
-                <a:solidFill>
-                  <a:schemeClr val="bg1"/>
-                </a:solidFill>
-              </a:rPr>
-              <a:t>Part 2, </a:t>
-            </a:r>
-            <a:endParaRPr lang="ko-KR" altLang="en-US" sz="1400" dirty="0">
-              <a:solidFill>
-                <a:schemeClr val="bg1"/>
-              </a:solidFill>
-            </a:endParaRPr>
-          </a:p>
-        </p:txBody>
-      </p:sp>
-      <p:sp>
-        <p:nvSpPr>
-          <p:cNvPr id="7" name="TextBox 6">
-            <a:extLst>
-              <a:ext uri="{FF2B5EF4-FFF2-40B4-BE49-F238E27FC236}">
-                <a16:creationId xmlns:a16="http://schemas.microsoft.com/office/drawing/2014/main" id="{9E8A2899-02DB-4555-8F59-9D7BE15359D2}"/>
-              </a:ext>
-            </a:extLst>
-          </p:cNvPr>
-          <p:cNvSpPr txBox="1"/>
-          <p:nvPr/>
-        </p:nvSpPr>
-        <p:spPr>
-          <a:xfrm>
-            <a:off x="3210053" y="246092"/>
-            <a:ext cx="4929555" cy="584775"/>
-          </a:xfrm>
-          <a:prstGeom prst="rect">
-            <a:avLst/>
-          </a:prstGeom>
-          <a:noFill/>
-        </p:spPr>
-        <p:txBody>
-          <a:bodyPr wrap="none" rtlCol="0">
-            <a:spAutoFit/>
-          </a:bodyPr>
-          <a:lstStyle/>
-          <a:p>
-            <a:r>
-              <a:rPr lang="en-US" altLang="ko-KR" sz="3200" spc="-150" dirty="0">
-                <a:solidFill>
-                  <a:schemeClr val="bg1"/>
-                </a:solidFill>
-              </a:rPr>
-              <a:t>Cost Based Optimizer (CBO)</a:t>
-            </a:r>
-            <a:endParaRPr lang="ko-KR" altLang="en-US" sz="3200" spc="-150" dirty="0">
-              <a:solidFill>
-                <a:schemeClr val="bg1"/>
-              </a:solidFill>
-            </a:endParaRPr>
-          </a:p>
-        </p:txBody>
-      </p:sp>
-      <p:sp>
-        <p:nvSpPr>
-          <p:cNvPr id="13" name="TextBox 12">
-            <a:extLst>
-              <a:ext uri="{FF2B5EF4-FFF2-40B4-BE49-F238E27FC236}">
-                <a16:creationId xmlns:a16="http://schemas.microsoft.com/office/drawing/2014/main" id="{FE1D080E-CDC3-917F-2C6F-25FC00E17D86}"/>
-              </a:ext>
-            </a:extLst>
-          </p:cNvPr>
-          <p:cNvSpPr txBox="1"/>
-          <p:nvPr/>
-        </p:nvSpPr>
-        <p:spPr>
-          <a:xfrm>
-            <a:off x="2362447" y="1575994"/>
-            <a:ext cx="1133878" cy="369332"/>
-          </a:xfrm>
-          <a:prstGeom prst="rect">
-            <a:avLst/>
-          </a:prstGeom>
-          <a:noFill/>
-        </p:spPr>
-        <p:txBody>
-          <a:bodyPr wrap="square" rtlCol="0">
-            <a:spAutoFit/>
-          </a:bodyPr>
-          <a:lstStyle/>
-          <a:p>
-            <a:pPr algn="ctr"/>
-            <a:r>
-              <a:rPr lang="en-US" altLang="ko-KR" b="1" dirty="0">
-                <a:highlight>
-                  <a:srgbClr val="95CCD3"/>
-                </a:highlight>
-                <a:latin typeface="제주명조" panose="02000300000000000000" pitchFamily="2" charset="-127"/>
-                <a:ea typeface="제주명조" panose="02000300000000000000" pitchFamily="2" charset="-127"/>
-              </a:rPr>
-              <a:t>Accuracy</a:t>
-            </a:r>
-            <a:endParaRPr lang="ko-KR" altLang="en-US" b="1" dirty="0">
-              <a:highlight>
-                <a:srgbClr val="95CCD3"/>
-              </a:highlight>
-              <a:latin typeface="제주명조" panose="02000300000000000000" pitchFamily="2" charset="-127"/>
-              <a:ea typeface="제주명조" panose="02000300000000000000" pitchFamily="2" charset="-127"/>
-            </a:endParaRPr>
-          </a:p>
-        </p:txBody>
-      </p:sp>
-      <p:sp>
-        <p:nvSpPr>
-          <p:cNvPr id="14" name="TextBox 13">
-            <a:extLst>
-              <a:ext uri="{FF2B5EF4-FFF2-40B4-BE49-F238E27FC236}">
-                <a16:creationId xmlns:a16="http://schemas.microsoft.com/office/drawing/2014/main" id="{EDA6FDC9-12F1-60AA-BD09-A779FE473E1B}"/>
-              </a:ext>
-            </a:extLst>
-          </p:cNvPr>
-          <p:cNvSpPr txBox="1"/>
-          <p:nvPr/>
-        </p:nvSpPr>
-        <p:spPr>
-          <a:xfrm>
-            <a:off x="489710" y="2412294"/>
-            <a:ext cx="1133878" cy="369332"/>
-          </a:xfrm>
-          <a:prstGeom prst="rect">
-            <a:avLst/>
-          </a:prstGeom>
-          <a:noFill/>
-        </p:spPr>
-        <p:txBody>
-          <a:bodyPr wrap="square" rtlCol="0">
-            <a:spAutoFit/>
-          </a:bodyPr>
-          <a:lstStyle/>
-          <a:p>
-            <a:pPr algn="ctr"/>
-            <a:r>
-              <a:rPr lang="en-US" altLang="ko-KR" b="1" dirty="0">
-                <a:highlight>
-                  <a:srgbClr val="95CCD3"/>
-                </a:highlight>
-                <a:latin typeface="제주명조" panose="02000300000000000000" pitchFamily="2" charset="-127"/>
-                <a:ea typeface="제주명조" panose="02000300000000000000" pitchFamily="2" charset="-127"/>
-              </a:rPr>
-              <a:t>Model D</a:t>
-            </a:r>
-            <a:endParaRPr lang="ko-KR" altLang="en-US" b="1" dirty="0">
-              <a:highlight>
-                <a:srgbClr val="95CCD3"/>
-              </a:highlight>
-              <a:latin typeface="제주명조" panose="02000300000000000000" pitchFamily="2" charset="-127"/>
-              <a:ea typeface="제주명조" panose="02000300000000000000" pitchFamily="2" charset="-127"/>
-            </a:endParaRPr>
-          </a:p>
-        </p:txBody>
-      </p:sp>
-      <p:pic>
-        <p:nvPicPr>
-          <p:cNvPr id="8" name="그림 7">
-            <a:extLst>
-              <a:ext uri="{FF2B5EF4-FFF2-40B4-BE49-F238E27FC236}">
-                <a16:creationId xmlns:a16="http://schemas.microsoft.com/office/drawing/2014/main" id="{D8684DFD-18CF-AA20-70CF-F0E840D824A8}"/>
-              </a:ext>
-            </a:extLst>
-          </p:cNvPr>
-          <p:cNvPicPr>
-            <a:picLocks noChangeAspect="1"/>
-          </p:cNvPicPr>
-          <p:nvPr/>
-        </p:nvPicPr>
-        <p:blipFill>
-          <a:blip r:embed="rId3">
-            <a:extLst>
-              <a:ext uri="{28A0092B-C50C-407E-A947-70E740481C1C}">
-                <a14:useLocalDpi xmlns:a14="http://schemas.microsoft.com/office/drawing/2010/main" val="0"/>
-              </a:ext>
-            </a:extLst>
-          </a:blip>
-          <a:stretch>
-            <a:fillRect/>
-          </a:stretch>
-        </p:blipFill>
-        <p:spPr>
-          <a:xfrm>
-            <a:off x="2054491" y="1225360"/>
-            <a:ext cx="4041509" cy="2743200"/>
-          </a:xfrm>
-          <a:prstGeom prst="rect">
-            <a:avLst/>
-          </a:prstGeom>
-        </p:spPr>
-      </p:pic>
-      <p:pic>
-        <p:nvPicPr>
-          <p:cNvPr id="15" name="그림 14">
-            <a:extLst>
-              <a:ext uri="{FF2B5EF4-FFF2-40B4-BE49-F238E27FC236}">
-                <a16:creationId xmlns:a16="http://schemas.microsoft.com/office/drawing/2014/main" id="{5BCA3088-813B-2479-D336-36F18EDEFC44}"/>
-              </a:ext>
-            </a:extLst>
-          </p:cNvPr>
-          <p:cNvPicPr>
-            <a:picLocks noChangeAspect="1"/>
-          </p:cNvPicPr>
-          <p:nvPr/>
-        </p:nvPicPr>
-        <p:blipFill>
-          <a:blip r:embed="rId4">
-            <a:extLst>
-              <a:ext uri="{28A0092B-C50C-407E-A947-70E740481C1C}">
-                <a14:useLocalDpi xmlns:a14="http://schemas.microsoft.com/office/drawing/2010/main" val="0"/>
-              </a:ext>
-            </a:extLst>
-          </a:blip>
-          <a:stretch>
-            <a:fillRect/>
-          </a:stretch>
-        </p:blipFill>
-        <p:spPr>
-          <a:xfrm>
-            <a:off x="6403956" y="1225360"/>
-            <a:ext cx="4041509" cy="2743200"/>
-          </a:xfrm>
-          <a:prstGeom prst="rect">
-            <a:avLst/>
-          </a:prstGeom>
-        </p:spPr>
-      </p:pic>
-      <p:pic>
-        <p:nvPicPr>
-          <p:cNvPr id="17" name="그림 16">
-            <a:extLst>
-              <a:ext uri="{FF2B5EF4-FFF2-40B4-BE49-F238E27FC236}">
-                <a16:creationId xmlns:a16="http://schemas.microsoft.com/office/drawing/2014/main" id="{86D75C6F-5863-09B6-A69C-7ACD98B7D24C}"/>
-              </a:ext>
-            </a:extLst>
-          </p:cNvPr>
-          <p:cNvPicPr>
-            <a:picLocks noChangeAspect="1"/>
-          </p:cNvPicPr>
-          <p:nvPr/>
-        </p:nvPicPr>
-        <p:blipFill>
-          <a:blip r:embed="rId5">
-            <a:extLst>
-              <a:ext uri="{28A0092B-C50C-407E-A947-70E740481C1C}">
-                <a14:useLocalDpi xmlns:a14="http://schemas.microsoft.com/office/drawing/2010/main" val="0"/>
-              </a:ext>
-            </a:extLst>
-          </a:blip>
-          <a:stretch>
-            <a:fillRect/>
-          </a:stretch>
-        </p:blipFill>
-        <p:spPr>
-          <a:xfrm>
-            <a:off x="2064144" y="3968560"/>
-            <a:ext cx="4041509" cy="2743200"/>
-          </a:xfrm>
-          <a:prstGeom prst="rect">
-            <a:avLst/>
-          </a:prstGeom>
-        </p:spPr>
-      </p:pic>
-      <p:pic>
-        <p:nvPicPr>
-          <p:cNvPr id="19" name="그림 18">
-            <a:extLst>
-              <a:ext uri="{FF2B5EF4-FFF2-40B4-BE49-F238E27FC236}">
-                <a16:creationId xmlns:a16="http://schemas.microsoft.com/office/drawing/2014/main" id="{0E13FDCA-E105-EE21-3A7C-F1A44BE6F280}"/>
-              </a:ext>
-            </a:extLst>
-          </p:cNvPr>
-          <p:cNvPicPr>
-            <a:picLocks noChangeAspect="1"/>
-          </p:cNvPicPr>
-          <p:nvPr/>
-        </p:nvPicPr>
-        <p:blipFill>
-          <a:blip r:embed="rId6">
-            <a:extLst>
-              <a:ext uri="{28A0092B-C50C-407E-A947-70E740481C1C}">
-                <a14:useLocalDpi xmlns:a14="http://schemas.microsoft.com/office/drawing/2010/main" val="0"/>
-              </a:ext>
-            </a:extLst>
-          </a:blip>
-          <a:stretch>
-            <a:fillRect/>
-          </a:stretch>
-        </p:blipFill>
-        <p:spPr>
-          <a:xfrm>
-            <a:off x="6403956" y="3968560"/>
-            <a:ext cx="4041509" cy="2743200"/>
-          </a:xfrm>
-          <a:prstGeom prst="rect">
-            <a:avLst/>
-          </a:prstGeom>
-        </p:spPr>
-      </p:pic>
-      <p:sp>
-        <p:nvSpPr>
-          <p:cNvPr id="20" name="TextBox 19">
-            <a:extLst>
-              <a:ext uri="{FF2B5EF4-FFF2-40B4-BE49-F238E27FC236}">
-                <a16:creationId xmlns:a16="http://schemas.microsoft.com/office/drawing/2014/main" id="{3BCB2402-7D64-19BF-594E-5A79E9EDA4FA}"/>
-              </a:ext>
-            </a:extLst>
-          </p:cNvPr>
-          <p:cNvSpPr txBox="1"/>
-          <p:nvPr/>
-        </p:nvSpPr>
-        <p:spPr>
-          <a:xfrm>
-            <a:off x="489710" y="5155494"/>
-            <a:ext cx="1133878" cy="369332"/>
-          </a:xfrm>
-          <a:prstGeom prst="rect">
-            <a:avLst/>
-          </a:prstGeom>
-          <a:noFill/>
-        </p:spPr>
-        <p:txBody>
-          <a:bodyPr wrap="square" rtlCol="0">
-            <a:spAutoFit/>
-          </a:bodyPr>
-          <a:lstStyle/>
-          <a:p>
-            <a:pPr algn="ctr"/>
-            <a:r>
-              <a:rPr lang="en-US" altLang="ko-KR" b="1" dirty="0">
-                <a:highlight>
-                  <a:srgbClr val="95CCD3"/>
-                </a:highlight>
-                <a:latin typeface="제주명조" panose="02000300000000000000" pitchFamily="2" charset="-127"/>
-                <a:ea typeface="제주명조" panose="02000300000000000000" pitchFamily="2" charset="-127"/>
-              </a:rPr>
-              <a:t>Model C</a:t>
-            </a:r>
-            <a:endParaRPr lang="ko-KR" altLang="en-US" b="1" dirty="0">
-              <a:highlight>
-                <a:srgbClr val="95CCD3"/>
-              </a:highlight>
-              <a:latin typeface="제주명조" panose="02000300000000000000" pitchFamily="2" charset="-127"/>
-              <a:ea typeface="제주명조" panose="02000300000000000000" pitchFamily="2" charset="-127"/>
-            </a:endParaRPr>
-          </a:p>
-        </p:txBody>
-      </p:sp>
-    </p:spTree>
-    <p:extLst>
-      <p:ext uri="{BB962C8B-B14F-4D97-AF65-F5344CB8AC3E}">
-        <p14:creationId xmlns:p14="http://schemas.microsoft.com/office/powerpoint/2010/main" val="3532834977"/>
-      </p:ext>
-    </p:extLst>
-  </p:cSld>
-  <p:clrMapOvr>
-    <a:masterClrMapping/>
-  </p:clrMapOvr>
-  <mc:AlternateContent xmlns:mc="http://schemas.openxmlformats.org/markup-compatibility/2006" xmlns:p159="http://schemas.microsoft.com/office/powerpoint/2015/09/main">
-    <mc:Choice Requires="p159">
-      <p:transition xmlns:p14="http://schemas.microsoft.com/office/powerpoint/2010/main" p14:dur="250">
-        <p159:morph option="byObject"/>
-      </p:transition>
-    </mc:Choice>
-    <mc:Fallback xmlns="">
-      <p:transition>
-        <p:fade/>
-      </p:transition>
-    </mc:Fallback>
-  </mc:AlternateContent>
-  <p:timing>
-    <p:tnLst>
-      <p:par>
-        <p:cTn id="1" dur="indefinite" restart="never" nodeType="tmRoot">
-          <p:childTnLst>
-            <p:seq concurrent="1" nextAc="seek">
-              <p:cTn id="2" dur="indefinite" nodeType="mainSeq">
-                <p:childTnLst>
-                  <p:par>
-                    <p:cTn id="3" fill="hold">
-                      <p:stCondLst>
-                        <p:cond delay="indefinite"/>
-                        <p:cond evt="onBegin" delay="0">
-                          <p:tn val="2"/>
-                        </p:cond>
-                      </p:stCondLst>
-                      <p:childTnLst>
-                        <p:par>
-                          <p:cTn id="4" fill="hold">
-                            <p:stCondLst>
-                              <p:cond delay="0"/>
-                            </p:stCondLst>
-                            <p:childTnLst>
-                              <p:par>
-                                <p:cTn id="5" presetID="42" presetClass="entr" presetSubtype="0" fill="hold" grpId="0" nodeType="withEffect">
-                                  <p:stCondLst>
-                                    <p:cond delay="0"/>
-                                  </p:stCondLst>
-                                  <p:childTnLst>
-                                    <p:set>
-                                      <p:cBhvr>
-                                        <p:cTn id="6" dur="1" fill="hold">
-                                          <p:stCondLst>
-                                            <p:cond delay="0"/>
-                                          </p:stCondLst>
-                                        </p:cTn>
-                                        <p:tgtEl>
-                                          <p:spTgt spid="13"/>
-                                        </p:tgtEl>
-                                        <p:attrNameLst>
-                                          <p:attrName>style.visibility</p:attrName>
-                                        </p:attrNameLst>
-                                      </p:cBhvr>
-                                      <p:to>
-                                        <p:strVal val="visible"/>
-                                      </p:to>
-                                    </p:set>
-                                    <p:animEffect transition="in" filter="fade">
-                                      <p:cBhvr>
-                                        <p:cTn id="7" dur="150"/>
-                                        <p:tgtEl>
-                                          <p:spTgt spid="13"/>
-                                        </p:tgtEl>
-                                      </p:cBhvr>
-                                    </p:animEffect>
-                                    <p:anim calcmode="lin" valueType="num">
-                                      <p:cBhvr>
-                                        <p:cTn id="8" dur="150" fill="hold"/>
-                                        <p:tgtEl>
-                                          <p:spTgt spid="13"/>
-                                        </p:tgtEl>
-                                        <p:attrNameLst>
-                                          <p:attrName>ppt_x</p:attrName>
-                                        </p:attrNameLst>
-                                      </p:cBhvr>
-                                      <p:tavLst>
-                                        <p:tav tm="0">
-                                          <p:val>
-                                            <p:strVal val="#ppt_x"/>
-                                          </p:val>
-                                        </p:tav>
-                                        <p:tav tm="100000">
-                                          <p:val>
-                                            <p:strVal val="#ppt_x"/>
-                                          </p:val>
-                                        </p:tav>
-                                      </p:tavLst>
-                                    </p:anim>
-                                    <p:anim calcmode="lin" valueType="num">
-                                      <p:cBhvr>
-                                        <p:cTn id="9" dur="150" fill="hold"/>
-                                        <p:tgtEl>
-                                          <p:spTgt spid="13"/>
-                                        </p:tgtEl>
-                                        <p:attrNameLst>
-                                          <p:attrName>ppt_y</p:attrName>
-                                        </p:attrNameLst>
-                                      </p:cBhvr>
-                                      <p:tavLst>
-                                        <p:tav tm="0">
-                                          <p:val>
-                                            <p:strVal val="#ppt_y+.1"/>
-                                          </p:val>
-                                        </p:tav>
-                                        <p:tav tm="100000">
-                                          <p:val>
-                                            <p:strVal val="#ppt_y"/>
-                                          </p:val>
-                                        </p:tav>
-                                      </p:tavLst>
-                                    </p:anim>
-                                  </p:childTnLst>
-                                </p:cTn>
-                              </p:par>
-                              <p:par>
-                                <p:cTn id="10" presetID="42" presetClass="entr" presetSubtype="0" fill="hold" grpId="0" nodeType="withEffect">
-                                  <p:stCondLst>
-                                    <p:cond delay="0"/>
-                                  </p:stCondLst>
-                                  <p:childTnLst>
-                                    <p:set>
-                                      <p:cBhvr>
-                                        <p:cTn id="11" dur="1" fill="hold">
-                                          <p:stCondLst>
-                                            <p:cond delay="0"/>
-                                          </p:stCondLst>
-                                        </p:cTn>
-                                        <p:tgtEl>
-                                          <p:spTgt spid="14"/>
-                                        </p:tgtEl>
-                                        <p:attrNameLst>
-                                          <p:attrName>style.visibility</p:attrName>
-                                        </p:attrNameLst>
-                                      </p:cBhvr>
-                                      <p:to>
-                                        <p:strVal val="visible"/>
-                                      </p:to>
-                                    </p:set>
-                                    <p:animEffect transition="in" filter="fade">
-                                      <p:cBhvr>
-                                        <p:cTn id="12" dur="150"/>
-                                        <p:tgtEl>
-                                          <p:spTgt spid="14"/>
-                                        </p:tgtEl>
-                                      </p:cBhvr>
-                                    </p:animEffect>
-                                    <p:anim calcmode="lin" valueType="num">
-                                      <p:cBhvr>
-                                        <p:cTn id="13" dur="150" fill="hold"/>
-                                        <p:tgtEl>
-                                          <p:spTgt spid="14"/>
-                                        </p:tgtEl>
-                                        <p:attrNameLst>
-                                          <p:attrName>ppt_x</p:attrName>
-                                        </p:attrNameLst>
-                                      </p:cBhvr>
-                                      <p:tavLst>
-                                        <p:tav tm="0">
-                                          <p:val>
-                                            <p:strVal val="#ppt_x"/>
-                                          </p:val>
-                                        </p:tav>
-                                        <p:tav tm="100000">
-                                          <p:val>
-                                            <p:strVal val="#ppt_x"/>
-                                          </p:val>
-                                        </p:tav>
-                                      </p:tavLst>
-                                    </p:anim>
-                                    <p:anim calcmode="lin" valueType="num">
-                                      <p:cBhvr>
-                                        <p:cTn id="14" dur="150" fill="hold"/>
-                                        <p:tgtEl>
-                                          <p:spTgt spid="14"/>
-                                        </p:tgtEl>
-                                        <p:attrNameLst>
-                                          <p:attrName>ppt_y</p:attrName>
-                                        </p:attrNameLst>
-                                      </p:cBhvr>
-                                      <p:tavLst>
-                                        <p:tav tm="0">
-                                          <p:val>
-                                            <p:strVal val="#ppt_y+.1"/>
-                                          </p:val>
-                                        </p:tav>
-                                        <p:tav tm="100000">
-                                          <p:val>
-                                            <p:strVal val="#ppt_y"/>
-                                          </p:val>
-                                        </p:tav>
-                                      </p:tavLst>
-                                    </p:anim>
-                                  </p:childTnLst>
-                                </p:cTn>
-                              </p:par>
-                              <p:par>
-                                <p:cTn id="15" presetID="42" presetClass="entr" presetSubtype="0" fill="hold" grpId="0" nodeType="withEffect">
-                                  <p:stCondLst>
-                                    <p:cond delay="0"/>
-                                  </p:stCondLst>
-                                  <p:childTnLst>
-                                    <p:set>
-                                      <p:cBhvr>
-                                        <p:cTn id="16" dur="1" fill="hold">
-                                          <p:stCondLst>
-                                            <p:cond delay="0"/>
-                                          </p:stCondLst>
-                                        </p:cTn>
-                                        <p:tgtEl>
-                                          <p:spTgt spid="20"/>
-                                        </p:tgtEl>
-                                        <p:attrNameLst>
-                                          <p:attrName>style.visibility</p:attrName>
-                                        </p:attrNameLst>
-                                      </p:cBhvr>
-                                      <p:to>
-                                        <p:strVal val="visible"/>
-                                      </p:to>
-                                    </p:set>
-                                    <p:animEffect transition="in" filter="fade">
-                                      <p:cBhvr>
-                                        <p:cTn id="17" dur="150"/>
-                                        <p:tgtEl>
-                                          <p:spTgt spid="20"/>
-                                        </p:tgtEl>
-                                      </p:cBhvr>
-                                    </p:animEffect>
-                                    <p:anim calcmode="lin" valueType="num">
-                                      <p:cBhvr>
-                                        <p:cTn id="18" dur="150" fill="hold"/>
-                                        <p:tgtEl>
-                                          <p:spTgt spid="20"/>
-                                        </p:tgtEl>
-                                        <p:attrNameLst>
-                                          <p:attrName>ppt_x</p:attrName>
-                                        </p:attrNameLst>
-                                      </p:cBhvr>
-                                      <p:tavLst>
-                                        <p:tav tm="0">
-                                          <p:val>
-                                            <p:strVal val="#ppt_x"/>
-                                          </p:val>
-                                        </p:tav>
-                                        <p:tav tm="100000">
-                                          <p:val>
-                                            <p:strVal val="#ppt_x"/>
-                                          </p:val>
-                                        </p:tav>
-                                      </p:tavLst>
-                                    </p:anim>
-                                    <p:anim calcmode="lin" valueType="num">
-                                      <p:cBhvr>
-                                        <p:cTn id="19" dur="150" fill="hold"/>
-                                        <p:tgtEl>
-                                          <p:spTgt spid="20"/>
-                                        </p:tgtEl>
-                                        <p:attrNameLst>
-                                          <p:attrName>ppt_y</p:attrName>
-                                        </p:attrNameLst>
-                                      </p:cBhvr>
-                                      <p:tavLst>
-                                        <p:tav tm="0">
-                                          <p:val>
-                                            <p:strVal val="#ppt_y+.1"/>
-                                          </p:val>
-                                        </p:tav>
-                                        <p:tav tm="100000">
-                                          <p:val>
-                                            <p:strVal val="#ppt_y"/>
-                                          </p:val>
-                                        </p:tav>
-                                      </p:tavLst>
-                                    </p:anim>
-                                  </p:childTnLst>
-                                </p:cTn>
-                              </p:par>
-                            </p:childTnLst>
-                          </p:cTn>
-                        </p:par>
-                      </p:childTnLst>
-                    </p:cTn>
-                  </p:par>
-                </p:childTnLst>
-              </p:cTn>
-              <p:prevCondLst>
-                <p:cond evt="onPrev" delay="0">
-                  <p:tgtEl>
-                    <p:sldTgt/>
-                  </p:tgtEl>
-                </p:cond>
-              </p:prevCondLst>
-              <p:nextCondLst>
-                <p:cond evt="onNext" delay="0">
-                  <p:tgtEl>
-                    <p:sldTgt/>
-                  </p:tgtEl>
-                </p:cond>
-              </p:nextCondLst>
-            </p:seq>
-          </p:childTnLst>
-        </p:cTn>
-      </p:par>
-    </p:tnLst>
-    <p:bldLst>
-      <p:bldP spid="13" grpId="0"/>
-      <p:bldP spid="14" grpId="0"/>
-      <p:bldP spid="20" grpId="0"/>
-    </p:bldLst>
-  </p:timing>
-</p:sld>
-</file>
-
-<file path=ppt/slides/slide13.xml><?xml version="1.0" encoding="utf-8"?>
 <p:sld xmlns:a="http://schemas.openxmlformats.org/drawingml/2006/main" xmlns:r="http://schemas.openxmlformats.org/officeDocument/2006/relationships" xmlns:p="http://schemas.openxmlformats.org/presentationml/2006/main">
   <p:cSld>
     <p:spTree>
@@ -8814,7 +8076,7 @@
 </p:sld>
 </file>
 
-<file path=ppt/slides/slide14.xml><?xml version="1.0" encoding="utf-8"?>
+<file path=ppt/slides/slide13.xml><?xml version="1.0" encoding="utf-8"?>
 <p:sld xmlns:a="http://schemas.openxmlformats.org/drawingml/2006/main" xmlns:r="http://schemas.openxmlformats.org/officeDocument/2006/relationships" xmlns:p="http://schemas.openxmlformats.org/presentationml/2006/main">
   <p:cSld>
     <p:spTree>
@@ -9226,7 +8488,7 @@
 </p:sld>
 </file>
 
-<file path=ppt/slides/slide15.xml><?xml version="1.0" encoding="utf-8"?>
+<file path=ppt/slides/slide14.xml><?xml version="1.0" encoding="utf-8"?>
 <p:sld xmlns:a="http://schemas.openxmlformats.org/drawingml/2006/main" xmlns:r="http://schemas.openxmlformats.org/officeDocument/2006/relationships" xmlns:p="http://schemas.openxmlformats.org/presentationml/2006/main">
   <p:cSld>
     <p:spTree>
@@ -9831,7 +9093,7 @@
 </p:sld>
 </file>
 
-<file path=ppt/slides/slide16.xml><?xml version="1.0" encoding="utf-8"?>
+<file path=ppt/slides/slide15.xml><?xml version="1.0" encoding="utf-8"?>
 <p:sld xmlns:a="http://schemas.openxmlformats.org/drawingml/2006/main" xmlns:r="http://schemas.openxmlformats.org/officeDocument/2006/relationships" xmlns:p="http://schemas.openxmlformats.org/presentationml/2006/main">
   <p:cSld>
     <p:spTree>
@@ -11247,7 +10509,7 @@
 </p:sld>
 </file>
 
-<file path=ppt/slides/slide17.xml><?xml version="1.0" encoding="utf-8"?>
+<file path=ppt/slides/slide16.xml><?xml version="1.0" encoding="utf-8"?>
 <p:sld xmlns:a="http://schemas.openxmlformats.org/drawingml/2006/main" xmlns:r="http://schemas.openxmlformats.org/officeDocument/2006/relationships" xmlns:p="http://schemas.openxmlformats.org/presentationml/2006/main">
   <p:cSld>
     <p:spTree>
@@ -11638,7 +10900,7 @@
 </p:sld>
 </file>
 
-<file path=ppt/slides/slide18.xml><?xml version="1.0" encoding="utf-8"?>
+<file path=ppt/slides/slide17.xml><?xml version="1.0" encoding="utf-8"?>
 <p:sld xmlns:a="http://schemas.openxmlformats.org/drawingml/2006/main" xmlns:r="http://schemas.openxmlformats.org/officeDocument/2006/relationships" xmlns:p="http://schemas.openxmlformats.org/presentationml/2006/main">
   <p:cSld>
     <p:spTree>
@@ -13092,7 +12354,7 @@
 </p:sld>
 </file>
 
-<file path=ppt/slides/slide19.xml><?xml version="1.0" encoding="utf-8"?>
+<file path=ppt/slides/slide18.xml><?xml version="1.0" encoding="utf-8"?>
 <p:sld xmlns:a="http://schemas.openxmlformats.org/drawingml/2006/main" xmlns:r="http://schemas.openxmlformats.org/officeDocument/2006/relationships" xmlns:p="http://schemas.openxmlformats.org/presentationml/2006/main">
   <p:cSld>
     <p:spTree>

--- a/인공지능 발표 ppt.pptx
+++ b/인공지능 발표 ppt.pptx
@@ -240,7 +240,7 @@
           <a:p>
             <a:fld id="{F73925FC-C3F5-448F-A882-A9641DE5FD6D}" type="datetimeFigureOut">
               <a:rPr lang="ko-KR" altLang="en-US" smtClean="0"/>
-              <a:t>2022-06-09</a:t>
+              <a:t>2022-06-10</a:t>
             </a:fld>
             <a:endParaRPr lang="ko-KR" altLang="en-US"/>
           </a:p>
@@ -551,22 +551,6 @@
           <a:bodyPr/>
           <a:lstStyle/>
           <a:p>
-            <a:r>
-              <a:rPr lang="ko-KR" altLang="en-US" dirty="0"/>
-              <a:t>기존의 모델은 이렇게 </a:t>
-            </a:r>
-            <a:r>
-              <a:rPr lang="en-US" altLang="ko-KR" dirty="0"/>
-              <a:t>5 layer </a:t>
-            </a:r>
-            <a:r>
-              <a:rPr lang="ko-KR" altLang="en-US" dirty="0"/>
-              <a:t>로 구현되었다</a:t>
-            </a:r>
-            <a:r>
-              <a:rPr lang="en-US" altLang="ko-KR" dirty="0"/>
-              <a:t>.</a:t>
-            </a:r>
             <a:endParaRPr lang="ko-KR" altLang="en-US" dirty="0"/>
           </a:p>
         </p:txBody>
@@ -588,7 +572,7 @@
           <a:p>
             <a:fld id="{C7E75926-9BB1-4887-9E1E-3F46BA39A9CF}" type="slidenum">
               <a:rPr lang="ko-KR" altLang="en-US" smtClean="0"/>
-              <a:t>8</a:t>
+              <a:t>1</a:t>
             </a:fld>
             <a:endParaRPr lang="ko-KR" altLang="en-US"/>
           </a:p>
@@ -597,7 +581,7 @@
     </p:spTree>
     <p:extLst>
       <p:ext uri="{BB962C8B-B14F-4D97-AF65-F5344CB8AC3E}">
-        <p14:creationId xmlns:p14="http://schemas.microsoft.com/office/powerpoint/2010/main" val="1379455954"/>
+        <p14:creationId xmlns:p14="http://schemas.microsoft.com/office/powerpoint/2010/main" val="967187150"/>
       </p:ext>
     </p:extLst>
   </p:cSld>
@@ -688,7 +672,7 @@
           <a:p>
             <a:fld id="{C7E75926-9BB1-4887-9E1E-3F46BA39A9CF}" type="slidenum">
               <a:rPr lang="ko-KR" altLang="en-US" smtClean="0"/>
-              <a:t>9</a:t>
+              <a:t>8</a:t>
             </a:fld>
             <a:endParaRPr lang="ko-KR" altLang="en-US"/>
           </a:p>
@@ -697,7 +681,7 @@
     </p:spTree>
     <p:extLst>
       <p:ext uri="{BB962C8B-B14F-4D97-AF65-F5344CB8AC3E}">
-        <p14:creationId xmlns:p14="http://schemas.microsoft.com/office/powerpoint/2010/main" val="2302932422"/>
+        <p14:creationId xmlns:p14="http://schemas.microsoft.com/office/powerpoint/2010/main" val="1379455954"/>
       </p:ext>
     </p:extLst>
   </p:cSld>
@@ -752,97 +736,21 @@
           <a:lstStyle/>
           <a:p>
             <a:r>
+              <a:rPr lang="ko-KR" altLang="en-US" dirty="0"/>
+              <a:t>기존의 모델은 이렇게 </a:t>
+            </a:r>
+            <a:r>
               <a:rPr lang="en-US" altLang="ko-KR" dirty="0"/>
-              <a:t>Model B : 128 channel </a:t>
+              <a:t>5 layer </a:t>
             </a:r>
             <a:r>
               <a:rPr lang="ko-KR" altLang="en-US" dirty="0"/>
-              <a:t>의 </a:t>
+              <a:t>로 구현되었다</a:t>
             </a:r>
             <a:r>
               <a:rPr lang="en-US" altLang="ko-KR" dirty="0"/>
-              <a:t>conv layer </a:t>
-            </a:r>
-            <a:r>
-              <a:rPr lang="ko-KR" altLang="en-US" dirty="0"/>
-              <a:t>를 추가</a:t>
-            </a:r>
-            <a:endParaRPr lang="en-US" altLang="ko-KR" dirty="0"/>
-          </a:p>
-          <a:p>
-            <a:r>
-              <a:rPr lang="en-US" altLang="ko-KR" dirty="0"/>
-              <a:t>Model C : Model B </a:t>
-            </a:r>
-            <a:r>
-              <a:rPr lang="ko-KR" altLang="en-US" dirty="0"/>
-              <a:t>를</a:t>
-            </a:r>
-            <a:r>
-              <a:rPr lang="en-US" altLang="ko-KR" dirty="0"/>
-              <a:t> Flatten </a:t>
-            </a:r>
-            <a:r>
-              <a:rPr lang="ko-KR" altLang="en-US" dirty="0"/>
-              <a:t>시킨 후 </a:t>
-            </a:r>
-            <a:r>
-              <a:rPr lang="en-US" altLang="ko-KR" dirty="0"/>
-              <a:t>256 dense </a:t>
-            </a:r>
-            <a:r>
-              <a:rPr lang="ko-KR" altLang="en-US" dirty="0"/>
-              <a:t>를 </a:t>
-            </a:r>
-            <a:r>
-              <a:rPr lang="en-US" altLang="ko-KR" dirty="0"/>
-              <a:t>128 dense </a:t>
-            </a:r>
-            <a:r>
-              <a:rPr lang="ko-KR" altLang="en-US" dirty="0"/>
-              <a:t>로 변경</a:t>
-            </a:r>
-            <a:endParaRPr lang="en-US" altLang="ko-KR" dirty="0"/>
-          </a:p>
-          <a:p>
-            <a:r>
-              <a:rPr lang="en-US" altLang="ko-KR" dirty="0"/>
-              <a:t>Model D : Model C</a:t>
-            </a:r>
-            <a:r>
-              <a:rPr lang="ko-KR" altLang="en-US" dirty="0"/>
-              <a:t> 의 </a:t>
-            </a:r>
-            <a:r>
-              <a:rPr lang="en-US" altLang="ko-KR" dirty="0"/>
-              <a:t>dropout </a:t>
-            </a:r>
-            <a:r>
-              <a:rPr lang="ko-KR" altLang="en-US" dirty="0"/>
-              <a:t>을 </a:t>
-            </a:r>
-            <a:r>
-              <a:rPr lang="en-US" altLang="ko-KR" dirty="0"/>
-              <a:t>0.1</a:t>
-            </a:r>
-            <a:r>
-              <a:rPr lang="ko-KR" altLang="en-US" dirty="0"/>
-              <a:t>로 유지하다가 마지막만 </a:t>
-            </a:r>
-            <a:r>
-              <a:rPr lang="en-US" altLang="ko-KR" dirty="0"/>
-              <a:t>0.2 </a:t>
-            </a:r>
-            <a:r>
-              <a:rPr lang="ko-KR" altLang="en-US" dirty="0"/>
-              <a:t>로</a:t>
-            </a:r>
-            <a:endParaRPr lang="en-US" altLang="ko-KR" dirty="0"/>
-          </a:p>
-          <a:p>
-            <a:endParaRPr lang="en-US" altLang="ko-KR" dirty="0"/>
-          </a:p>
-          <a:p>
+              <a:t>.</a:t>
+            </a:r>
             <a:endParaRPr lang="ko-KR" altLang="en-US" dirty="0"/>
           </a:p>
         </p:txBody>
@@ -864,7 +772,7 @@
           <a:p>
             <a:fld id="{C7E75926-9BB1-4887-9E1E-3F46BA39A9CF}" type="slidenum">
               <a:rPr lang="ko-KR" altLang="en-US" smtClean="0"/>
-              <a:t>11</a:t>
+              <a:t>9</a:t>
             </a:fld>
             <a:endParaRPr lang="ko-KR" altLang="en-US"/>
           </a:p>
@@ -873,7 +781,7 @@
     </p:spTree>
     <p:extLst>
       <p:ext uri="{BB962C8B-B14F-4D97-AF65-F5344CB8AC3E}">
-        <p14:creationId xmlns:p14="http://schemas.microsoft.com/office/powerpoint/2010/main" val="677817830"/>
+        <p14:creationId xmlns:p14="http://schemas.microsoft.com/office/powerpoint/2010/main" val="2302932422"/>
       </p:ext>
     </p:extLst>
   </p:cSld>
@@ -927,6 +835,98 @@
           <a:bodyPr/>
           <a:lstStyle/>
           <a:p>
+            <a:r>
+              <a:rPr lang="en-US" altLang="ko-KR" dirty="0"/>
+              <a:t>Model B : 128 channel </a:t>
+            </a:r>
+            <a:r>
+              <a:rPr lang="ko-KR" altLang="en-US" dirty="0"/>
+              <a:t>의 </a:t>
+            </a:r>
+            <a:r>
+              <a:rPr lang="en-US" altLang="ko-KR" dirty="0"/>
+              <a:t>conv layer </a:t>
+            </a:r>
+            <a:r>
+              <a:rPr lang="ko-KR" altLang="en-US" dirty="0"/>
+              <a:t>를 추가</a:t>
+            </a:r>
+            <a:endParaRPr lang="en-US" altLang="ko-KR" dirty="0"/>
+          </a:p>
+          <a:p>
+            <a:r>
+              <a:rPr lang="en-US" altLang="ko-KR" dirty="0"/>
+              <a:t>Model C : Model B </a:t>
+            </a:r>
+            <a:r>
+              <a:rPr lang="ko-KR" altLang="en-US" dirty="0"/>
+              <a:t>를</a:t>
+            </a:r>
+            <a:r>
+              <a:rPr lang="en-US" altLang="ko-KR" dirty="0"/>
+              <a:t> Flatten </a:t>
+            </a:r>
+            <a:r>
+              <a:rPr lang="ko-KR" altLang="en-US" dirty="0"/>
+              <a:t>시킨 후 </a:t>
+            </a:r>
+            <a:r>
+              <a:rPr lang="en-US" altLang="ko-KR" dirty="0"/>
+              <a:t>256 dense </a:t>
+            </a:r>
+            <a:r>
+              <a:rPr lang="ko-KR" altLang="en-US" dirty="0"/>
+              <a:t>를 </a:t>
+            </a:r>
+            <a:r>
+              <a:rPr lang="en-US" altLang="ko-KR" dirty="0"/>
+              <a:t>128 dense </a:t>
+            </a:r>
+            <a:r>
+              <a:rPr lang="ko-KR" altLang="en-US" dirty="0"/>
+              <a:t>로 변경</a:t>
+            </a:r>
+            <a:endParaRPr lang="en-US" altLang="ko-KR" dirty="0"/>
+          </a:p>
+          <a:p>
+            <a:r>
+              <a:rPr lang="en-US" altLang="ko-KR" dirty="0"/>
+              <a:t>Model D : Model C</a:t>
+            </a:r>
+            <a:r>
+              <a:rPr lang="ko-KR" altLang="en-US" dirty="0"/>
+              <a:t> 의 </a:t>
+            </a:r>
+            <a:r>
+              <a:rPr lang="en-US" altLang="ko-KR" dirty="0"/>
+              <a:t>dropout </a:t>
+            </a:r>
+            <a:r>
+              <a:rPr lang="ko-KR" altLang="en-US" dirty="0"/>
+              <a:t>을 </a:t>
+            </a:r>
+            <a:r>
+              <a:rPr lang="en-US" altLang="ko-KR" dirty="0"/>
+              <a:t>0.1</a:t>
+            </a:r>
+            <a:r>
+              <a:rPr lang="ko-KR" altLang="en-US" dirty="0"/>
+              <a:t>로 유지하다가 마지막만 </a:t>
+            </a:r>
+            <a:r>
+              <a:rPr lang="en-US" altLang="ko-KR" dirty="0"/>
+              <a:t>0.2 </a:t>
+            </a:r>
+            <a:r>
+              <a:rPr lang="ko-KR" altLang="en-US" dirty="0"/>
+              <a:t>로</a:t>
+            </a:r>
+            <a:endParaRPr lang="en-US" altLang="ko-KR" dirty="0"/>
+          </a:p>
+          <a:p>
+            <a:endParaRPr lang="en-US" altLang="ko-KR" dirty="0"/>
+          </a:p>
+          <a:p>
             <a:endParaRPr lang="ko-KR" altLang="en-US" dirty="0"/>
           </a:p>
         </p:txBody>
@@ -948,7 +948,7 @@
           <a:p>
             <a:fld id="{C7E75926-9BB1-4887-9E1E-3F46BA39A9CF}" type="slidenum">
               <a:rPr lang="ko-KR" altLang="en-US" smtClean="0"/>
-              <a:t>14</a:t>
+              <a:t>11</a:t>
             </a:fld>
             <a:endParaRPr lang="ko-KR" altLang="en-US"/>
           </a:p>
@@ -957,7 +957,7 @@
     </p:spTree>
     <p:extLst>
       <p:ext uri="{BB962C8B-B14F-4D97-AF65-F5344CB8AC3E}">
-        <p14:creationId xmlns:p14="http://schemas.microsoft.com/office/powerpoint/2010/main" val="525997071"/>
+        <p14:creationId xmlns:p14="http://schemas.microsoft.com/office/powerpoint/2010/main" val="677817830"/>
       </p:ext>
     </p:extLst>
   </p:cSld>
@@ -1032,6 +1032,90 @@
           <a:p>
             <a:fld id="{C7E75926-9BB1-4887-9E1E-3F46BA39A9CF}" type="slidenum">
               <a:rPr lang="ko-KR" altLang="en-US" smtClean="0"/>
+              <a:t>14</a:t>
+            </a:fld>
+            <a:endParaRPr lang="ko-KR" altLang="en-US"/>
+          </a:p>
+        </p:txBody>
+      </p:sp>
+    </p:spTree>
+    <p:extLst>
+      <p:ext uri="{BB962C8B-B14F-4D97-AF65-F5344CB8AC3E}">
+        <p14:creationId xmlns:p14="http://schemas.microsoft.com/office/powerpoint/2010/main" val="525997071"/>
+      </p:ext>
+    </p:extLst>
+  </p:cSld>
+  <p:clrMapOvr>
+    <a:masterClrMapping/>
+  </p:clrMapOvr>
+</p:notes>
+</file>
+
+<file path=ppt/notesSlides/notesSlide6.xml><?xml version="1.0" encoding="utf-8"?>
+<p:notes xmlns:a="http://schemas.openxmlformats.org/drawingml/2006/main" xmlns:r="http://schemas.openxmlformats.org/officeDocument/2006/relationships" xmlns:p="http://schemas.openxmlformats.org/presentationml/2006/main">
+  <p:cSld>
+    <p:spTree>
+      <p:nvGrpSpPr>
+        <p:cNvPr id="1" name=""/>
+        <p:cNvGrpSpPr/>
+        <p:nvPr/>
+      </p:nvGrpSpPr>
+      <p:grpSpPr>
+        <a:xfrm>
+          <a:off x="0" y="0"/>
+          <a:ext cx="0" cy="0"/>
+          <a:chOff x="0" y="0"/>
+          <a:chExt cx="0" cy="0"/>
+        </a:xfrm>
+      </p:grpSpPr>
+      <p:sp>
+        <p:nvSpPr>
+          <p:cNvPr id="2" name="슬라이드 이미지 개체 틀 1"/>
+          <p:cNvSpPr>
+            <a:spLocks noGrp="1" noRot="1" noChangeAspect="1"/>
+          </p:cNvSpPr>
+          <p:nvPr>
+            <p:ph type="sldImg"/>
+          </p:nvPr>
+        </p:nvSpPr>
+        <p:spPr/>
+      </p:sp>
+      <p:sp>
+        <p:nvSpPr>
+          <p:cNvPr id="3" name="슬라이드 노트 개체 틀 2"/>
+          <p:cNvSpPr>
+            <a:spLocks noGrp="1"/>
+          </p:cNvSpPr>
+          <p:nvPr>
+            <p:ph type="body" idx="1"/>
+          </p:nvPr>
+        </p:nvSpPr>
+        <p:spPr/>
+        <p:txBody>
+          <a:bodyPr/>
+          <a:lstStyle/>
+          <a:p>
+            <a:endParaRPr lang="ko-KR" altLang="en-US" dirty="0"/>
+          </a:p>
+        </p:txBody>
+      </p:sp>
+      <p:sp>
+        <p:nvSpPr>
+          <p:cNvPr id="4" name="슬라이드 번호 개체 틀 3"/>
+          <p:cNvSpPr>
+            <a:spLocks noGrp="1"/>
+          </p:cNvSpPr>
+          <p:nvPr>
+            <p:ph type="sldNum" sz="quarter" idx="5"/>
+          </p:nvPr>
+        </p:nvSpPr>
+        <p:spPr/>
+        <p:txBody>
+          <a:bodyPr/>
+          <a:lstStyle/>
+          <a:p>
+            <a:fld id="{C7E75926-9BB1-4887-9E1E-3F46BA39A9CF}" type="slidenum">
+              <a:rPr lang="ko-KR" altLang="en-US" smtClean="0"/>
               <a:t>15</a:t>
             </a:fld>
             <a:endParaRPr lang="ko-KR" altLang="en-US"/>
@@ -1051,7 +1135,7 @@
 </p:notes>
 </file>
 
-<file path=ppt/notesSlides/notesSlide6.xml><?xml version="1.0" encoding="utf-8"?>
+<file path=ppt/notesSlides/notesSlide7.xml><?xml version="1.0" encoding="utf-8"?>
 <p:notes xmlns:a="http://schemas.openxmlformats.org/drawingml/2006/main" xmlns:r="http://schemas.openxmlformats.org/officeDocument/2006/relationships" xmlns:p="http://schemas.openxmlformats.org/presentationml/2006/main">
   <p:cSld>
     <p:spTree>
@@ -1282,7 +1366,7 @@
           <a:p>
             <a:fld id="{74F891DD-A664-45E7-9EC5-B5FC304C96FF}" type="datetimeFigureOut">
               <a:rPr lang="ko-KR" altLang="en-US" smtClean="0"/>
-              <a:t>2022-06-09</a:t>
+              <a:t>2022-06-10</a:t>
             </a:fld>
             <a:endParaRPr lang="ko-KR" altLang="en-US"/>
           </a:p>
@@ -1492,7 +1576,7 @@
           <a:p>
             <a:fld id="{74F891DD-A664-45E7-9EC5-B5FC304C96FF}" type="datetimeFigureOut">
               <a:rPr lang="ko-KR" altLang="en-US" smtClean="0"/>
-              <a:t>2022-06-09</a:t>
+              <a:t>2022-06-10</a:t>
             </a:fld>
             <a:endParaRPr lang="ko-KR" altLang="en-US"/>
           </a:p>
@@ -1712,7 +1796,7 @@
           <a:p>
             <a:fld id="{74F891DD-A664-45E7-9EC5-B5FC304C96FF}" type="datetimeFigureOut">
               <a:rPr lang="ko-KR" altLang="en-US" smtClean="0"/>
-              <a:t>2022-06-09</a:t>
+              <a:t>2022-06-10</a:t>
             </a:fld>
             <a:endParaRPr lang="ko-KR" altLang="en-US"/>
           </a:p>
@@ -1922,7 +2006,7 @@
           <a:p>
             <a:fld id="{74F891DD-A664-45E7-9EC5-B5FC304C96FF}" type="datetimeFigureOut">
               <a:rPr lang="ko-KR" altLang="en-US" smtClean="0"/>
-              <a:t>2022-06-09</a:t>
+              <a:t>2022-06-10</a:t>
             </a:fld>
             <a:endParaRPr lang="ko-KR" altLang="en-US"/>
           </a:p>
@@ -2209,7 +2293,7 @@
           <a:p>
             <a:fld id="{74F891DD-A664-45E7-9EC5-B5FC304C96FF}" type="datetimeFigureOut">
               <a:rPr lang="ko-KR" altLang="en-US" smtClean="0"/>
-              <a:t>2022-06-09</a:t>
+              <a:t>2022-06-10</a:t>
             </a:fld>
             <a:endParaRPr lang="ko-KR" altLang="en-US"/>
           </a:p>
@@ -2486,7 +2570,7 @@
           <a:p>
             <a:fld id="{74F891DD-A664-45E7-9EC5-B5FC304C96FF}" type="datetimeFigureOut">
               <a:rPr lang="ko-KR" altLang="en-US" smtClean="0"/>
-              <a:t>2022-06-09</a:t>
+              <a:t>2022-06-10</a:t>
             </a:fld>
             <a:endParaRPr lang="ko-KR" altLang="en-US"/>
           </a:p>
@@ -2910,7 +2994,7 @@
           <a:p>
             <a:fld id="{74F891DD-A664-45E7-9EC5-B5FC304C96FF}" type="datetimeFigureOut">
               <a:rPr lang="ko-KR" altLang="en-US" smtClean="0"/>
-              <a:t>2022-06-09</a:t>
+              <a:t>2022-06-10</a:t>
             </a:fld>
             <a:endParaRPr lang="ko-KR" altLang="en-US"/>
           </a:p>
@@ -3063,7 +3147,7 @@
           <a:p>
             <a:fld id="{74F891DD-A664-45E7-9EC5-B5FC304C96FF}" type="datetimeFigureOut">
               <a:rPr lang="ko-KR" altLang="en-US" smtClean="0"/>
-              <a:t>2022-06-09</a:t>
+              <a:t>2022-06-10</a:t>
             </a:fld>
             <a:endParaRPr lang="ko-KR" altLang="en-US"/>
           </a:p>
@@ -3188,7 +3272,7 @@
           <a:p>
             <a:fld id="{74F891DD-A664-45E7-9EC5-B5FC304C96FF}" type="datetimeFigureOut">
               <a:rPr lang="ko-KR" altLang="en-US" smtClean="0"/>
-              <a:t>2022-06-09</a:t>
+              <a:t>2022-06-10</a:t>
             </a:fld>
             <a:endParaRPr lang="ko-KR" altLang="en-US"/>
           </a:p>
@@ -3511,7 +3595,7 @@
           <a:p>
             <a:fld id="{74F891DD-A664-45E7-9EC5-B5FC304C96FF}" type="datetimeFigureOut">
               <a:rPr lang="ko-KR" altLang="en-US" smtClean="0"/>
-              <a:t>2022-06-09</a:t>
+              <a:t>2022-06-10</a:t>
             </a:fld>
             <a:endParaRPr lang="ko-KR" altLang="en-US"/>
           </a:p>
@@ -3811,7 +3895,7 @@
           <a:p>
             <a:fld id="{74F891DD-A664-45E7-9EC5-B5FC304C96FF}" type="datetimeFigureOut">
               <a:rPr lang="ko-KR" altLang="en-US" smtClean="0"/>
-              <a:t>2022-06-09</a:t>
+              <a:t>2022-06-10</a:t>
             </a:fld>
             <a:endParaRPr lang="ko-KR" altLang="en-US"/>
           </a:p>
@@ -4064,7 +4148,7 @@
           <a:p>
             <a:fld id="{74F891DD-A664-45E7-9EC5-B5FC304C96FF}" type="datetimeFigureOut">
               <a:rPr lang="ko-KR" altLang="en-US" smtClean="0"/>
-              <a:t>2022-06-09</a:t>
+              <a:t>2022-06-10</a:t>
             </a:fld>
             <a:endParaRPr lang="ko-KR" altLang="en-US"/>
           </a:p>
